--- a/pz/1/Z1P1.pptx
+++ b/pz/1/Z1P1.pptx
@@ -12,7 +12,12 @@
     <p:sldId id="294" r:id="rId9"/>
     <p:sldId id="291" r:id="rId10"/>
     <p:sldId id="295" r:id="rId11"/>
-    <p:sldId id="292" r:id="rId12"/>
+    <p:sldId id="296" r:id="rId12"/>
+    <p:sldId id="297" r:id="rId13"/>
+    <p:sldId id="292" r:id="rId14"/>
+    <p:sldId id="299" r:id="rId15"/>
+    <p:sldId id="300" r:id="rId16"/>
+    <p:sldId id="301" r:id="rId17"/>
   </p:sldIdLst>
   <p:sldSz cx="12192000" cy="6858000"/>
   <p:notesSz cx="6858000" cy="9144000"/>
@@ -363,7 +368,7 @@
           <a:p>
             <a:fld id="{9184DA70-C731-4C70-880D-CCD4705E623C}" type="datetime1">
               <a:rPr lang="en-US" smtClean="0"/>
-              <a:t>3/7/2021</a:t>
+              <a:t>3/8/2021</a:t>
             </a:fld>
             <a:endParaRPr lang="en-US" dirty="0"/>
           </a:p>
@@ -551,7 +556,7 @@
           <a:p>
             <a:fld id="{4BE1D723-8F53-4F53-90B0-1982A396982E}" type="datetime1">
               <a:rPr lang="en-US" smtClean="0"/>
-              <a:t>3/7/2021</a:t>
+              <a:t>3/8/2021</a:t>
             </a:fld>
             <a:endParaRPr lang="en-US" dirty="0"/>
           </a:p>
@@ -924,7 +929,7 @@
           <a:p>
             <a:fld id="{97669AF7-7BEB-44E4-9852-375E34362B5B}" type="datetime1">
               <a:rPr lang="en-US" smtClean="0"/>
-              <a:t>3/7/2021</a:t>
+              <a:t>3/8/2021</a:t>
             </a:fld>
             <a:endParaRPr lang="en-US" dirty="0"/>
           </a:p>
@@ -1179,7 +1184,7 @@
           <a:p>
             <a:fld id="{BAAAC38D-0552-4C82-B593-E6124DFADBE2}" type="datetime1">
               <a:rPr lang="en-US" smtClean="0"/>
-              <a:t>3/7/2021</a:t>
+              <a:t>3/8/2021</a:t>
             </a:fld>
             <a:endParaRPr lang="en-US" dirty="0"/>
           </a:p>
@@ -1576,7 +1581,7 @@
           <a:p>
             <a:fld id="{D9DF0F1C-5577-4ACB-BB62-DF8F3C494C7E}" type="datetime1">
               <a:rPr lang="en-US" smtClean="0"/>
-              <a:t>3/7/2021</a:t>
+              <a:t>3/8/2021</a:t>
             </a:fld>
             <a:endParaRPr lang="en-US" dirty="0"/>
           </a:p>
@@ -1712,7 +1717,7 @@
           <a:p>
             <a:fld id="{1775B394-D9F9-4F0C-B15D-605F45CB9E9F}" type="datetime1">
               <a:rPr lang="en-US" smtClean="0"/>
-              <a:t>3/7/2021</a:t>
+              <a:t>3/8/2021</a:t>
             </a:fld>
             <a:endParaRPr lang="en-US" dirty="0"/>
           </a:p>
@@ -1869,7 +1874,7 @@
           <a:p>
             <a:fld id="{39667345-2558-425A-8533-9BFDBCE15005}" type="datetime1">
               <a:rPr lang="en-US" smtClean="0"/>
-              <a:t>3/7/2021</a:t>
+              <a:t>3/8/2021</a:t>
             </a:fld>
             <a:endParaRPr lang="en-US" dirty="0"/>
           </a:p>
@@ -2198,7 +2203,7 @@
           <a:p>
             <a:fld id="{92BEA474-078D-4E9B-9B14-09A87B19DC46}" type="datetime1">
               <a:rPr lang="en-US" smtClean="0"/>
-              <a:t>3/7/2021</a:t>
+              <a:t>3/8/2021</a:t>
             </a:fld>
             <a:endParaRPr lang="en-US" dirty="0"/>
           </a:p>
@@ -2548,7 +2553,7 @@
           <a:p>
             <a:fld id="{4907D986-8816-4272-A432-0437A28A9828}" type="datetime1">
               <a:rPr lang="en-US" smtClean="0"/>
-              <a:t>3/7/2021</a:t>
+              <a:t>3/8/2021</a:t>
             </a:fld>
             <a:endParaRPr lang="en-US" dirty="0"/>
           </a:p>
@@ -2809,7 +2814,7 @@
           <a:p>
             <a:fld id="{62D6E202-B606-4609-B914-27C9371A1F6D}" type="datetime1">
               <a:rPr lang="en-US" smtClean="0"/>
-              <a:t>3/7/2021</a:t>
+              <a:t>3/8/2021</a:t>
             </a:fld>
             <a:endParaRPr lang="en-US" dirty="0"/>
           </a:p>
@@ -3769,6 +3774,664 @@
 </p:sld>
 </file>
 
+<file path=ppt/slides/slide10.xml><?xml version="1.0" encoding="utf-8"?>
+<p:sld xmlns:a="http://schemas.openxmlformats.org/drawingml/2006/main" xmlns:r="http://schemas.openxmlformats.org/officeDocument/2006/relationships" xmlns:p="http://schemas.openxmlformats.org/presentationml/2006/main">
+  <p:cSld>
+    <p:spTree>
+      <p:nvGrpSpPr>
+        <p:cNvPr id="1" name=""/>
+        <p:cNvGrpSpPr/>
+        <p:nvPr/>
+      </p:nvGrpSpPr>
+      <p:grpSpPr>
+        <a:xfrm>
+          <a:off x="0" y="0"/>
+          <a:ext cx="0" cy="0"/>
+          <a:chOff x="0" y="0"/>
+          <a:chExt cx="0" cy="0"/>
+        </a:xfrm>
+      </p:grpSpPr>
+      <p:sp>
+        <p:nvSpPr>
+          <p:cNvPr id="2" name="Title 1">
+            <a:extLst>
+              <a:ext uri="{FF2B5EF4-FFF2-40B4-BE49-F238E27FC236}">
+                <a16:creationId xmlns:a16="http://schemas.microsoft.com/office/drawing/2014/main" id="{675CFA7F-9BE1-497B-8401-6B66EB28EED5}"/>
+              </a:ext>
+            </a:extLst>
+          </p:cNvPr>
+          <p:cNvSpPr>
+            <a:spLocks noGrp="1"/>
+          </p:cNvSpPr>
+          <p:nvPr>
+            <p:ph type="title"/>
+          </p:nvPr>
+        </p:nvSpPr>
+        <p:spPr/>
+        <p:txBody>
+          <a:bodyPr/>
+          <a:lstStyle/>
+          <a:p>
+            <a:r>
+              <a:rPr lang="pl-PL" dirty="0"/>
+              <a:t>Zbiór funkcjonalności</a:t>
+            </a:r>
+          </a:p>
+        </p:txBody>
+      </p:sp>
+      <p:sp>
+        <p:nvSpPr>
+          <p:cNvPr id="3" name="Content Placeholder 2">
+            <a:extLst>
+              <a:ext uri="{FF2B5EF4-FFF2-40B4-BE49-F238E27FC236}">
+                <a16:creationId xmlns:a16="http://schemas.microsoft.com/office/drawing/2014/main" id="{8811DC91-F556-4820-AE6D-D8189A67BD10}"/>
+              </a:ext>
+            </a:extLst>
+          </p:cNvPr>
+          <p:cNvSpPr>
+            <a:spLocks noGrp="1"/>
+          </p:cNvSpPr>
+          <p:nvPr>
+            <p:ph idx="1"/>
+          </p:nvPr>
+        </p:nvSpPr>
+        <p:spPr>
+          <a:xfrm>
+            <a:off x="1097279" y="2108201"/>
+            <a:ext cx="10135579" cy="3760891"/>
+          </a:xfrm>
+        </p:spPr>
+        <p:txBody>
+          <a:bodyPr>
+            <a:normAutofit/>
+          </a:bodyPr>
+          <a:lstStyle/>
+          <a:p>
+            <a:pPr>
+              <a:buFont typeface="Wingdings" panose="05000000000000000000" pitchFamily="2" charset="2"/>
+              <a:buChar char="v"/>
+            </a:pPr>
+            <a:r>
+              <a:rPr lang="pl-PL" b="1" dirty="0"/>
+              <a:t> Jako nauczyciel chcę stworzyć test, by sprawdzić wiedzę swoich uczniów</a:t>
+            </a:r>
+          </a:p>
+          <a:p>
+            <a:pPr>
+              <a:buFont typeface="Wingdings" panose="05000000000000000000" pitchFamily="2" charset="2"/>
+              <a:buChar char="v"/>
+            </a:pPr>
+            <a:r>
+              <a:rPr lang="pl-PL" b="1" dirty="0"/>
+              <a:t> Jako uczeń chcę wypełnić test, by zaliczyć przedmiot </a:t>
+            </a:r>
+          </a:p>
+          <a:p>
+            <a:pPr>
+              <a:buFont typeface="Wingdings" panose="05000000000000000000" pitchFamily="2" charset="2"/>
+              <a:buChar char="v"/>
+            </a:pPr>
+            <a:r>
+              <a:rPr lang="pl-PL" dirty="0"/>
+              <a:t> Jako nauczyciel chcę założyć konto, by móc tworzyć testy</a:t>
+            </a:r>
+          </a:p>
+          <a:p>
+            <a:pPr>
+              <a:buFont typeface="Wingdings" panose="05000000000000000000" pitchFamily="2" charset="2"/>
+              <a:buChar char="v"/>
+            </a:pPr>
+            <a:r>
+              <a:rPr lang="pl-PL" dirty="0"/>
+              <a:t> Jako uczeń chcę założyć konto, by móc wypełniać testy</a:t>
+            </a:r>
+          </a:p>
+          <a:p>
+            <a:pPr>
+              <a:buFont typeface="Wingdings" panose="05000000000000000000" pitchFamily="2" charset="2"/>
+              <a:buChar char="v"/>
+            </a:pPr>
+            <a:r>
+              <a:rPr lang="pl-PL" dirty="0"/>
+              <a:t> Jako nauczyciel chcę mieć dostęp do wyników testów, by móc analizować nabytą wiedzę uczniów</a:t>
+            </a:r>
+          </a:p>
+          <a:p>
+            <a:pPr>
+              <a:buFont typeface="Wingdings" panose="05000000000000000000" pitchFamily="2" charset="2"/>
+              <a:buChar char="v"/>
+            </a:pPr>
+            <a:r>
+              <a:rPr lang="pl-PL" dirty="0"/>
+              <a:t> Jako nauczyciel chcę stworzyć własną grupę studentów, by łatwo zarządzać testami</a:t>
+            </a:r>
+          </a:p>
+          <a:p>
+            <a:pPr>
+              <a:buFont typeface="Wingdings" panose="05000000000000000000" pitchFamily="2" charset="2"/>
+              <a:buChar char="v"/>
+            </a:pPr>
+            <a:r>
+              <a:rPr lang="pl-PL" dirty="0"/>
+              <a:t> Jako uczeń chcę mieć dostęp do wyniku mojego testu, by sprawdzić mój wynik</a:t>
+            </a:r>
+          </a:p>
+        </p:txBody>
+      </p:sp>
+    </p:spTree>
+    <p:extLst>
+      <p:ext uri="{BB962C8B-B14F-4D97-AF65-F5344CB8AC3E}">
+        <p14:creationId xmlns:p14="http://schemas.microsoft.com/office/powerpoint/2010/main" val="4018286563"/>
+      </p:ext>
+    </p:extLst>
+  </p:cSld>
+  <p:clrMapOvr>
+    <a:masterClrMapping/>
+  </p:clrMapOvr>
+</p:sld>
+</file>
+
+<file path=ppt/slides/slide11.xml><?xml version="1.0" encoding="utf-8"?>
+<p:sld xmlns:a="http://schemas.openxmlformats.org/drawingml/2006/main" xmlns:r="http://schemas.openxmlformats.org/officeDocument/2006/relationships" xmlns:p="http://schemas.openxmlformats.org/presentationml/2006/main">
+  <p:cSld>
+    <p:spTree>
+      <p:nvGrpSpPr>
+        <p:cNvPr id="1" name=""/>
+        <p:cNvGrpSpPr/>
+        <p:nvPr/>
+      </p:nvGrpSpPr>
+      <p:grpSpPr>
+        <a:xfrm>
+          <a:off x="0" y="0"/>
+          <a:ext cx="0" cy="0"/>
+          <a:chOff x="0" y="0"/>
+          <a:chExt cx="0" cy="0"/>
+        </a:xfrm>
+      </p:grpSpPr>
+      <p:sp>
+        <p:nvSpPr>
+          <p:cNvPr id="2" name="Title 1">
+            <a:extLst>
+              <a:ext uri="{FF2B5EF4-FFF2-40B4-BE49-F238E27FC236}">
+                <a16:creationId xmlns:a16="http://schemas.microsoft.com/office/drawing/2014/main" id="{675CFA7F-9BE1-497B-8401-6B66EB28EED5}"/>
+              </a:ext>
+            </a:extLst>
+          </p:cNvPr>
+          <p:cNvSpPr>
+            <a:spLocks noGrp="1"/>
+          </p:cNvSpPr>
+          <p:nvPr>
+            <p:ph type="title"/>
+          </p:nvPr>
+        </p:nvSpPr>
+        <p:spPr/>
+        <p:txBody>
+          <a:bodyPr/>
+          <a:lstStyle/>
+          <a:p>
+            <a:r>
+              <a:rPr lang="pl-PL" dirty="0"/>
+              <a:t>Zbiór funkcjonalności</a:t>
+            </a:r>
+          </a:p>
+        </p:txBody>
+      </p:sp>
+      <p:sp>
+        <p:nvSpPr>
+          <p:cNvPr id="3" name="Content Placeholder 2">
+            <a:extLst>
+              <a:ext uri="{FF2B5EF4-FFF2-40B4-BE49-F238E27FC236}">
+                <a16:creationId xmlns:a16="http://schemas.microsoft.com/office/drawing/2014/main" id="{8811DC91-F556-4820-AE6D-D8189A67BD10}"/>
+              </a:ext>
+            </a:extLst>
+          </p:cNvPr>
+          <p:cNvSpPr>
+            <a:spLocks noGrp="1"/>
+          </p:cNvSpPr>
+          <p:nvPr>
+            <p:ph idx="1"/>
+          </p:nvPr>
+        </p:nvSpPr>
+        <p:spPr>
+          <a:xfrm>
+            <a:off x="1097279" y="2108201"/>
+            <a:ext cx="10135579" cy="3760891"/>
+          </a:xfrm>
+        </p:spPr>
+        <p:txBody>
+          <a:bodyPr>
+            <a:normAutofit/>
+          </a:bodyPr>
+          <a:lstStyle/>
+          <a:p>
+            <a:pPr>
+              <a:buFont typeface="Wingdings" panose="05000000000000000000" pitchFamily="2" charset="2"/>
+              <a:buChar char="v"/>
+            </a:pPr>
+            <a:r>
+              <a:rPr lang="pl-PL" dirty="0"/>
+              <a:t> </a:t>
+            </a:r>
+            <a:r>
+              <a:rPr lang="pl-PL" b="1" dirty="0"/>
+              <a:t>Jako nauczyciel chcę stworzyć test, by sprawdzić wiedzę swoich uczniów</a:t>
+            </a:r>
+          </a:p>
+          <a:p>
+            <a:pPr lvl="1">
+              <a:buFont typeface="Wingdings" panose="05000000000000000000" pitchFamily="2" charset="2"/>
+              <a:buChar char="v"/>
+            </a:pPr>
+            <a:r>
+              <a:rPr lang="pl-PL" b="1" dirty="0"/>
+              <a:t> Jako nauczyciel chcę wejść na stronę internetową, by zapoznać się z ofertą</a:t>
+            </a:r>
+          </a:p>
+          <a:p>
+            <a:pPr lvl="1">
+              <a:buFont typeface="Wingdings" panose="05000000000000000000" pitchFamily="2" charset="2"/>
+              <a:buChar char="v"/>
+            </a:pPr>
+            <a:r>
+              <a:rPr lang="pl-PL" dirty="0"/>
+              <a:t> Jako nauczyciel chcę założyć konto, by korzystać z serwisu</a:t>
+            </a:r>
+          </a:p>
+          <a:p>
+            <a:pPr lvl="1">
+              <a:buFont typeface="Wingdings" panose="05000000000000000000" pitchFamily="2" charset="2"/>
+              <a:buChar char="v"/>
+            </a:pPr>
+            <a:r>
+              <a:rPr lang="pl-PL" dirty="0"/>
+              <a:t> Jako nauczyciel chcę wprowadzać pytania, by stworzyć test</a:t>
+            </a:r>
+          </a:p>
+          <a:p>
+            <a:pPr lvl="1">
+              <a:buFont typeface="Wingdings" panose="05000000000000000000" pitchFamily="2" charset="2"/>
+              <a:buChar char="v"/>
+            </a:pPr>
+            <a:r>
+              <a:rPr lang="pl-PL" dirty="0"/>
+              <a:t> Jako nauczyciel chcę zaprosić uczniów, by mogli wypełnić test</a:t>
+            </a:r>
+          </a:p>
+          <a:p>
+            <a:pPr lvl="1">
+              <a:buFont typeface="Wingdings" panose="05000000000000000000" pitchFamily="2" charset="2"/>
+              <a:buChar char="v"/>
+            </a:pPr>
+            <a:r>
+              <a:rPr lang="pl-PL" dirty="0"/>
+              <a:t> Jako nauczyciel chcę tworzyć grupy uczniów, by szybciej organizować testy</a:t>
+            </a:r>
+          </a:p>
+        </p:txBody>
+      </p:sp>
+    </p:spTree>
+    <p:extLst>
+      <p:ext uri="{BB962C8B-B14F-4D97-AF65-F5344CB8AC3E}">
+        <p14:creationId xmlns:p14="http://schemas.microsoft.com/office/powerpoint/2010/main" val="529558684"/>
+      </p:ext>
+    </p:extLst>
+  </p:cSld>
+  <p:clrMapOvr>
+    <a:masterClrMapping/>
+  </p:clrMapOvr>
+</p:sld>
+</file>
+
+<file path=ppt/slides/slide12.xml><?xml version="1.0" encoding="utf-8"?>
+<p:sld xmlns:a="http://schemas.openxmlformats.org/drawingml/2006/main" xmlns:r="http://schemas.openxmlformats.org/officeDocument/2006/relationships" xmlns:p="http://schemas.openxmlformats.org/presentationml/2006/main">
+  <p:cSld>
+    <p:spTree>
+      <p:nvGrpSpPr>
+        <p:cNvPr id="1" name=""/>
+        <p:cNvGrpSpPr/>
+        <p:nvPr/>
+      </p:nvGrpSpPr>
+      <p:grpSpPr>
+        <a:xfrm>
+          <a:off x="0" y="0"/>
+          <a:ext cx="0" cy="0"/>
+          <a:chOff x="0" y="0"/>
+          <a:chExt cx="0" cy="0"/>
+        </a:xfrm>
+      </p:grpSpPr>
+      <p:sp>
+        <p:nvSpPr>
+          <p:cNvPr id="2" name="Title 1">
+            <a:extLst>
+              <a:ext uri="{FF2B5EF4-FFF2-40B4-BE49-F238E27FC236}">
+                <a16:creationId xmlns:a16="http://schemas.microsoft.com/office/drawing/2014/main" id="{675CFA7F-9BE1-497B-8401-6B66EB28EED5}"/>
+              </a:ext>
+            </a:extLst>
+          </p:cNvPr>
+          <p:cNvSpPr>
+            <a:spLocks noGrp="1"/>
+          </p:cNvSpPr>
+          <p:nvPr>
+            <p:ph type="title"/>
+          </p:nvPr>
+        </p:nvSpPr>
+        <p:spPr/>
+        <p:txBody>
+          <a:bodyPr/>
+          <a:lstStyle/>
+          <a:p>
+            <a:r>
+              <a:rPr lang="pl-PL" dirty="0"/>
+              <a:t>Zbiór funkcjonalności - harmonogram</a:t>
+            </a:r>
+          </a:p>
+        </p:txBody>
+      </p:sp>
+      <p:sp>
+        <p:nvSpPr>
+          <p:cNvPr id="3" name="Content Placeholder 2">
+            <a:extLst>
+              <a:ext uri="{FF2B5EF4-FFF2-40B4-BE49-F238E27FC236}">
+                <a16:creationId xmlns:a16="http://schemas.microsoft.com/office/drawing/2014/main" id="{8811DC91-F556-4820-AE6D-D8189A67BD10}"/>
+              </a:ext>
+            </a:extLst>
+          </p:cNvPr>
+          <p:cNvSpPr>
+            <a:spLocks noGrp="1"/>
+          </p:cNvSpPr>
+          <p:nvPr>
+            <p:ph idx="1"/>
+          </p:nvPr>
+        </p:nvSpPr>
+        <p:spPr>
+          <a:xfrm>
+            <a:off x="1097279" y="2108201"/>
+            <a:ext cx="10135579" cy="3760891"/>
+          </a:xfrm>
+        </p:spPr>
+        <p:txBody>
+          <a:bodyPr>
+            <a:normAutofit/>
+          </a:bodyPr>
+          <a:lstStyle/>
+          <a:p>
+            <a:pPr>
+              <a:lnSpc>
+                <a:spcPct val="150000"/>
+              </a:lnSpc>
+              <a:buFont typeface="Wingdings" panose="05000000000000000000" pitchFamily="2" charset="2"/>
+              <a:buChar char="v"/>
+            </a:pPr>
+            <a:r>
+              <a:rPr lang="pl-PL" dirty="0"/>
+              <a:t> Jako nauczyciel chcę stworzyć test, by sprawdzić wiedzę swoich uczniów</a:t>
+            </a:r>
+          </a:p>
+          <a:p>
+            <a:pPr lvl="1">
+              <a:lnSpc>
+                <a:spcPct val="150000"/>
+              </a:lnSpc>
+              <a:buFont typeface="Wingdings" panose="05000000000000000000" pitchFamily="2" charset="2"/>
+              <a:buChar char="v"/>
+            </a:pPr>
+            <a:r>
+              <a:rPr lang="pl-PL" dirty="0"/>
+              <a:t> Jako nauczyciel chcę wejść na stronę internetową, by zapoznać się z ofertą</a:t>
+            </a:r>
+          </a:p>
+          <a:p>
+            <a:pPr lvl="2">
+              <a:lnSpc>
+                <a:spcPct val="150000"/>
+              </a:lnSpc>
+              <a:buFont typeface="Wingdings" panose="05000000000000000000" pitchFamily="2" charset="2"/>
+              <a:buChar char="v"/>
+            </a:pPr>
+            <a:r>
+              <a:rPr lang="pl-PL" dirty="0"/>
+              <a:t> Zapoznanie się z technologiami: React, Django – Zespół Deweloperski</a:t>
+            </a:r>
+          </a:p>
+          <a:p>
+            <a:pPr lvl="2">
+              <a:lnSpc>
+                <a:spcPct val="150000"/>
+              </a:lnSpc>
+              <a:buFont typeface="Wingdings" panose="05000000000000000000" pitchFamily="2" charset="2"/>
+              <a:buChar char="v"/>
+            </a:pPr>
+            <a:r>
+              <a:rPr lang="pl-PL" dirty="0"/>
+              <a:t> Utworzenie szablonu aplikacji internetowej – Hubert Knioła, Mateusz Kuźniak</a:t>
+            </a:r>
+          </a:p>
+          <a:p>
+            <a:pPr lvl="2">
+              <a:lnSpc>
+                <a:spcPct val="150000"/>
+              </a:lnSpc>
+              <a:buFont typeface="Wingdings" panose="05000000000000000000" pitchFamily="2" charset="2"/>
+              <a:buChar char="v"/>
+            </a:pPr>
+            <a:r>
+              <a:rPr lang="pl-PL" dirty="0"/>
+              <a:t> Utworzenie szkieletu serwera – Bartosz Kosmala, Jordan Kondracki</a:t>
+            </a:r>
+          </a:p>
+        </p:txBody>
+      </p:sp>
+    </p:spTree>
+    <p:extLst>
+      <p:ext uri="{BB962C8B-B14F-4D97-AF65-F5344CB8AC3E}">
+        <p14:creationId xmlns:p14="http://schemas.microsoft.com/office/powerpoint/2010/main" val="2335801513"/>
+      </p:ext>
+    </p:extLst>
+  </p:cSld>
+  <p:clrMapOvr>
+    <a:masterClrMapping/>
+  </p:clrMapOvr>
+</p:sld>
+</file>
+
+<file path=ppt/slides/slide13.xml><?xml version="1.0" encoding="utf-8"?>
+<p:sld xmlns:a="http://schemas.openxmlformats.org/drawingml/2006/main" xmlns:r="http://schemas.openxmlformats.org/officeDocument/2006/relationships" xmlns:p="http://schemas.openxmlformats.org/presentationml/2006/main">
+  <p:cSld>
+    <p:spTree>
+      <p:nvGrpSpPr>
+        <p:cNvPr id="1" name=""/>
+        <p:cNvGrpSpPr/>
+        <p:nvPr/>
+      </p:nvGrpSpPr>
+      <p:grpSpPr>
+        <a:xfrm>
+          <a:off x="0" y="0"/>
+          <a:ext cx="0" cy="0"/>
+          <a:chOff x="0" y="0"/>
+          <a:chExt cx="0" cy="0"/>
+        </a:xfrm>
+      </p:grpSpPr>
+      <p:sp>
+        <p:nvSpPr>
+          <p:cNvPr id="2" name="Title 1">
+            <a:extLst>
+              <a:ext uri="{FF2B5EF4-FFF2-40B4-BE49-F238E27FC236}">
+                <a16:creationId xmlns:a16="http://schemas.microsoft.com/office/drawing/2014/main" id="{8704892D-3CCF-42FB-8026-442BE1251E14}"/>
+              </a:ext>
+            </a:extLst>
+          </p:cNvPr>
+          <p:cNvSpPr>
+            <a:spLocks noGrp="1"/>
+          </p:cNvSpPr>
+          <p:nvPr>
+            <p:ph type="title"/>
+          </p:nvPr>
+        </p:nvSpPr>
+        <p:spPr/>
+        <p:txBody>
+          <a:bodyPr/>
+          <a:lstStyle/>
+          <a:p>
+            <a:r>
+              <a:rPr lang="pl-PL" dirty="0"/>
+              <a:t>Kryteria akceptacji</a:t>
+            </a:r>
+          </a:p>
+        </p:txBody>
+      </p:sp>
+      <p:sp>
+        <p:nvSpPr>
+          <p:cNvPr id="3" name="Text Placeholder 2">
+            <a:extLst>
+              <a:ext uri="{FF2B5EF4-FFF2-40B4-BE49-F238E27FC236}">
+                <a16:creationId xmlns:a16="http://schemas.microsoft.com/office/drawing/2014/main" id="{326018B5-A2F6-4375-9B25-CEA213205E0A}"/>
+              </a:ext>
+            </a:extLst>
+          </p:cNvPr>
+          <p:cNvSpPr>
+            <a:spLocks noGrp="1"/>
+          </p:cNvSpPr>
+          <p:nvPr>
+            <p:ph type="body" idx="1"/>
+          </p:nvPr>
+        </p:nvSpPr>
+        <p:spPr/>
+        <p:txBody>
+          <a:bodyPr/>
+          <a:lstStyle/>
+          <a:p>
+            <a:r>
+              <a:rPr lang="pl-PL" dirty="0"/>
+              <a:t>Funkcjonalne</a:t>
+            </a:r>
+          </a:p>
+        </p:txBody>
+      </p:sp>
+      <p:sp>
+        <p:nvSpPr>
+          <p:cNvPr id="4" name="Content Placeholder 3">
+            <a:extLst>
+              <a:ext uri="{FF2B5EF4-FFF2-40B4-BE49-F238E27FC236}">
+                <a16:creationId xmlns:a16="http://schemas.microsoft.com/office/drawing/2014/main" id="{843981DE-EC92-4FE1-9DA4-A8C755B68B35}"/>
+              </a:ext>
+            </a:extLst>
+          </p:cNvPr>
+          <p:cNvSpPr>
+            <a:spLocks noGrp="1"/>
+          </p:cNvSpPr>
+          <p:nvPr>
+            <p:ph sz="half" idx="2"/>
+          </p:nvPr>
+        </p:nvSpPr>
+        <p:spPr/>
+        <p:txBody>
+          <a:bodyPr/>
+          <a:lstStyle/>
+          <a:p>
+            <a:pPr>
+              <a:buFont typeface="Wingdings" panose="05000000000000000000" pitchFamily="2" charset="2"/>
+              <a:buChar char="v"/>
+            </a:pPr>
+            <a:r>
+              <a:rPr lang="pl-PL" dirty="0"/>
+              <a:t> Czy użytkownik ma dostęp do serwisu?</a:t>
+            </a:r>
+          </a:p>
+          <a:p>
+            <a:pPr>
+              <a:buFont typeface="Wingdings" panose="05000000000000000000" pitchFamily="2" charset="2"/>
+              <a:buChar char="v"/>
+            </a:pPr>
+            <a:r>
+              <a:rPr lang="pl-PL" dirty="0"/>
+              <a:t> Czy użytkownik widzi szkielet serwisu?</a:t>
+            </a:r>
+          </a:p>
+        </p:txBody>
+      </p:sp>
+      <p:sp>
+        <p:nvSpPr>
+          <p:cNvPr id="5" name="Text Placeholder 4">
+            <a:extLst>
+              <a:ext uri="{FF2B5EF4-FFF2-40B4-BE49-F238E27FC236}">
+                <a16:creationId xmlns:a16="http://schemas.microsoft.com/office/drawing/2014/main" id="{99038665-3493-4295-9A1C-F5A3B73161E1}"/>
+              </a:ext>
+            </a:extLst>
+          </p:cNvPr>
+          <p:cNvSpPr>
+            <a:spLocks noGrp="1"/>
+          </p:cNvSpPr>
+          <p:nvPr>
+            <p:ph type="body" sz="quarter" idx="3"/>
+          </p:nvPr>
+        </p:nvSpPr>
+        <p:spPr/>
+        <p:txBody>
+          <a:bodyPr/>
+          <a:lstStyle/>
+          <a:p>
+            <a:r>
+              <a:rPr lang="pl-PL" dirty="0"/>
+              <a:t>niefunkcjonalne</a:t>
+            </a:r>
+          </a:p>
+        </p:txBody>
+      </p:sp>
+      <p:sp>
+        <p:nvSpPr>
+          <p:cNvPr id="6" name="Content Placeholder 5">
+            <a:extLst>
+              <a:ext uri="{FF2B5EF4-FFF2-40B4-BE49-F238E27FC236}">
+                <a16:creationId xmlns:a16="http://schemas.microsoft.com/office/drawing/2014/main" id="{39365FAF-7478-4D2E-9EB5-C3B6890E711F}"/>
+              </a:ext>
+            </a:extLst>
+          </p:cNvPr>
+          <p:cNvSpPr>
+            <a:spLocks noGrp="1"/>
+          </p:cNvSpPr>
+          <p:nvPr>
+            <p:ph sz="quarter" idx="4"/>
+          </p:nvPr>
+        </p:nvSpPr>
+        <p:spPr/>
+        <p:txBody>
+          <a:bodyPr/>
+          <a:lstStyle/>
+          <a:p>
+            <a:pPr>
+              <a:buFont typeface="Wingdings" panose="05000000000000000000" pitchFamily="2" charset="2"/>
+              <a:buChar char="v"/>
+            </a:pPr>
+            <a:r>
+              <a:rPr lang="pl-PL" dirty="0"/>
+              <a:t> Czy odpowiedź na żądanie użytkownika trwa mniej niż 1 sekundę?</a:t>
+            </a:r>
+          </a:p>
+          <a:p>
+            <a:pPr>
+              <a:buFont typeface="Wingdings" panose="05000000000000000000" pitchFamily="2" charset="2"/>
+              <a:buChar char="v"/>
+            </a:pPr>
+            <a:r>
+              <a:rPr lang="pl-PL" dirty="0"/>
+              <a:t> Czy szkielet serwisu jest spójny? (działa na różnych urządzeniach)</a:t>
+            </a:r>
+          </a:p>
+        </p:txBody>
+      </p:sp>
+    </p:spTree>
+    <p:extLst>
+      <p:ext uri="{BB962C8B-B14F-4D97-AF65-F5344CB8AC3E}">
+        <p14:creationId xmlns:p14="http://schemas.microsoft.com/office/powerpoint/2010/main" val="2422471846"/>
+      </p:ext>
+    </p:extLst>
+  </p:cSld>
+  <p:clrMapOvr>
+    <a:masterClrMapping/>
+  </p:clrMapOvr>
+</p:sld>
+</file>
+
 <file path=ppt/slides/slide2.xml><?xml version="1.0" encoding="utf-8"?>
 <p:sld xmlns:a="http://schemas.openxmlformats.org/drawingml/2006/main" xmlns:r="http://schemas.openxmlformats.org/officeDocument/2006/relationships" xmlns:p="http://schemas.openxmlformats.org/presentationml/2006/main">
   <p:cSld>
@@ -3809,7 +4472,7 @@
           <a:p>
             <a:r>
               <a:rPr lang="pl-PL" dirty="0"/>
-              <a:t>Spis Treści</a:t>
+              <a:t>Spis treści</a:t>
             </a:r>
           </a:p>
         </p:txBody>
@@ -3832,7 +4495,9 @@
         </p:nvSpPr>
         <p:spPr/>
         <p:txBody>
-          <a:bodyPr/>
+          <a:bodyPr>
+            <a:normAutofit fontScale="92500" lnSpcReduction="20000"/>
+          </a:bodyPr>
           <a:lstStyle/>
           <a:p>
             <a:pPr marL="457200" indent="-457200">
@@ -3881,7 +4546,47 @@
             </a:pPr>
             <a:r>
               <a:rPr lang="pl-PL" b="1" dirty="0"/>
-              <a:t>Harmonogram realizacji projektu</a:t>
+              <a:t>Wykorzystywane technologie</a:t>
+            </a:r>
+          </a:p>
+          <a:p>
+            <a:pPr marL="457200" indent="-457200">
+              <a:buFont typeface="+mj-lt"/>
+              <a:buAutoNum type="arabicPeriod"/>
+            </a:pPr>
+            <a:r>
+              <a:rPr lang="pl-PL" b="1" dirty="0"/>
+              <a:t>Aktorzy w systemie</a:t>
+            </a:r>
+          </a:p>
+          <a:p>
+            <a:pPr marL="457200" indent="-457200">
+              <a:buFont typeface="+mj-lt"/>
+              <a:buAutoNum type="arabicPeriod"/>
+            </a:pPr>
+            <a:r>
+              <a:rPr lang="pl-PL" b="1" dirty="0"/>
+              <a:t>Zbiór funkcjonalności</a:t>
+            </a:r>
+          </a:p>
+          <a:p>
+            <a:pPr marL="457200" indent="-457200">
+              <a:buFont typeface="+mj-lt"/>
+              <a:buAutoNum type="arabicPeriod"/>
+            </a:pPr>
+            <a:r>
+              <a:rPr lang="pl-PL" b="1" dirty="0"/>
+              <a:t>Plan pierwszego sprintu</a:t>
+            </a:r>
+          </a:p>
+          <a:p>
+            <a:pPr marL="457200" indent="-457200">
+              <a:buFont typeface="+mj-lt"/>
+              <a:buAutoNum type="arabicPeriod"/>
+            </a:pPr>
+            <a:r>
+              <a:rPr lang="pl-PL" b="1" dirty="0"/>
+              <a:t>Kryteria akceptacji</a:t>
             </a:r>
           </a:p>
         </p:txBody>
@@ -4359,6 +5064,16 @@
             </a:pPr>
             <a:r>
               <a:rPr lang="pl-PL" dirty="0"/>
+              <a:t> Ogólnodostępny system </a:t>
+            </a:r>
+          </a:p>
+          <a:p>
+            <a:pPr>
+              <a:buFont typeface="Wingdings" panose="05000000000000000000" pitchFamily="2" charset="2"/>
+              <a:buChar char="v"/>
+            </a:pPr>
+            <a:r>
+              <a:rPr lang="pl-PL" dirty="0"/>
               <a:t> Tworzenie testów</a:t>
             </a:r>
           </a:p>
@@ -4593,7 +5308,7 @@
           <p:cNvPr id="2" name="Title 1">
             <a:extLst>
               <a:ext uri="{FF2B5EF4-FFF2-40B4-BE49-F238E27FC236}">
-                <a16:creationId xmlns:a16="http://schemas.microsoft.com/office/drawing/2014/main" id="{675CFA7F-9BE1-497B-8401-6B66EB28EED5}"/>
+                <a16:creationId xmlns:a16="http://schemas.microsoft.com/office/drawing/2014/main" id="{00D0D80C-D72C-42F7-884D-3A6024EE5CE2}"/>
               </a:ext>
             </a:extLst>
           </p:cNvPr>
@@ -4611,114 +5326,471 @@
           <a:p>
             <a:r>
               <a:rPr lang="pl-PL" dirty="0"/>
-              <a:t>Harmonogram realizacji projektu</a:t>
-            </a:r>
-          </a:p>
-        </p:txBody>
-      </p:sp>
-      <p:sp>
-        <p:nvSpPr>
-          <p:cNvPr id="3" name="Content Placeholder 2">
-            <a:extLst>
-              <a:ext uri="{FF2B5EF4-FFF2-40B4-BE49-F238E27FC236}">
-                <a16:creationId xmlns:a16="http://schemas.microsoft.com/office/drawing/2014/main" id="{8811DC91-F556-4820-AE6D-D8189A67BD10}"/>
-              </a:ext>
-            </a:extLst>
-          </p:cNvPr>
-          <p:cNvSpPr>
-            <a:spLocks noGrp="1"/>
-          </p:cNvSpPr>
-          <p:nvPr>
-            <p:ph idx="1"/>
-          </p:nvPr>
-        </p:nvSpPr>
+              <a:t>Wykorzystane technologie</a:t>
+            </a:r>
+          </a:p>
+        </p:txBody>
+      </p:sp>
+      <p:pic>
+        <p:nvPicPr>
+          <p:cNvPr id="5" name="Picture 4">
+            <a:extLst>
+              <a:ext uri="{FF2B5EF4-FFF2-40B4-BE49-F238E27FC236}">
+                <a16:creationId xmlns:a16="http://schemas.microsoft.com/office/drawing/2014/main" id="{70D0993F-B70F-4928-BF68-3084C130E574}"/>
+              </a:ext>
+            </a:extLst>
+          </p:cNvPr>
+          <p:cNvPicPr>
+            <a:picLocks noChangeAspect="1"/>
+          </p:cNvPicPr>
+          <p:nvPr/>
+        </p:nvPicPr>
+        <p:blipFill>
+          <a:blip r:embed="rId2"/>
+          <a:stretch>
+            <a:fillRect/>
+          </a:stretch>
+        </p:blipFill>
         <p:spPr>
           <a:xfrm>
-            <a:off x="1097279" y="2108201"/>
-            <a:ext cx="10135579" cy="3760891"/>
+            <a:off x="847287" y="2893027"/>
+            <a:ext cx="1618377" cy="1618377"/>
           </a:xfrm>
+          <a:prstGeom prst="rect">
+            <a:avLst/>
+          </a:prstGeom>
+          <a:ln w="88900" cap="sq" cmpd="thickThin">
+            <a:solidFill>
+              <a:srgbClr val="000000"/>
+            </a:solidFill>
+            <a:prstDash val="solid"/>
+            <a:miter lim="800000"/>
+          </a:ln>
+          <a:effectLst>
+            <a:innerShdw blurRad="76200">
+              <a:srgbClr val="000000"/>
+            </a:innerShdw>
+          </a:effectLst>
         </p:spPr>
-        <p:txBody>
-          <a:bodyPr>
-            <a:normAutofit/>
+      </p:pic>
+      <p:pic>
+        <p:nvPicPr>
+          <p:cNvPr id="7" name="Picture 6">
+            <a:extLst>
+              <a:ext uri="{FF2B5EF4-FFF2-40B4-BE49-F238E27FC236}">
+                <a16:creationId xmlns:a16="http://schemas.microsoft.com/office/drawing/2014/main" id="{06DBE681-B830-4FBD-B6F5-7C4604D7B78F}"/>
+              </a:ext>
+            </a:extLst>
+          </p:cNvPr>
+          <p:cNvPicPr>
+            <a:picLocks noChangeAspect="1"/>
+          </p:cNvPicPr>
+          <p:nvPr/>
+        </p:nvPicPr>
+        <p:blipFill>
+          <a:blip r:embed="rId3"/>
+          <a:stretch>
+            <a:fillRect/>
+          </a:stretch>
+        </p:blipFill>
+        <p:spPr>
+          <a:xfrm>
+            <a:off x="2818612" y="4511404"/>
+            <a:ext cx="3171825" cy="1438275"/>
+          </a:xfrm>
+          <a:prstGeom prst="rect">
+            <a:avLst/>
+          </a:prstGeom>
+          <a:ln w="88900" cap="sq" cmpd="thickThin">
+            <a:solidFill>
+              <a:srgbClr val="000000"/>
+            </a:solidFill>
+            <a:prstDash val="solid"/>
+            <a:miter lim="800000"/>
+          </a:ln>
+          <a:effectLst>
+            <a:innerShdw blurRad="76200">
+              <a:srgbClr val="000000"/>
+            </a:innerShdw>
+          </a:effectLst>
+        </p:spPr>
+      </p:pic>
+      <p:pic>
+        <p:nvPicPr>
+          <p:cNvPr id="13" name="Picture 12">
+            <a:extLst>
+              <a:ext uri="{FF2B5EF4-FFF2-40B4-BE49-F238E27FC236}">
+                <a16:creationId xmlns:a16="http://schemas.microsoft.com/office/drawing/2014/main" id="{81D69DDE-3BD5-4A00-9D5F-B8A7C8403913}"/>
+              </a:ext>
+            </a:extLst>
+          </p:cNvPr>
+          <p:cNvPicPr>
+            <a:picLocks noChangeAspect="1"/>
+          </p:cNvPicPr>
+          <p:nvPr/>
+        </p:nvPicPr>
+        <p:blipFill>
+          <a:blip r:embed="rId4"/>
+          <a:stretch>
+            <a:fillRect/>
+          </a:stretch>
+        </p:blipFill>
+        <p:spPr>
+          <a:xfrm>
+            <a:off x="6234070" y="2551679"/>
+            <a:ext cx="2506298" cy="1670865"/>
+          </a:xfrm>
+          <a:prstGeom prst="rect">
+            <a:avLst/>
+          </a:prstGeom>
+          <a:ln w="88900" cap="sq" cmpd="thickThin">
+            <a:solidFill>
+              <a:srgbClr val="000000"/>
+            </a:solidFill>
+            <a:prstDash val="solid"/>
+            <a:miter lim="800000"/>
+          </a:ln>
+          <a:effectLst>
+            <a:innerShdw blurRad="76200">
+              <a:srgbClr val="000000"/>
+            </a:innerShdw>
+          </a:effectLst>
+        </p:spPr>
+      </p:pic>
+      <p:pic>
+        <p:nvPicPr>
+          <p:cNvPr id="15" name="Picture 14">
+            <a:extLst>
+              <a:ext uri="{FF2B5EF4-FFF2-40B4-BE49-F238E27FC236}">
+                <a16:creationId xmlns:a16="http://schemas.microsoft.com/office/drawing/2014/main" id="{288B2B24-B555-4FE4-8E2F-9735C4A937E9}"/>
+              </a:ext>
+            </a:extLst>
+          </p:cNvPr>
+          <p:cNvPicPr>
+            <a:picLocks noChangeAspect="1"/>
+          </p:cNvPicPr>
+          <p:nvPr/>
+        </p:nvPicPr>
+        <p:blipFill>
+          <a:blip r:embed="rId5"/>
+          <a:stretch>
+            <a:fillRect/>
+          </a:stretch>
+        </p:blipFill>
+        <p:spPr>
+          <a:xfrm>
+            <a:off x="10056307" y="3948588"/>
+            <a:ext cx="1618377" cy="1896597"/>
+          </a:xfrm>
+          <a:prstGeom prst="rect">
+            <a:avLst/>
+          </a:prstGeom>
+          <a:ln w="88900" cap="sq" cmpd="thickThin">
+            <a:solidFill>
+              <a:srgbClr val="000000"/>
+            </a:solidFill>
+            <a:prstDash val="solid"/>
+            <a:miter lim="800000"/>
+          </a:ln>
+          <a:effectLst>
+            <a:innerShdw blurRad="76200">
+              <a:srgbClr val="000000"/>
+            </a:innerShdw>
+          </a:effectLst>
+        </p:spPr>
+      </p:pic>
+      <p:sp>
+        <p:nvSpPr>
+          <p:cNvPr id="16" name="TextBox 15">
+            <a:extLst>
+              <a:ext uri="{FF2B5EF4-FFF2-40B4-BE49-F238E27FC236}">
+                <a16:creationId xmlns:a16="http://schemas.microsoft.com/office/drawing/2014/main" id="{622F8360-F40F-4E95-939B-1EAF04A73DF7}"/>
+              </a:ext>
+            </a:extLst>
+          </p:cNvPr>
+          <p:cNvSpPr txBox="1"/>
+          <p:nvPr/>
+        </p:nvSpPr>
+        <p:spPr>
+          <a:xfrm>
+            <a:off x="603656" y="2399138"/>
+            <a:ext cx="2105637" cy="369332"/>
+          </a:xfrm>
+          <a:prstGeom prst="rect">
+            <a:avLst/>
+          </a:prstGeom>
+          <a:noFill/>
+        </p:spPr>
+        <p:txBody>
+          <a:bodyPr wrap="square" rtlCol="0">
+            <a:spAutoFit/>
           </a:bodyPr>
           <a:lstStyle/>
           <a:p>
-            <a:pPr>
-              <a:buFont typeface="Wingdings" panose="05000000000000000000" pitchFamily="2" charset="2"/>
-              <a:buChar char="v"/>
-            </a:pPr>
+            <a:pPr algn="ctr"/>
             <a:r>
               <a:rPr lang="pl-PL" b="1" dirty="0"/>
-              <a:t> Jako nauczyciel chcę stworzyć test, by sprawdzić wiedzę swoich uczniów</a:t>
-            </a:r>
-          </a:p>
-          <a:p>
-            <a:pPr>
-              <a:buFont typeface="Wingdings" panose="05000000000000000000" pitchFamily="2" charset="2"/>
-              <a:buChar char="v"/>
-            </a:pPr>
+              <a:t>Strona</a:t>
+            </a:r>
+            <a:r>
+              <a:rPr lang="pl-PL" b="1" dirty="0">
+                <a:effectLst>
+                  <a:outerShdw blurRad="38100" dist="38100" dir="2700000" algn="tl">
+                    <a:srgbClr val="000000">
+                      <a:alpha val="43137"/>
+                    </a:srgbClr>
+                  </a:outerShdw>
+                </a:effectLst>
+              </a:rPr>
+              <a:t> </a:t>
+            </a:r>
             <a:r>
               <a:rPr lang="pl-PL" b="1" dirty="0"/>
-              <a:t> Jako uczeń chcę wypełnić test, by zaliczyć przedmiot </a:t>
-            </a:r>
-          </a:p>
-          <a:p>
-            <a:pPr>
-              <a:buFont typeface="Wingdings" panose="05000000000000000000" pitchFamily="2" charset="2"/>
-              <a:buChar char="v"/>
-            </a:pPr>
-            <a:r>
-              <a:rPr lang="pl-PL" dirty="0"/>
-              <a:t> Jako nauczyciel chcę założyć konto, by móc tworzyć testy</a:t>
-            </a:r>
-          </a:p>
-          <a:p>
-            <a:pPr>
-              <a:buFont typeface="Wingdings" panose="05000000000000000000" pitchFamily="2" charset="2"/>
-              <a:buChar char="v"/>
-            </a:pPr>
-            <a:r>
-              <a:rPr lang="pl-PL" dirty="0"/>
-              <a:t> Jako uczeń chcę założyć konto, by móc wypełniać testy</a:t>
-            </a:r>
-          </a:p>
-          <a:p>
-            <a:pPr>
-              <a:buFont typeface="Wingdings" panose="05000000000000000000" pitchFamily="2" charset="2"/>
-              <a:buChar char="v"/>
-            </a:pPr>
-            <a:r>
-              <a:rPr lang="pl-PL" dirty="0"/>
-              <a:t> Jako nauczyciel chcę mieć dostęp do wyników testów, by móc analizować nabytą wiedzę uczniów</a:t>
-            </a:r>
-          </a:p>
-          <a:p>
-            <a:pPr>
-              <a:buFont typeface="Wingdings" panose="05000000000000000000" pitchFamily="2" charset="2"/>
-              <a:buChar char="v"/>
-            </a:pPr>
-            <a:r>
-              <a:rPr lang="pl-PL" dirty="0"/>
-              <a:t> Jako nauczyciel chcę stworzyć własną grupę studentów, by łatwo zarządzać testami</a:t>
-            </a:r>
-          </a:p>
-          <a:p>
-            <a:pPr>
-              <a:buFont typeface="Wingdings" panose="05000000000000000000" pitchFamily="2" charset="2"/>
-              <a:buChar char="v"/>
-            </a:pPr>
-            <a:r>
-              <a:rPr lang="pl-PL" dirty="0"/>
-              <a:t> Jako uczeń chcę mieć dostęp do wyniku mojego testu, by sprawdzić mój wynik</a:t>
-            </a:r>
-          </a:p>
-        </p:txBody>
-      </p:sp>
+              <a:t>internetowa</a:t>
+            </a:r>
+          </a:p>
+        </p:txBody>
+      </p:sp>
+      <p:sp>
+        <p:nvSpPr>
+          <p:cNvPr id="17" name="TextBox 16">
+            <a:extLst>
+              <a:ext uri="{FF2B5EF4-FFF2-40B4-BE49-F238E27FC236}">
+                <a16:creationId xmlns:a16="http://schemas.microsoft.com/office/drawing/2014/main" id="{29C08682-FFB6-4337-B227-B12F0B2E7E1A}"/>
+              </a:ext>
+            </a:extLst>
+          </p:cNvPr>
+          <p:cNvSpPr txBox="1"/>
+          <p:nvPr/>
+        </p:nvSpPr>
+        <p:spPr>
+          <a:xfrm>
+            <a:off x="6434400" y="2021496"/>
+            <a:ext cx="2105637" cy="369332"/>
+          </a:xfrm>
+          <a:prstGeom prst="rect">
+            <a:avLst/>
+          </a:prstGeom>
+          <a:noFill/>
+        </p:spPr>
+        <p:txBody>
+          <a:bodyPr wrap="square" rtlCol="0">
+            <a:spAutoFit/>
+          </a:bodyPr>
+          <a:lstStyle/>
+          <a:p>
+            <a:pPr algn="ctr"/>
+            <a:r>
+              <a:rPr lang="pl-PL" b="1" dirty="0"/>
+              <a:t>Baza danych</a:t>
+            </a:r>
+          </a:p>
+        </p:txBody>
+      </p:sp>
+      <p:sp>
+        <p:nvSpPr>
+          <p:cNvPr id="18" name="TextBox 17">
+            <a:extLst>
+              <a:ext uri="{FF2B5EF4-FFF2-40B4-BE49-F238E27FC236}">
+                <a16:creationId xmlns:a16="http://schemas.microsoft.com/office/drawing/2014/main" id="{3C0A5B1D-D3FF-4AF4-B6D3-0E9C2DB52D05}"/>
+              </a:ext>
+            </a:extLst>
+          </p:cNvPr>
+          <p:cNvSpPr txBox="1"/>
+          <p:nvPr/>
+        </p:nvSpPr>
+        <p:spPr>
+          <a:xfrm>
+            <a:off x="3351705" y="4017515"/>
+            <a:ext cx="2105637" cy="369332"/>
+          </a:xfrm>
+          <a:prstGeom prst="rect">
+            <a:avLst/>
+          </a:prstGeom>
+          <a:noFill/>
+        </p:spPr>
+        <p:txBody>
+          <a:bodyPr wrap="square" rtlCol="0">
+            <a:spAutoFit/>
+          </a:bodyPr>
+          <a:lstStyle/>
+          <a:p>
+            <a:pPr algn="ctr"/>
+            <a:r>
+              <a:rPr lang="pl-PL" b="1" dirty="0"/>
+              <a:t>Serwer</a:t>
+            </a:r>
+          </a:p>
+        </p:txBody>
+      </p:sp>
+      <p:sp>
+        <p:nvSpPr>
+          <p:cNvPr id="19" name="TextBox 18">
+            <a:extLst>
+              <a:ext uri="{FF2B5EF4-FFF2-40B4-BE49-F238E27FC236}">
+                <a16:creationId xmlns:a16="http://schemas.microsoft.com/office/drawing/2014/main" id="{EA9654E6-A397-4850-8A16-BE25FCFB56BD}"/>
+              </a:ext>
+            </a:extLst>
+          </p:cNvPr>
+          <p:cNvSpPr txBox="1"/>
+          <p:nvPr/>
+        </p:nvSpPr>
+        <p:spPr>
+          <a:xfrm>
+            <a:off x="9812676" y="3429000"/>
+            <a:ext cx="2105637" cy="369332"/>
+          </a:xfrm>
+          <a:prstGeom prst="rect">
+            <a:avLst/>
+          </a:prstGeom>
+          <a:noFill/>
+        </p:spPr>
+        <p:txBody>
+          <a:bodyPr wrap="square" rtlCol="0">
+            <a:spAutoFit/>
+          </a:bodyPr>
+          <a:lstStyle/>
+          <a:p>
+            <a:pPr algn="ctr"/>
+            <a:r>
+              <a:rPr lang="pl-PL" b="1" dirty="0"/>
+              <a:t>Baza danych</a:t>
+            </a:r>
+          </a:p>
+        </p:txBody>
+      </p:sp>
+      <p:pic>
+        <p:nvPicPr>
+          <p:cNvPr id="21" name="Picture 20">
+            <a:extLst>
+              <a:ext uri="{FF2B5EF4-FFF2-40B4-BE49-F238E27FC236}">
+                <a16:creationId xmlns:a16="http://schemas.microsoft.com/office/drawing/2014/main" id="{09CF0FA2-83F4-4C85-9A4F-B4D309F291D4}"/>
+              </a:ext>
+            </a:extLst>
+          </p:cNvPr>
+          <p:cNvPicPr>
+            <a:picLocks noChangeAspect="1"/>
+          </p:cNvPicPr>
+          <p:nvPr/>
+        </p:nvPicPr>
+        <p:blipFill>
+          <a:blip r:embed="rId6"/>
+          <a:stretch>
+            <a:fillRect/>
+          </a:stretch>
+        </p:blipFill>
+        <p:spPr>
+          <a:xfrm rot="1327703">
+            <a:off x="8949803" y="2310530"/>
+            <a:ext cx="1325084" cy="1896598"/>
+          </a:xfrm>
+          <a:prstGeom prst="rect">
+            <a:avLst/>
+          </a:prstGeom>
+          <a:ln>
+            <a:noFill/>
+          </a:ln>
+          <a:effectLst>
+            <a:outerShdw blurRad="50800" dist="38100" dir="2700000" algn="tl" rotWithShape="0">
+              <a:prstClr val="black">
+                <a:alpha val="40000"/>
+              </a:prstClr>
+            </a:outerShdw>
+          </a:effectLst>
+        </p:spPr>
+      </p:pic>
     </p:spTree>
     <p:extLst>
       <p:ext uri="{BB962C8B-B14F-4D97-AF65-F5344CB8AC3E}">
-        <p14:creationId xmlns:p14="http://schemas.microsoft.com/office/powerpoint/2010/main" val="4018286563"/>
+        <p14:creationId xmlns:p14="http://schemas.microsoft.com/office/powerpoint/2010/main" val="2468028092"/>
+      </p:ext>
+    </p:extLst>
+  </p:cSld>
+  <p:clrMapOvr>
+    <a:masterClrMapping/>
+  </p:clrMapOvr>
+</p:sld>
+</file>
+
+<file path=ppt/slides/slide9.xml><?xml version="1.0" encoding="utf-8"?>
+<p:sld xmlns:a="http://schemas.openxmlformats.org/drawingml/2006/main" xmlns:r="http://schemas.openxmlformats.org/officeDocument/2006/relationships" xmlns:p="http://schemas.openxmlformats.org/presentationml/2006/main">
+  <p:cSld>
+    <p:spTree>
+      <p:nvGrpSpPr>
+        <p:cNvPr id="1" name=""/>
+        <p:cNvGrpSpPr/>
+        <p:nvPr/>
+      </p:nvGrpSpPr>
+      <p:grpSpPr>
+        <a:xfrm>
+          <a:off x="0" y="0"/>
+          <a:ext cx="0" cy="0"/>
+          <a:chOff x="0" y="0"/>
+          <a:chExt cx="0" cy="0"/>
+        </a:xfrm>
+      </p:grpSpPr>
+      <p:sp>
+        <p:nvSpPr>
+          <p:cNvPr id="2" name="Title 1">
+            <a:extLst>
+              <a:ext uri="{FF2B5EF4-FFF2-40B4-BE49-F238E27FC236}">
+                <a16:creationId xmlns:a16="http://schemas.microsoft.com/office/drawing/2014/main" id="{00D0D80C-D72C-42F7-884D-3A6024EE5CE2}"/>
+              </a:ext>
+            </a:extLst>
+          </p:cNvPr>
+          <p:cNvSpPr>
+            <a:spLocks noGrp="1"/>
+          </p:cNvSpPr>
+          <p:nvPr>
+            <p:ph type="title"/>
+          </p:nvPr>
+        </p:nvSpPr>
+        <p:spPr/>
+        <p:txBody>
+          <a:bodyPr/>
+          <a:lstStyle/>
+          <a:p>
+            <a:r>
+              <a:rPr lang="pl-PL" dirty="0"/>
+              <a:t>Aktorzy w systemie</a:t>
+            </a:r>
+          </a:p>
+        </p:txBody>
+      </p:sp>
+      <p:pic>
+        <p:nvPicPr>
+          <p:cNvPr id="5" name="Picture 4">
+            <a:extLst>
+              <a:ext uri="{FF2B5EF4-FFF2-40B4-BE49-F238E27FC236}">
+                <a16:creationId xmlns:a16="http://schemas.microsoft.com/office/drawing/2014/main" id="{54E59EBF-5A3C-49BE-8D43-0B27A1571623}"/>
+              </a:ext>
+            </a:extLst>
+          </p:cNvPr>
+          <p:cNvPicPr>
+            <a:picLocks noChangeAspect="1"/>
+          </p:cNvPicPr>
+          <p:nvPr/>
+        </p:nvPicPr>
+        <p:blipFill>
+          <a:blip r:embed="rId2"/>
+          <a:stretch>
+            <a:fillRect/>
+          </a:stretch>
+        </p:blipFill>
+        <p:spPr>
+          <a:xfrm>
+            <a:off x="3000900" y="2135599"/>
+            <a:ext cx="6190199" cy="3996753"/>
+          </a:xfrm>
+          <a:prstGeom prst="rect">
+            <a:avLst/>
+          </a:prstGeom>
+        </p:spPr>
+      </p:pic>
+    </p:spTree>
+    <p:extLst>
+      <p:ext uri="{BB962C8B-B14F-4D97-AF65-F5344CB8AC3E}">
+        <p14:creationId xmlns:p14="http://schemas.microsoft.com/office/powerpoint/2010/main" val="116617202"/>
       </p:ext>
     </p:extLst>
   </p:cSld>
@@ -5055,24 +6127,6 @@
 </file>
 
 <file path=customXml/item1.xml><?xml version="1.0" encoding="utf-8"?>
-<p:properties xmlns:p="http://schemas.microsoft.com/office/2006/metadata/properties" xmlns:xsi="http://www.w3.org/2001/XMLSchema-instance" xmlns:pc="http://schemas.microsoft.com/office/infopath/2007/PartnerControls">
-  <documentManagement>
-    <Status xmlns="71af3243-3dd4-4a8d-8c0d-dd76da1f02a5">Not started</Status>
-    <MediaServiceKeyPoints xmlns="71af3243-3dd4-4a8d-8c0d-dd76da1f02a5" xsi:nil="true"/>
-  </documentManagement>
-</p:properties>
-</file>
-
-<file path=customXml/item2.xml><?xml version="1.0" encoding="utf-8"?>
-<?mso-contentType ?>
-<FormTemplates xmlns="http://schemas.microsoft.com/sharepoint/v3/contenttype/forms">
-  <Display>DocumentLibraryForm</Display>
-  <Edit>DocumentLibraryForm</Edit>
-  <New>DocumentLibraryForm</New>
-</FormTemplates>
-</file>
-
-<file path=customXml/item3.xml><?xml version="1.0" encoding="utf-8"?>
 <ct:contentTypeSchema xmlns:ct="http://schemas.microsoft.com/office/2006/metadata/contentType" xmlns:ma="http://schemas.microsoft.com/office/2006/metadata/properties/metaAttributes" ct:_="" ma:_="" ma:contentTypeName="Document" ma:contentTypeID="0x01010079F111ED35F8CC479449609E8A0923A6" ma:contentTypeVersion="12" ma:contentTypeDescription="Create a new document." ma:contentTypeScope="" ma:versionID="426e97fa315356fffbdcd9876fe988c2">
   <xsd:schema xmlns:xsd="http://www.w3.org/2001/XMLSchema" xmlns:xs="http://www.w3.org/2001/XMLSchema" xmlns:p="http://schemas.microsoft.com/office/2006/metadata/properties" xmlns:ns2="71af3243-3dd4-4a8d-8c0d-dd76da1f02a5" xmlns:ns3="16c05727-aa75-4e4a-9b5f-8a80a1165891" targetNamespace="http://schemas.microsoft.com/office/2006/metadata/properties" ma:root="true" ma:fieldsID="14b8f0def80e6d70ce3def20c90759ae" ns2:_="" ns3:_="">
     <xsd:import namespace="71af3243-3dd4-4a8d-8c0d-dd76da1f02a5"/>
@@ -5293,25 +6347,25 @@
 </ct:contentTypeSchema>
 </file>
 
-<file path=customXml/itemProps1.xml><?xml version="1.0" encoding="utf-8"?>
-<ds:datastoreItem xmlns:ds="http://schemas.openxmlformats.org/officeDocument/2006/customXml" ds:itemID="{84F503EC-3FFF-4193-A86F-39150E2BAC75}">
-  <ds:schemaRefs>
-    <ds:schemaRef ds:uri="http://schemas.microsoft.com/office/2006/metadata/properties"/>
-    <ds:schemaRef ds:uri="http://schemas.microsoft.com/office/infopath/2007/PartnerControls"/>
-    <ds:schemaRef ds:uri="71af3243-3dd4-4a8d-8c0d-dd76da1f02a5"/>
-  </ds:schemaRefs>
-</ds:datastoreItem>
+<file path=customXml/item2.xml><?xml version="1.0" encoding="utf-8"?>
+<?mso-contentType ?>
+<FormTemplates xmlns="http://schemas.microsoft.com/sharepoint/v3/contenttype/forms">
+  <Display>DocumentLibraryForm</Display>
+  <Edit>DocumentLibraryForm</Edit>
+  <New>DocumentLibraryForm</New>
+</FormTemplates>
 </file>
 
-<file path=customXml/itemProps2.xml><?xml version="1.0" encoding="utf-8"?>
-<ds:datastoreItem xmlns:ds="http://schemas.openxmlformats.org/officeDocument/2006/customXml" ds:itemID="{2E5ECA37-C458-4BA2-A090-D7A19E07B434}">
-  <ds:schemaRefs>
-    <ds:schemaRef ds:uri="http://schemas.microsoft.com/sharepoint/v3/contenttype/forms"/>
-  </ds:schemaRefs>
-</ds:datastoreItem>
+<file path=customXml/item3.xml><?xml version="1.0" encoding="utf-8"?>
+<p:properties xmlns:p="http://schemas.microsoft.com/office/2006/metadata/properties" xmlns:xsi="http://www.w3.org/2001/XMLSchema-instance" xmlns:pc="http://schemas.microsoft.com/office/infopath/2007/PartnerControls">
+  <documentManagement>
+    <Status xmlns="71af3243-3dd4-4a8d-8c0d-dd76da1f02a5">Not started</Status>
+    <MediaServiceKeyPoints xmlns="71af3243-3dd4-4a8d-8c0d-dd76da1f02a5" xsi:nil="true"/>
+  </documentManagement>
+</p:properties>
 </file>
 
-<file path=customXml/itemProps3.xml><?xml version="1.0" encoding="utf-8"?>
+<file path=customXml/itemProps1.xml><?xml version="1.0" encoding="utf-8"?>
 <ds:datastoreItem xmlns:ds="http://schemas.openxmlformats.org/officeDocument/2006/customXml" ds:itemID="{7A26AAF5-6CFC-4C52-B7DF-08410EDE6701}">
   <ds:schemaRefs>
     <ds:schemaRef ds:uri="http://schemas.microsoft.com/office/2006/metadata/contentType"/>
@@ -5328,4 +6382,22 @@
     <ds:schemaRef ds:uri="http://schemas.microsoft.com/internal/obd"/>
   </ds:schemaRefs>
 </ds:datastoreItem>
+</file>
+
+<file path=customXml/itemProps2.xml><?xml version="1.0" encoding="utf-8"?>
+<ds:datastoreItem xmlns:ds="http://schemas.openxmlformats.org/officeDocument/2006/customXml" ds:itemID="{2E5ECA37-C458-4BA2-A090-D7A19E07B434}">
+  <ds:schemaRefs>
+    <ds:schemaRef ds:uri="http://schemas.microsoft.com/sharepoint/v3/contenttype/forms"/>
+  </ds:schemaRefs>
+</ds:datastoreItem>
+</file>
+
+<file path=customXml/itemProps3.xml><?xml version="1.0" encoding="utf-8"?>
+<ds:datastoreItem xmlns:ds="http://schemas.openxmlformats.org/officeDocument/2006/customXml" ds:itemID="{84F503EC-3FFF-4193-A86F-39150E2BAC75}">
+  <ds:schemaRefs>
+    <ds:schemaRef ds:uri="http://schemas.microsoft.com/office/2006/metadata/properties"/>
+    <ds:schemaRef ds:uri="http://schemas.microsoft.com/office/infopath/2007/PartnerControls"/>
+    <ds:schemaRef ds:uri="71af3243-3dd4-4a8d-8c0d-dd76da1f02a5"/>
+  </ds:schemaRefs>
+</ds:datastoreItem>
 </file>
--- a/pz/1/Z1P1.pptx
+++ b/pz/1/Z1P1.pptx
@@ -6,16 +6,16 @@
   </p:sldMasterIdLst>
   <p:sldIdLst>
     <p:sldId id="265" r:id="rId5"/>
-    <p:sldId id="287" r:id="rId6"/>
-    <p:sldId id="288" r:id="rId7"/>
-    <p:sldId id="290" r:id="rId8"/>
+    <p:sldId id="288" r:id="rId6"/>
+    <p:sldId id="290" r:id="rId7"/>
+    <p:sldId id="303" r:id="rId8"/>
     <p:sldId id="294" r:id="rId9"/>
-    <p:sldId id="291" r:id="rId10"/>
-    <p:sldId id="295" r:id="rId11"/>
-    <p:sldId id="296" r:id="rId12"/>
-    <p:sldId id="297" r:id="rId13"/>
-    <p:sldId id="292" r:id="rId14"/>
-    <p:sldId id="299" r:id="rId15"/>
+    <p:sldId id="302" r:id="rId10"/>
+    <p:sldId id="291" r:id="rId11"/>
+    <p:sldId id="295" r:id="rId12"/>
+    <p:sldId id="296" r:id="rId13"/>
+    <p:sldId id="297" r:id="rId14"/>
+    <p:sldId id="292" r:id="rId15"/>
     <p:sldId id="300" r:id="rId16"/>
     <p:sldId id="301" r:id="rId17"/>
   </p:sldIdLst>
@@ -118,7 +118,7 @@
   </p:defaultTextStyle>
   <p:extLst>
     <p:ext uri="{EFAFB233-063F-42B5-8137-9DF3F51BA10A}">
-      <p15:sldGuideLst xmlns:p15="http://schemas.microsoft.com/office/powerpoint/2012/main"/>
+      <p15:sldGuideLst xmlns:p15="http://schemas.microsoft.com/office/powerpoint/2012/main" xmlns=""/>
     </p:ext>
   </p:extLst>
 </p:presentation>
@@ -146,7 +146,7 @@
           <p:cNvPr id="10" name="Rectangle 9">
             <a:extLst>
               <a:ext uri="{FF2B5EF4-FFF2-40B4-BE49-F238E27FC236}">
-                <a16:creationId xmlns:a16="http://schemas.microsoft.com/office/drawing/2014/main" id="{39E3965E-AC41-4711-9D10-E25ABB132D86}"/>
+                <a16:creationId xmlns:a16="http://schemas.microsoft.com/office/drawing/2014/main" xmlns="" id="{39E3965E-AC41-4711-9D10-E25ABB132D86}"/>
               </a:ext>
             </a:extLst>
           </p:cNvPr>
@@ -306,7 +306,7 @@
           <p:cNvPr id="9" name="Straight Connector 8">
             <a:extLst>
               <a:ext uri="{FF2B5EF4-FFF2-40B4-BE49-F238E27FC236}">
-                <a16:creationId xmlns:a16="http://schemas.microsoft.com/office/drawing/2014/main" id="{1F5DC8C3-BA5F-4EED-BB9A-A14272BD82A1}"/>
+                <a16:creationId xmlns:a16="http://schemas.microsoft.com/office/drawing/2014/main" xmlns="" id="{1F5DC8C3-BA5F-4EED-BB9A-A14272BD82A1}"/>
               </a:ext>
             </a:extLst>
           </p:cNvPr>
@@ -350,7 +350,7 @@
           <p:cNvPr id="4" name="Date Placeholder 3">
             <a:extLst>
               <a:ext uri="{FF2B5EF4-FFF2-40B4-BE49-F238E27FC236}">
-                <a16:creationId xmlns:a16="http://schemas.microsoft.com/office/drawing/2014/main" id="{9925CCF1-92C0-4AF3-BFAF-4921631915AB}"/>
+                <a16:creationId xmlns:a16="http://schemas.microsoft.com/office/drawing/2014/main" xmlns="" id="{9925CCF1-92C0-4AF3-BFAF-4921631915AB}"/>
               </a:ext>
             </a:extLst>
           </p:cNvPr>
@@ -368,7 +368,7 @@
           <a:p>
             <a:fld id="{9184DA70-C731-4C70-880D-CCD4705E623C}" type="datetime1">
               <a:rPr lang="en-US" smtClean="0"/>
-              <a:t>3/8/2021</a:t>
+              <a:t>3/9/2021</a:t>
             </a:fld>
             <a:endParaRPr lang="en-US" dirty="0"/>
           </a:p>
@@ -379,7 +379,7 @@
           <p:cNvPr id="5" name="Footer Placeholder 4">
             <a:extLst>
               <a:ext uri="{FF2B5EF4-FFF2-40B4-BE49-F238E27FC236}">
-                <a16:creationId xmlns:a16="http://schemas.microsoft.com/office/drawing/2014/main" id="{051A78A9-3DFF-4937-A9F2-5D8CF495F367}"/>
+                <a16:creationId xmlns:a16="http://schemas.microsoft.com/office/drawing/2014/main" xmlns="" id="{051A78A9-3DFF-4937-A9F2-5D8CF495F367}"/>
               </a:ext>
             </a:extLst>
           </p:cNvPr>
@@ -404,7 +404,7 @@
           <p:cNvPr id="6" name="Slide Number Placeholder 5">
             <a:extLst>
               <a:ext uri="{FF2B5EF4-FFF2-40B4-BE49-F238E27FC236}">
-                <a16:creationId xmlns:a16="http://schemas.microsoft.com/office/drawing/2014/main" id="{5FAEB271-5CC0-4759-BC6E-8BE53AB227C0}"/>
+                <a16:creationId xmlns:a16="http://schemas.microsoft.com/office/drawing/2014/main" xmlns="" id="{5FAEB271-5CC0-4759-BC6E-8BE53AB227C0}"/>
               </a:ext>
             </a:extLst>
           </p:cNvPr>
@@ -538,7 +538,7 @@
           <p:cNvPr id="7" name="Date Placeholder 6">
             <a:extLst>
               <a:ext uri="{FF2B5EF4-FFF2-40B4-BE49-F238E27FC236}">
-                <a16:creationId xmlns:a16="http://schemas.microsoft.com/office/drawing/2014/main" id="{354D8B55-9EA8-4B81-8E84-9B93B0A27559}"/>
+                <a16:creationId xmlns:a16="http://schemas.microsoft.com/office/drawing/2014/main" xmlns="" id="{354D8B55-9EA8-4B81-8E84-9B93B0A27559}"/>
               </a:ext>
             </a:extLst>
           </p:cNvPr>
@@ -556,7 +556,7 @@
           <a:p>
             <a:fld id="{4BE1D723-8F53-4F53-90B0-1982A396982E}" type="datetime1">
               <a:rPr lang="en-US" smtClean="0"/>
-              <a:t>3/8/2021</a:t>
+              <a:t>3/9/2021</a:t>
             </a:fld>
             <a:endParaRPr lang="en-US" dirty="0"/>
           </a:p>
@@ -567,7 +567,7 @@
           <p:cNvPr id="8" name="Footer Placeholder 7">
             <a:extLst>
               <a:ext uri="{FF2B5EF4-FFF2-40B4-BE49-F238E27FC236}">
-                <a16:creationId xmlns:a16="http://schemas.microsoft.com/office/drawing/2014/main" id="{062CA021-2578-47CB-822C-BDDFF7223B28}"/>
+                <a16:creationId xmlns:a16="http://schemas.microsoft.com/office/drawing/2014/main" xmlns="" id="{062CA021-2578-47CB-822C-BDDFF7223B28}"/>
               </a:ext>
             </a:extLst>
           </p:cNvPr>
@@ -592,7 +592,7 @@
           <p:cNvPr id="9" name="Slide Number Placeholder 8">
             <a:extLst>
               <a:ext uri="{FF2B5EF4-FFF2-40B4-BE49-F238E27FC236}">
-                <a16:creationId xmlns:a16="http://schemas.microsoft.com/office/drawing/2014/main" id="{C4AAB51D-4141-4682-9375-DAFD5FB9DD10}"/>
+                <a16:creationId xmlns:a16="http://schemas.microsoft.com/office/drawing/2014/main" xmlns="" id="{C4AAB51D-4141-4682-9375-DAFD5FB9DD10}"/>
               </a:ext>
             </a:extLst>
           </p:cNvPr>
@@ -659,7 +659,7 @@
           <p:cNvPr id="10" name="Rectangle 9">
             <a:extLst>
               <a:ext uri="{FF2B5EF4-FFF2-40B4-BE49-F238E27FC236}">
-                <a16:creationId xmlns:a16="http://schemas.microsoft.com/office/drawing/2014/main" id="{A585C21A-8B93-4657-B5DF-7EAEAD3BE127}"/>
+                <a16:creationId xmlns:a16="http://schemas.microsoft.com/office/drawing/2014/main" xmlns="" id="{A585C21A-8B93-4657-B5DF-7EAEAD3BE127}"/>
               </a:ext>
             </a:extLst>
           </p:cNvPr>
@@ -867,7 +867,7 @@
           <p:cNvPr id="9" name="Straight Connector 8">
             <a:extLst>
               <a:ext uri="{FF2B5EF4-FFF2-40B4-BE49-F238E27FC236}">
-                <a16:creationId xmlns:a16="http://schemas.microsoft.com/office/drawing/2014/main" id="{459DE2C1-4C52-40A3-8959-27B2C1BEBFF6}"/>
+                <a16:creationId xmlns:a16="http://schemas.microsoft.com/office/drawing/2014/main" xmlns="" id="{459DE2C1-4C52-40A3-8959-27B2C1BEBFF6}"/>
               </a:ext>
             </a:extLst>
           </p:cNvPr>
@@ -911,7 +911,7 @@
           <p:cNvPr id="7" name="Date Placeholder 6">
             <a:extLst>
               <a:ext uri="{FF2B5EF4-FFF2-40B4-BE49-F238E27FC236}">
-                <a16:creationId xmlns:a16="http://schemas.microsoft.com/office/drawing/2014/main" id="{AAF2E137-EC28-48F8-9198-1F02539029B6}"/>
+                <a16:creationId xmlns:a16="http://schemas.microsoft.com/office/drawing/2014/main" xmlns="" id="{AAF2E137-EC28-48F8-9198-1F02539029B6}"/>
               </a:ext>
             </a:extLst>
           </p:cNvPr>
@@ -929,7 +929,7 @@
           <a:p>
             <a:fld id="{97669AF7-7BEB-44E4-9852-375E34362B5B}" type="datetime1">
               <a:rPr lang="en-US" smtClean="0"/>
-              <a:t>3/8/2021</a:t>
+              <a:t>3/9/2021</a:t>
             </a:fld>
             <a:endParaRPr lang="en-US" dirty="0"/>
           </a:p>
@@ -940,7 +940,7 @@
           <p:cNvPr id="8" name="Footer Placeholder 7">
             <a:extLst>
               <a:ext uri="{FF2B5EF4-FFF2-40B4-BE49-F238E27FC236}">
-                <a16:creationId xmlns:a16="http://schemas.microsoft.com/office/drawing/2014/main" id="{189422CD-6F62-4DD6-89EF-07A60B42D219}"/>
+                <a16:creationId xmlns:a16="http://schemas.microsoft.com/office/drawing/2014/main" xmlns="" id="{189422CD-6F62-4DD6-89EF-07A60B42D219}"/>
               </a:ext>
             </a:extLst>
           </p:cNvPr>
@@ -965,7 +965,7 @@
           <p:cNvPr id="11" name="Slide Number Placeholder 10">
             <a:extLst>
               <a:ext uri="{FF2B5EF4-FFF2-40B4-BE49-F238E27FC236}">
-                <a16:creationId xmlns:a16="http://schemas.microsoft.com/office/drawing/2014/main" id="{69C6AFF8-42B4-4D05-969B-9F5FB3355555}"/>
+                <a16:creationId xmlns:a16="http://schemas.microsoft.com/office/drawing/2014/main" xmlns="" id="{69C6AFF8-42B4-4D05-969B-9F5FB3355555}"/>
               </a:ext>
             </a:extLst>
           </p:cNvPr>
@@ -1166,7 +1166,7 @@
           <p:cNvPr id="2" name="Date Placeholder 1">
             <a:extLst>
               <a:ext uri="{FF2B5EF4-FFF2-40B4-BE49-F238E27FC236}">
-                <a16:creationId xmlns:a16="http://schemas.microsoft.com/office/drawing/2014/main" id="{5782D47D-B0DC-4C40-BCC6-BBBA32584A38}"/>
+                <a16:creationId xmlns:a16="http://schemas.microsoft.com/office/drawing/2014/main" xmlns="" id="{5782D47D-B0DC-4C40-BCC6-BBBA32584A38}"/>
               </a:ext>
             </a:extLst>
           </p:cNvPr>
@@ -1184,7 +1184,7 @@
           <a:p>
             <a:fld id="{BAAAC38D-0552-4C82-B593-E6124DFADBE2}" type="datetime1">
               <a:rPr lang="en-US" smtClean="0"/>
-              <a:t>3/8/2021</a:t>
+              <a:t>3/9/2021</a:t>
             </a:fld>
             <a:endParaRPr lang="en-US" dirty="0"/>
           </a:p>
@@ -1195,7 +1195,7 @@
           <p:cNvPr id="9" name="Footer Placeholder 8">
             <a:extLst>
               <a:ext uri="{FF2B5EF4-FFF2-40B4-BE49-F238E27FC236}">
-                <a16:creationId xmlns:a16="http://schemas.microsoft.com/office/drawing/2014/main" id="{4690D34E-7EBD-44B2-83CA-4C126A18D7EF}"/>
+                <a16:creationId xmlns:a16="http://schemas.microsoft.com/office/drawing/2014/main" xmlns="" id="{4690D34E-7EBD-44B2-83CA-4C126A18D7EF}"/>
               </a:ext>
             </a:extLst>
           </p:cNvPr>
@@ -1220,7 +1220,7 @@
           <p:cNvPr id="10" name="Slide Number Placeholder 9">
             <a:extLst>
               <a:ext uri="{FF2B5EF4-FFF2-40B4-BE49-F238E27FC236}">
-                <a16:creationId xmlns:a16="http://schemas.microsoft.com/office/drawing/2014/main" id="{2AC511A1-9BBD-42DE-92FB-2AF44F8E97A9}"/>
+                <a16:creationId xmlns:a16="http://schemas.microsoft.com/office/drawing/2014/main" xmlns="" id="{2AC511A1-9BBD-42DE-92FB-2AF44F8E97A9}"/>
               </a:ext>
             </a:extLst>
           </p:cNvPr>
@@ -1563,7 +1563,7 @@
           <p:cNvPr id="2" name="Date Placeholder 1">
             <a:extLst>
               <a:ext uri="{FF2B5EF4-FFF2-40B4-BE49-F238E27FC236}">
-                <a16:creationId xmlns:a16="http://schemas.microsoft.com/office/drawing/2014/main" id="{8AF8A515-AA94-45D1-9223-5C2272618D85}"/>
+                <a16:creationId xmlns:a16="http://schemas.microsoft.com/office/drawing/2014/main" xmlns="" id="{8AF8A515-AA94-45D1-9223-5C2272618D85}"/>
               </a:ext>
             </a:extLst>
           </p:cNvPr>
@@ -1581,7 +1581,7 @@
           <a:p>
             <a:fld id="{D9DF0F1C-5577-4ACB-BB62-DF8F3C494C7E}" type="datetime1">
               <a:rPr lang="en-US" smtClean="0"/>
-              <a:t>3/8/2021</a:t>
+              <a:t>3/9/2021</a:t>
             </a:fld>
             <a:endParaRPr lang="en-US" dirty="0"/>
           </a:p>
@@ -1592,7 +1592,7 @@
           <p:cNvPr id="11" name="Footer Placeholder 10">
             <a:extLst>
               <a:ext uri="{FF2B5EF4-FFF2-40B4-BE49-F238E27FC236}">
-                <a16:creationId xmlns:a16="http://schemas.microsoft.com/office/drawing/2014/main" id="{D052F5BC-98E0-4D60-AD67-9547738B7DD4}"/>
+                <a16:creationId xmlns:a16="http://schemas.microsoft.com/office/drawing/2014/main" xmlns="" id="{D052F5BC-98E0-4D60-AD67-9547738B7DD4}"/>
               </a:ext>
             </a:extLst>
           </p:cNvPr>
@@ -1617,7 +1617,7 @@
           <p:cNvPr id="12" name="Slide Number Placeholder 11">
             <a:extLst>
               <a:ext uri="{FF2B5EF4-FFF2-40B4-BE49-F238E27FC236}">
-                <a16:creationId xmlns:a16="http://schemas.microsoft.com/office/drawing/2014/main" id="{A38552DC-952E-41EA-AAAF-C2187523C0B0}"/>
+                <a16:creationId xmlns:a16="http://schemas.microsoft.com/office/drawing/2014/main" xmlns="" id="{A38552DC-952E-41EA-AAAF-C2187523C0B0}"/>
               </a:ext>
             </a:extLst>
           </p:cNvPr>
@@ -1699,7 +1699,7 @@
           <p:cNvPr id="6" name="Date Placeholder 5">
             <a:extLst>
               <a:ext uri="{FF2B5EF4-FFF2-40B4-BE49-F238E27FC236}">
-                <a16:creationId xmlns:a16="http://schemas.microsoft.com/office/drawing/2014/main" id="{7392073F-158F-44A3-8913-917AFFC1BC20}"/>
+                <a16:creationId xmlns:a16="http://schemas.microsoft.com/office/drawing/2014/main" xmlns="" id="{7392073F-158F-44A3-8913-917AFFC1BC20}"/>
               </a:ext>
             </a:extLst>
           </p:cNvPr>
@@ -1717,7 +1717,7 @@
           <a:p>
             <a:fld id="{1775B394-D9F9-4F0C-B15D-605F45CB9E9F}" type="datetime1">
               <a:rPr lang="en-US" smtClean="0"/>
-              <a:t>3/8/2021</a:t>
+              <a:t>3/9/2021</a:t>
             </a:fld>
             <a:endParaRPr lang="en-US" dirty="0"/>
           </a:p>
@@ -1728,7 +1728,7 @@
           <p:cNvPr id="7" name="Footer Placeholder 6">
             <a:extLst>
               <a:ext uri="{FF2B5EF4-FFF2-40B4-BE49-F238E27FC236}">
-                <a16:creationId xmlns:a16="http://schemas.microsoft.com/office/drawing/2014/main" id="{EED72207-24CA-42B7-A975-2F8E41CBA904}"/>
+                <a16:creationId xmlns:a16="http://schemas.microsoft.com/office/drawing/2014/main" xmlns="" id="{EED72207-24CA-42B7-A975-2F8E41CBA904}"/>
               </a:ext>
             </a:extLst>
           </p:cNvPr>
@@ -1753,7 +1753,7 @@
           <p:cNvPr id="8" name="Slide Number Placeholder 7">
             <a:extLst>
               <a:ext uri="{FF2B5EF4-FFF2-40B4-BE49-F238E27FC236}">
-                <a16:creationId xmlns:a16="http://schemas.microsoft.com/office/drawing/2014/main" id="{D01080F2-251A-4B88-9A62-16F46D724F83}"/>
+                <a16:creationId xmlns:a16="http://schemas.microsoft.com/office/drawing/2014/main" xmlns="" id="{D01080F2-251A-4B88-9A62-16F46D724F83}"/>
               </a:ext>
             </a:extLst>
           </p:cNvPr>
@@ -1812,7 +1812,7 @@
           <p:cNvPr id="10" name="Rectangle 9">
             <a:extLst>
               <a:ext uri="{FF2B5EF4-FFF2-40B4-BE49-F238E27FC236}">
-                <a16:creationId xmlns:a16="http://schemas.microsoft.com/office/drawing/2014/main" id="{A8E9C91B-7EAD-4562-AB0E-DFB9663AECE3}"/>
+                <a16:creationId xmlns:a16="http://schemas.microsoft.com/office/drawing/2014/main" xmlns="" id="{A8E9C91B-7EAD-4562-AB0E-DFB9663AECE3}"/>
               </a:ext>
             </a:extLst>
           </p:cNvPr>
@@ -1856,7 +1856,7 @@
           <p:cNvPr id="2" name="Date Placeholder 1">
             <a:extLst>
               <a:ext uri="{FF2B5EF4-FFF2-40B4-BE49-F238E27FC236}">
-                <a16:creationId xmlns:a16="http://schemas.microsoft.com/office/drawing/2014/main" id="{94E9223F-721F-47BF-9FD5-0F8D12FF0DE1}"/>
+                <a16:creationId xmlns:a16="http://schemas.microsoft.com/office/drawing/2014/main" xmlns="" id="{94E9223F-721F-47BF-9FD5-0F8D12FF0DE1}"/>
               </a:ext>
             </a:extLst>
           </p:cNvPr>
@@ -1874,7 +1874,7 @@
           <a:p>
             <a:fld id="{39667345-2558-425A-8533-9BFDBCE15005}" type="datetime1">
               <a:rPr lang="en-US" smtClean="0"/>
-              <a:t>3/8/2021</a:t>
+              <a:t>3/9/2021</a:t>
             </a:fld>
             <a:endParaRPr lang="en-US" dirty="0"/>
           </a:p>
@@ -1885,7 +1885,7 @@
           <p:cNvPr id="3" name="Footer Placeholder 2">
             <a:extLst>
               <a:ext uri="{FF2B5EF4-FFF2-40B4-BE49-F238E27FC236}">
-                <a16:creationId xmlns:a16="http://schemas.microsoft.com/office/drawing/2014/main" id="{05915714-6BBA-4593-8591-4E26F7D58D9F}"/>
+                <a16:creationId xmlns:a16="http://schemas.microsoft.com/office/drawing/2014/main" xmlns="" id="{05915714-6BBA-4593-8591-4E26F7D58D9F}"/>
               </a:ext>
             </a:extLst>
           </p:cNvPr>
@@ -1910,7 +1910,7 @@
           <p:cNvPr id="4" name="Slide Number Placeholder 3">
             <a:extLst>
               <a:ext uri="{FF2B5EF4-FFF2-40B4-BE49-F238E27FC236}">
-                <a16:creationId xmlns:a16="http://schemas.microsoft.com/office/drawing/2014/main" id="{BE06F857-D2E1-44DD-ABDD-EBB739645B67}"/>
+                <a16:creationId xmlns:a16="http://schemas.microsoft.com/office/drawing/2014/main" xmlns="" id="{BE06F857-D2E1-44DD-ABDD-EBB739645B67}"/>
               </a:ext>
             </a:extLst>
           </p:cNvPr>
@@ -1969,7 +1969,7 @@
           <p:cNvPr id="8" name="Rectangle 7">
             <a:extLst>
               <a:ext uri="{FF2B5EF4-FFF2-40B4-BE49-F238E27FC236}">
-                <a16:creationId xmlns:a16="http://schemas.microsoft.com/office/drawing/2014/main" id="{16D90D66-BCB9-4229-A829-628874352AC0}"/>
+                <a16:creationId xmlns:a16="http://schemas.microsoft.com/office/drawing/2014/main" xmlns="" id="{16D90D66-BCB9-4229-A829-628874352AC0}"/>
               </a:ext>
             </a:extLst>
           </p:cNvPr>
@@ -2203,7 +2203,7 @@
           <a:p>
             <a:fld id="{92BEA474-078D-4E9B-9B14-09A87B19DC46}" type="datetime1">
               <a:rPr lang="en-US" smtClean="0"/>
-              <a:t>3/8/2021</a:t>
+              <a:t>3/9/2021</a:t>
             </a:fld>
             <a:endParaRPr lang="en-US" dirty="0"/>
           </a:p>
@@ -2308,7 +2308,7 @@
           <p:cNvPr id="8" name="Rectangle 7">
             <a:extLst>
               <a:ext uri="{FF2B5EF4-FFF2-40B4-BE49-F238E27FC236}">
-                <a16:creationId xmlns:a16="http://schemas.microsoft.com/office/drawing/2014/main" id="{DA134939-39C0-4522-A125-A13DFDA66490}"/>
+                <a16:creationId xmlns:a16="http://schemas.microsoft.com/office/drawing/2014/main" xmlns="" id="{DA134939-39C0-4522-A125-A13DFDA66490}"/>
               </a:ext>
             </a:extLst>
           </p:cNvPr>
@@ -2553,7 +2553,7 @@
           <a:p>
             <a:fld id="{4907D986-8816-4272-A432-0437A28A9828}" type="datetime1">
               <a:rPr lang="en-US" smtClean="0"/>
-              <a:t>3/8/2021</a:t>
+              <a:t>3/9/2021</a:t>
             </a:fld>
             <a:endParaRPr lang="en-US" dirty="0"/>
           </a:p>
@@ -2647,7 +2647,7 @@
           <p:cNvPr id="7" name="Rectangle 6">
             <a:extLst>
               <a:ext uri="{FF2B5EF4-FFF2-40B4-BE49-F238E27FC236}">
-                <a16:creationId xmlns:a16="http://schemas.microsoft.com/office/drawing/2014/main" id="{416A0E3C-60E6-4F39-BC55-5F7C224E1F7C}"/>
+                <a16:creationId xmlns:a16="http://schemas.microsoft.com/office/drawing/2014/main" xmlns="" id="{416A0E3C-60E6-4F39-BC55-5F7C224E1F7C}"/>
               </a:ext>
             </a:extLst>
           </p:cNvPr>
@@ -2814,7 +2814,7 @@
           <a:p>
             <a:fld id="{62D6E202-B606-4609-B914-27C9371A1F6D}" type="datetime1">
               <a:rPr lang="en-US" smtClean="0"/>
-              <a:t>3/8/2021</a:t>
+              <a:t>3/9/2021</a:t>
             </a:fld>
             <a:endParaRPr lang="en-US" dirty="0"/>
           </a:p>
@@ -2899,7 +2899,7 @@
           <p:cNvPr id="10" name="Straight Connector 9">
             <a:extLst>
               <a:ext uri="{FF2B5EF4-FFF2-40B4-BE49-F238E27FC236}">
-                <a16:creationId xmlns:a16="http://schemas.microsoft.com/office/drawing/2014/main" id="{C5025DAC-8B93-4160-B017-3A274A5828C0}"/>
+                <a16:creationId xmlns:a16="http://schemas.microsoft.com/office/drawing/2014/main" xmlns="" id="{C5025DAC-8B93-4160-B017-3A274A5828C0}"/>
               </a:ext>
             </a:extLst>
           </p:cNvPr>
@@ -3348,10 +3348,10 @@
           <p:cNvPr id="28" name="Rectangle 27">
             <a:extLst>
               <a:ext uri="{FF2B5EF4-FFF2-40B4-BE49-F238E27FC236}">
-                <a16:creationId xmlns:a16="http://schemas.microsoft.com/office/drawing/2014/main" id="{2FDF0794-1B86-42B2-B8C7-F60123E638ED}"/>
+                <a16:creationId xmlns:a16="http://schemas.microsoft.com/office/drawing/2014/main" xmlns="" id="{2FDF0794-1B86-42B2-B8C7-F60123E638ED}"/>
               </a:ext>
               <a:ext uri="{C183D7F6-B498-43B3-948B-1728B52AA6E4}">
-                <adec:decorative xmlns:adec="http://schemas.microsoft.com/office/drawing/2017/decorative" val="1"/>
+                <adec:decorative xmlns:adec="http://schemas.microsoft.com/office/drawing/2017/decorative" xmlns="" val="1"/>
               </a:ext>
             </a:extLst>
           </p:cNvPr>
@@ -3361,7 +3361,7 @@
           <p:nvPr>
             <p:extLst>
               <p:ext uri="{386F3935-93C4-4BCD-93E2-E3B085C9AB24}">
-                <p16:designElem xmlns:p16="http://schemas.microsoft.com/office/powerpoint/2015/main" val="1"/>
+                <p16:designElem xmlns:p16="http://schemas.microsoft.com/office/powerpoint/2015/main" xmlns="" val="1"/>
               </p:ext>
             </p:extLst>
           </p:nvPr>
@@ -3440,10 +3440,10 @@
           <p:cNvPr id="5" name="Picture 4">
             <a:extLst>
               <a:ext uri="{FF2B5EF4-FFF2-40B4-BE49-F238E27FC236}">
-                <a16:creationId xmlns:a16="http://schemas.microsoft.com/office/drawing/2014/main" id="{1FD526C9-A8C7-41E6-85BB-39F06C858A2B}"/>
+                <a16:creationId xmlns:a16="http://schemas.microsoft.com/office/drawing/2014/main" xmlns="" id="{1FD526C9-A8C7-41E6-85BB-39F06C858A2B}"/>
               </a:ext>
               <a:ext uri="{C183D7F6-B498-43B3-948B-1728B52AA6E4}">
-                <adec:decorative xmlns:adec="http://schemas.microsoft.com/office/drawing/2017/decorative" val="1"/>
+                <adec:decorative xmlns:adec="http://schemas.microsoft.com/office/drawing/2017/decorative" xmlns="" val="1"/>
               </a:ext>
             </a:extLst>
           </p:cNvPr>
@@ -3478,10 +3478,10 @@
           <p:cNvPr id="30" name="Rectangle 29">
             <a:extLst>
               <a:ext uri="{FF2B5EF4-FFF2-40B4-BE49-F238E27FC236}">
-                <a16:creationId xmlns:a16="http://schemas.microsoft.com/office/drawing/2014/main" id="{C5373426-E26E-431D-959C-5DB96C0B6208}"/>
+                <a16:creationId xmlns:a16="http://schemas.microsoft.com/office/drawing/2014/main" xmlns="" id="{C5373426-E26E-431D-959C-5DB96C0B6208}"/>
               </a:ext>
               <a:ext uri="{C183D7F6-B498-43B3-948B-1728B52AA6E4}">
-                <adec:decorative xmlns:adec="http://schemas.microsoft.com/office/drawing/2017/decorative" val="1"/>
+                <adec:decorative xmlns:adec="http://schemas.microsoft.com/office/drawing/2017/decorative" xmlns="" val="1"/>
               </a:ext>
             </a:extLst>
           </p:cNvPr>
@@ -3491,7 +3491,7 @@
           <p:nvPr>
             <p:extLst>
               <p:ext uri="{386F3935-93C4-4BCD-93E2-E3B085C9AB24}">
-                <p16:designElem xmlns:p16="http://schemas.microsoft.com/office/powerpoint/2015/main" val="1"/>
+                <p16:designElem xmlns:p16="http://schemas.microsoft.com/office/powerpoint/2015/main" xmlns="" val="1"/>
               </p:ext>
             </p:extLst>
           </p:nvPr>
@@ -3572,7 +3572,7 @@
           <p:cNvPr id="2" name="Title 1">
             <a:extLst>
               <a:ext uri="{FF2B5EF4-FFF2-40B4-BE49-F238E27FC236}">
-                <a16:creationId xmlns:a16="http://schemas.microsoft.com/office/drawing/2014/main" id="{9AB2EA78-AEB3-469B-9025-3B17201A457B}"/>
+                <a16:creationId xmlns:a16="http://schemas.microsoft.com/office/drawing/2014/main" xmlns="" id="{9AB2EA78-AEB3-469B-9025-3B17201A457B}"/>
               </a:ext>
             </a:extLst>
           </p:cNvPr>
@@ -3616,7 +3616,7 @@
           <p:cNvPr id="3" name="Subtitle 2">
             <a:extLst>
               <a:ext uri="{FF2B5EF4-FFF2-40B4-BE49-F238E27FC236}">
-                <a16:creationId xmlns:a16="http://schemas.microsoft.com/office/drawing/2014/main" id="{255E1F2F-E259-4EA8-9FFD-3A10AF541859}"/>
+                <a16:creationId xmlns:a16="http://schemas.microsoft.com/office/drawing/2014/main" xmlns="" id="{255E1F2F-E259-4EA8-9FFD-3A10AF541859}"/>
               </a:ext>
             </a:extLst>
           </p:cNvPr>
@@ -3657,10 +3657,10 @@
           <p:cNvPr id="32" name="Straight Connector 31">
             <a:extLst>
               <a:ext uri="{FF2B5EF4-FFF2-40B4-BE49-F238E27FC236}">
-                <a16:creationId xmlns:a16="http://schemas.microsoft.com/office/drawing/2014/main" id="{96D07482-83A3-4451-943C-B46961082957}"/>
+                <a16:creationId xmlns:a16="http://schemas.microsoft.com/office/drawing/2014/main" xmlns="" id="{96D07482-83A3-4451-943C-B46961082957}"/>
               </a:ext>
               <a:ext uri="{C183D7F6-B498-43B3-948B-1728B52AA6E4}">
-                <adec:decorative xmlns:adec="http://schemas.microsoft.com/office/drawing/2017/decorative" val="1"/>
+                <adec:decorative xmlns:adec="http://schemas.microsoft.com/office/drawing/2017/decorative" xmlns="" val="1"/>
               </a:ext>
             </a:extLst>
           </p:cNvPr>
@@ -3670,7 +3670,7 @@
           <p:nvPr>
             <p:extLst>
               <p:ext uri="{386F3935-93C4-4BCD-93E2-E3B085C9AB24}">
-                <p16:designElem xmlns:p16="http://schemas.microsoft.com/office/powerpoint/2015/main" val="1"/>
+                <p16:designElem xmlns:p16="http://schemas.microsoft.com/office/powerpoint/2015/main" xmlns="" val="1"/>
               </p:ext>
             </p:extLst>
           </p:nvPr>
@@ -3709,10 +3709,10 @@
           <p:cNvPr id="34" name="Rectangle 33">
             <a:extLst>
               <a:ext uri="{FF2B5EF4-FFF2-40B4-BE49-F238E27FC236}">
-                <a16:creationId xmlns:a16="http://schemas.microsoft.com/office/drawing/2014/main" id="{EDC90921-9082-491B-940E-827D679F3478}"/>
+                <a16:creationId xmlns:a16="http://schemas.microsoft.com/office/drawing/2014/main" xmlns="" id="{EDC90921-9082-491B-940E-827D679F3478}"/>
               </a:ext>
               <a:ext uri="{C183D7F6-B498-43B3-948B-1728B52AA6E4}">
-                <adec:decorative xmlns:adec="http://schemas.microsoft.com/office/drawing/2017/decorative" val="1"/>
+                <adec:decorative xmlns:adec="http://schemas.microsoft.com/office/drawing/2017/decorative" xmlns="" val="1"/>
               </a:ext>
             </a:extLst>
           </p:cNvPr>
@@ -3722,7 +3722,7 @@
           <p:nvPr>
             <p:extLst>
               <p:ext uri="{386F3935-93C4-4BCD-93E2-E3B085C9AB24}">
-                <p16:designElem xmlns:p16="http://schemas.microsoft.com/office/powerpoint/2015/main" val="1"/>
+                <p16:designElem xmlns:p16="http://schemas.microsoft.com/office/powerpoint/2015/main" xmlns="" val="1"/>
               </p:ext>
             </p:extLst>
           </p:nvPr>
@@ -3796,7 +3796,7 @@
           <p:cNvPr id="2" name="Title 1">
             <a:extLst>
               <a:ext uri="{FF2B5EF4-FFF2-40B4-BE49-F238E27FC236}">
-                <a16:creationId xmlns:a16="http://schemas.microsoft.com/office/drawing/2014/main" id="{675CFA7F-9BE1-497B-8401-6B66EB28EED5}"/>
+                <a16:creationId xmlns:a16="http://schemas.microsoft.com/office/drawing/2014/main" xmlns="" id="{00D0D80C-D72C-42F7-884D-3A6024EE5CE2}"/>
               </a:ext>
             </a:extLst>
           </p:cNvPr>
@@ -3814,114 +3814,45 @@
           <a:p>
             <a:r>
               <a:rPr lang="pl-PL" dirty="0"/>
-              <a:t>Zbiór funkcjonalności</a:t>
-            </a:r>
-          </a:p>
-        </p:txBody>
-      </p:sp>
-      <p:sp>
-        <p:nvSpPr>
-          <p:cNvPr id="3" name="Content Placeholder 2">
-            <a:extLst>
-              <a:ext uri="{FF2B5EF4-FFF2-40B4-BE49-F238E27FC236}">
-                <a16:creationId xmlns:a16="http://schemas.microsoft.com/office/drawing/2014/main" id="{8811DC91-F556-4820-AE6D-D8189A67BD10}"/>
-              </a:ext>
-            </a:extLst>
-          </p:cNvPr>
-          <p:cNvSpPr>
-            <a:spLocks noGrp="1"/>
-          </p:cNvSpPr>
-          <p:nvPr>
-            <p:ph idx="1"/>
-          </p:nvPr>
-        </p:nvSpPr>
+              <a:t>Aktorzy w systemie</a:t>
+            </a:r>
+          </a:p>
+        </p:txBody>
+      </p:sp>
+      <p:pic>
+        <p:nvPicPr>
+          <p:cNvPr id="5" name="Picture 4">
+            <a:extLst>
+              <a:ext uri="{FF2B5EF4-FFF2-40B4-BE49-F238E27FC236}">
+                <a16:creationId xmlns:a16="http://schemas.microsoft.com/office/drawing/2014/main" xmlns="" id="{54E59EBF-5A3C-49BE-8D43-0B27A1571623}"/>
+              </a:ext>
+            </a:extLst>
+          </p:cNvPr>
+          <p:cNvPicPr>
+            <a:picLocks noChangeAspect="1"/>
+          </p:cNvPicPr>
+          <p:nvPr/>
+        </p:nvPicPr>
+        <p:blipFill>
+          <a:blip r:embed="rId2"/>
+          <a:stretch>
+            <a:fillRect/>
+          </a:stretch>
+        </p:blipFill>
         <p:spPr>
           <a:xfrm>
-            <a:off x="1097279" y="2108201"/>
-            <a:ext cx="10135579" cy="3760891"/>
+            <a:off x="3000900" y="2135599"/>
+            <a:ext cx="6190199" cy="3996753"/>
           </a:xfrm>
+          <a:prstGeom prst="rect">
+            <a:avLst/>
+          </a:prstGeom>
         </p:spPr>
-        <p:txBody>
-          <a:bodyPr>
-            <a:normAutofit/>
-          </a:bodyPr>
-          <a:lstStyle/>
-          <a:p>
-            <a:pPr>
-              <a:buFont typeface="Wingdings" panose="05000000000000000000" pitchFamily="2" charset="2"/>
-              <a:buChar char="v"/>
-            </a:pPr>
-            <a:r>
-              <a:rPr lang="pl-PL" b="1" dirty="0"/>
-              <a:t> Jako nauczyciel chcę stworzyć test, by sprawdzić wiedzę swoich uczniów</a:t>
-            </a:r>
-          </a:p>
-          <a:p>
-            <a:pPr>
-              <a:buFont typeface="Wingdings" panose="05000000000000000000" pitchFamily="2" charset="2"/>
-              <a:buChar char="v"/>
-            </a:pPr>
-            <a:r>
-              <a:rPr lang="pl-PL" b="1" dirty="0"/>
-              <a:t> Jako uczeń chcę wypełnić test, by zaliczyć przedmiot </a:t>
-            </a:r>
-          </a:p>
-          <a:p>
-            <a:pPr>
-              <a:buFont typeface="Wingdings" panose="05000000000000000000" pitchFamily="2" charset="2"/>
-              <a:buChar char="v"/>
-            </a:pPr>
-            <a:r>
-              <a:rPr lang="pl-PL" dirty="0"/>
-              <a:t> Jako nauczyciel chcę założyć konto, by móc tworzyć testy</a:t>
-            </a:r>
-          </a:p>
-          <a:p>
-            <a:pPr>
-              <a:buFont typeface="Wingdings" panose="05000000000000000000" pitchFamily="2" charset="2"/>
-              <a:buChar char="v"/>
-            </a:pPr>
-            <a:r>
-              <a:rPr lang="pl-PL" dirty="0"/>
-              <a:t> Jako uczeń chcę założyć konto, by móc wypełniać testy</a:t>
-            </a:r>
-          </a:p>
-          <a:p>
-            <a:pPr>
-              <a:buFont typeface="Wingdings" panose="05000000000000000000" pitchFamily="2" charset="2"/>
-              <a:buChar char="v"/>
-            </a:pPr>
-            <a:r>
-              <a:rPr lang="pl-PL" dirty="0"/>
-              <a:t> Jako nauczyciel chcę mieć dostęp do wyników testów, by móc analizować nabytą wiedzę uczniów</a:t>
-            </a:r>
-          </a:p>
-          <a:p>
-            <a:pPr>
-              <a:buFont typeface="Wingdings" panose="05000000000000000000" pitchFamily="2" charset="2"/>
-              <a:buChar char="v"/>
-            </a:pPr>
-            <a:r>
-              <a:rPr lang="pl-PL" dirty="0"/>
-              <a:t> Jako nauczyciel chcę stworzyć własną grupę studentów, by łatwo zarządzać testami</a:t>
-            </a:r>
-          </a:p>
-          <a:p>
-            <a:pPr>
-              <a:buFont typeface="Wingdings" panose="05000000000000000000" pitchFamily="2" charset="2"/>
-              <a:buChar char="v"/>
-            </a:pPr>
-            <a:r>
-              <a:rPr lang="pl-PL" dirty="0"/>
-              <a:t> Jako uczeń chcę mieć dostęp do wyniku mojego testu, by sprawdzić mój wynik</a:t>
-            </a:r>
-          </a:p>
-        </p:txBody>
-      </p:sp>
+      </p:pic>
     </p:spTree>
     <p:extLst>
       <p:ext uri="{BB962C8B-B14F-4D97-AF65-F5344CB8AC3E}">
-        <p14:creationId xmlns:p14="http://schemas.microsoft.com/office/powerpoint/2010/main" val="4018286563"/>
+        <p14:creationId xmlns:p14="http://schemas.microsoft.com/office/powerpoint/2010/main" val="116617202"/>
       </p:ext>
     </p:extLst>
   </p:cSld>
@@ -3953,7 +3884,7 @@
           <p:cNvPr id="2" name="Title 1">
             <a:extLst>
               <a:ext uri="{FF2B5EF4-FFF2-40B4-BE49-F238E27FC236}">
-                <a16:creationId xmlns:a16="http://schemas.microsoft.com/office/drawing/2014/main" id="{675CFA7F-9BE1-497B-8401-6B66EB28EED5}"/>
+                <a16:creationId xmlns:a16="http://schemas.microsoft.com/office/drawing/2014/main" xmlns="" id="{675CFA7F-9BE1-497B-8401-6B66EB28EED5}"/>
               </a:ext>
             </a:extLst>
           </p:cNvPr>
@@ -3976,103 +3907,266 @@
           </a:p>
         </p:txBody>
       </p:sp>
-      <p:sp>
-        <p:nvSpPr>
-          <p:cNvPr id="3" name="Content Placeholder 2">
-            <a:extLst>
-              <a:ext uri="{FF2B5EF4-FFF2-40B4-BE49-F238E27FC236}">
-                <a16:creationId xmlns:a16="http://schemas.microsoft.com/office/drawing/2014/main" id="{8811DC91-F556-4820-AE6D-D8189A67BD10}"/>
-              </a:ext>
-            </a:extLst>
-          </p:cNvPr>
-          <p:cNvSpPr>
-            <a:spLocks noGrp="1"/>
-          </p:cNvSpPr>
-          <p:nvPr>
-            <p:ph idx="1"/>
-          </p:nvPr>
-        </p:nvSpPr>
-        <p:spPr>
+      <p:pic>
+        <p:nvPicPr>
+          <p:cNvPr id="1026" name="Picture 2"/>
+          <p:cNvPicPr>
+            <a:picLocks noChangeAspect="1" noChangeArrowheads="1"/>
+          </p:cNvPicPr>
+          <p:nvPr/>
+        </p:nvPicPr>
+        <p:blipFill>
+          <a:blip r:embed="rId2">
+            <a:extLst>
+              <a:ext uri="{28A0092B-C50C-407E-A947-70E740481C1C}">
+                <a14:useLocalDpi xmlns:a14="http://schemas.microsoft.com/office/drawing/2010/main" val="0"/>
+              </a:ext>
+            </a:extLst>
+          </a:blip>
+          <a:srcRect/>
+          <a:stretch>
+            <a:fillRect/>
+          </a:stretch>
+        </p:blipFill>
+        <p:spPr bwMode="auto">
           <a:xfrm>
-            <a:off x="1097279" y="2108201"/>
-            <a:ext cx="10135579" cy="3760891"/>
+            <a:off x="1278992" y="2007654"/>
+            <a:ext cx="2476500" cy="4286250"/>
           </a:xfrm>
+          <a:prstGeom prst="rect">
+            <a:avLst/>
+          </a:prstGeom>
+          <a:noFill/>
+          <a:ln>
+            <a:noFill/>
+          </a:ln>
+          <a:effectLst/>
+          <a:extLst>
+            <a:ext uri="{909E8E84-426E-40DD-AFC4-6F175D3DCCD1}">
+              <a14:hiddenFill xmlns:a14="http://schemas.microsoft.com/office/drawing/2010/main">
+                <a:solidFill>
+                  <a:schemeClr val="accent1"/>
+                </a:solidFill>
+              </a14:hiddenFill>
+            </a:ext>
+            <a:ext uri="{91240B29-F687-4F45-9708-019B960494DF}">
+              <a14:hiddenLine xmlns:a14="http://schemas.microsoft.com/office/drawing/2010/main" w="9525">
+                <a:solidFill>
+                  <a:schemeClr val="tx1"/>
+                </a:solidFill>
+                <a:miter lim="800000"/>
+                <a:headEnd/>
+                <a:tailEnd/>
+              </a14:hiddenLine>
+            </a:ext>
+            <a:ext uri="{AF507438-7753-43E0-B8FC-AC1667EBCBE1}">
+              <a14:hiddenEffects xmlns:a14="http://schemas.microsoft.com/office/drawing/2010/main">
+                <a:effectLst>
+                  <a:outerShdw dist="35921" dir="2700000" algn="ctr" rotWithShape="0">
+                    <a:schemeClr val="bg2"/>
+                  </a:outerShdw>
+                </a:effectLst>
+              </a14:hiddenEffects>
+            </a:ext>
+          </a:extLst>
         </p:spPr>
-        <p:txBody>
-          <a:bodyPr>
-            <a:normAutofit/>
-          </a:bodyPr>
-          <a:lstStyle/>
-          <a:p>
-            <a:pPr>
-              <a:buFont typeface="Wingdings" panose="05000000000000000000" pitchFamily="2" charset="2"/>
-              <a:buChar char="v"/>
-            </a:pPr>
-            <a:r>
-              <a:rPr lang="pl-PL" dirty="0"/>
-              <a:t> </a:t>
-            </a:r>
-            <a:r>
-              <a:rPr lang="pl-PL" b="1" dirty="0"/>
-              <a:t>Jako nauczyciel chcę stworzyć test, by sprawdzić wiedzę swoich uczniów</a:t>
-            </a:r>
-          </a:p>
-          <a:p>
-            <a:pPr lvl="1">
-              <a:buFont typeface="Wingdings" panose="05000000000000000000" pitchFamily="2" charset="2"/>
-              <a:buChar char="v"/>
-            </a:pPr>
-            <a:r>
-              <a:rPr lang="pl-PL" b="1" dirty="0"/>
-              <a:t> Jako nauczyciel chcę wejść na stronę internetową, by zapoznać się z ofertą</a:t>
-            </a:r>
-          </a:p>
-          <a:p>
-            <a:pPr lvl="1">
-              <a:buFont typeface="Wingdings" panose="05000000000000000000" pitchFamily="2" charset="2"/>
-              <a:buChar char="v"/>
-            </a:pPr>
-            <a:r>
-              <a:rPr lang="pl-PL" dirty="0"/>
-              <a:t> Jako nauczyciel chcę założyć konto, by korzystać z serwisu</a:t>
-            </a:r>
-          </a:p>
-          <a:p>
-            <a:pPr lvl="1">
-              <a:buFont typeface="Wingdings" panose="05000000000000000000" pitchFamily="2" charset="2"/>
-              <a:buChar char="v"/>
-            </a:pPr>
-            <a:r>
-              <a:rPr lang="pl-PL" dirty="0"/>
-              <a:t> Jako nauczyciel chcę wprowadzać pytania, by stworzyć test</a:t>
-            </a:r>
-          </a:p>
-          <a:p>
-            <a:pPr lvl="1">
-              <a:buFont typeface="Wingdings" panose="05000000000000000000" pitchFamily="2" charset="2"/>
-              <a:buChar char="v"/>
-            </a:pPr>
-            <a:r>
-              <a:rPr lang="pl-PL" dirty="0"/>
-              <a:t> Jako nauczyciel chcę zaprosić uczniów, by mogli wypełnić test</a:t>
-            </a:r>
-          </a:p>
-          <a:p>
-            <a:pPr lvl="1">
-              <a:buFont typeface="Wingdings" panose="05000000000000000000" pitchFamily="2" charset="2"/>
-              <a:buChar char="v"/>
-            </a:pPr>
-            <a:r>
-              <a:rPr lang="pl-PL" dirty="0"/>
-              <a:t> Jako nauczyciel chcę tworzyć grupy uczniów, by szybciej organizować testy</a:t>
-            </a:r>
-          </a:p>
-        </p:txBody>
-      </p:sp>
+      </p:pic>
+      <p:pic>
+        <p:nvPicPr>
+          <p:cNvPr id="1027" name="Picture 3"/>
+          <p:cNvPicPr>
+            <a:picLocks noChangeAspect="1" noChangeArrowheads="1"/>
+          </p:cNvPicPr>
+          <p:nvPr/>
+        </p:nvPicPr>
+        <p:blipFill>
+          <a:blip r:embed="rId3">
+            <a:extLst>
+              <a:ext uri="{28A0092B-C50C-407E-A947-70E740481C1C}">
+                <a14:useLocalDpi xmlns:a14="http://schemas.microsoft.com/office/drawing/2010/main" val="0"/>
+              </a:ext>
+            </a:extLst>
+          </a:blip>
+          <a:srcRect/>
+          <a:stretch>
+            <a:fillRect/>
+          </a:stretch>
+        </p:blipFill>
+        <p:spPr bwMode="auto">
+          <a:xfrm>
+            <a:off x="3930772" y="2007654"/>
+            <a:ext cx="2181019" cy="4286250"/>
+          </a:xfrm>
+          <a:prstGeom prst="rect">
+            <a:avLst/>
+          </a:prstGeom>
+          <a:noFill/>
+          <a:ln>
+            <a:noFill/>
+          </a:ln>
+          <a:effectLst/>
+          <a:extLst>
+            <a:ext uri="{909E8E84-426E-40DD-AFC4-6F175D3DCCD1}">
+              <a14:hiddenFill xmlns:a14="http://schemas.microsoft.com/office/drawing/2010/main">
+                <a:solidFill>
+                  <a:schemeClr val="accent1"/>
+                </a:solidFill>
+              </a14:hiddenFill>
+            </a:ext>
+            <a:ext uri="{91240B29-F687-4F45-9708-019B960494DF}">
+              <a14:hiddenLine xmlns:a14="http://schemas.microsoft.com/office/drawing/2010/main" w="9525">
+                <a:solidFill>
+                  <a:schemeClr val="tx1"/>
+                </a:solidFill>
+                <a:miter lim="800000"/>
+                <a:headEnd/>
+                <a:tailEnd/>
+              </a14:hiddenLine>
+            </a:ext>
+            <a:ext uri="{AF507438-7753-43E0-B8FC-AC1667EBCBE1}">
+              <a14:hiddenEffects xmlns:a14="http://schemas.microsoft.com/office/drawing/2010/main">
+                <a:effectLst>
+                  <a:outerShdw dist="35921" dir="2700000" algn="ctr" rotWithShape="0">
+                    <a:schemeClr val="bg2"/>
+                  </a:outerShdw>
+                </a:effectLst>
+              </a14:hiddenEffects>
+            </a:ext>
+          </a:extLst>
+        </p:spPr>
+      </p:pic>
+      <p:pic>
+        <p:nvPicPr>
+          <p:cNvPr id="1028" name="Picture 4"/>
+          <p:cNvPicPr>
+            <a:picLocks noChangeAspect="1" noChangeArrowheads="1"/>
+          </p:cNvPicPr>
+          <p:nvPr/>
+        </p:nvPicPr>
+        <p:blipFill>
+          <a:blip r:embed="rId4">
+            <a:extLst>
+              <a:ext uri="{28A0092B-C50C-407E-A947-70E740481C1C}">
+                <a14:useLocalDpi xmlns:a14="http://schemas.microsoft.com/office/drawing/2010/main" val="0"/>
+              </a:ext>
+            </a:extLst>
+          </a:blip>
+          <a:srcRect/>
+          <a:stretch>
+            <a:fillRect/>
+          </a:stretch>
+        </p:blipFill>
+        <p:spPr bwMode="auto">
+          <a:xfrm>
+            <a:off x="6297909" y="2007654"/>
+            <a:ext cx="2118358" cy="1966476"/>
+          </a:xfrm>
+          <a:prstGeom prst="rect">
+            <a:avLst/>
+          </a:prstGeom>
+          <a:noFill/>
+          <a:ln>
+            <a:noFill/>
+          </a:ln>
+          <a:effectLst/>
+          <a:extLst>
+            <a:ext uri="{909E8E84-426E-40DD-AFC4-6F175D3DCCD1}">
+              <a14:hiddenFill xmlns:a14="http://schemas.microsoft.com/office/drawing/2010/main">
+                <a:solidFill>
+                  <a:schemeClr val="accent1"/>
+                </a:solidFill>
+              </a14:hiddenFill>
+            </a:ext>
+            <a:ext uri="{91240B29-F687-4F45-9708-019B960494DF}">
+              <a14:hiddenLine xmlns:a14="http://schemas.microsoft.com/office/drawing/2010/main" w="9525">
+                <a:solidFill>
+                  <a:schemeClr val="tx1"/>
+                </a:solidFill>
+                <a:miter lim="800000"/>
+                <a:headEnd/>
+                <a:tailEnd/>
+              </a14:hiddenLine>
+            </a:ext>
+            <a:ext uri="{AF507438-7753-43E0-B8FC-AC1667EBCBE1}">
+              <a14:hiddenEffects xmlns:a14="http://schemas.microsoft.com/office/drawing/2010/main">
+                <a:effectLst>
+                  <a:outerShdw dist="35921" dir="2700000" algn="ctr" rotWithShape="0">
+                    <a:schemeClr val="bg2"/>
+                  </a:outerShdw>
+                </a:effectLst>
+              </a14:hiddenEffects>
+            </a:ext>
+          </a:extLst>
+        </p:spPr>
+      </p:pic>
+      <p:pic>
+        <p:nvPicPr>
+          <p:cNvPr id="1029" name="Picture 5"/>
+          <p:cNvPicPr>
+            <a:picLocks noChangeAspect="1" noChangeArrowheads="1"/>
+          </p:cNvPicPr>
+          <p:nvPr/>
+        </p:nvPicPr>
+        <p:blipFill>
+          <a:blip r:embed="rId5">
+            <a:extLst>
+              <a:ext uri="{28A0092B-C50C-407E-A947-70E740481C1C}">
+                <a14:useLocalDpi xmlns:a14="http://schemas.microsoft.com/office/drawing/2010/main" val="0"/>
+              </a:ext>
+            </a:extLst>
+          </a:blip>
+          <a:srcRect/>
+          <a:stretch>
+            <a:fillRect/>
+          </a:stretch>
+        </p:blipFill>
+        <p:spPr bwMode="auto">
+          <a:xfrm>
+            <a:off x="8546904" y="2007654"/>
+            <a:ext cx="2562225" cy="1743075"/>
+          </a:xfrm>
+          <a:prstGeom prst="rect">
+            <a:avLst/>
+          </a:prstGeom>
+          <a:noFill/>
+          <a:ln>
+            <a:noFill/>
+          </a:ln>
+          <a:effectLst/>
+          <a:extLst>
+            <a:ext uri="{909E8E84-426E-40DD-AFC4-6F175D3DCCD1}">
+              <a14:hiddenFill xmlns:a14="http://schemas.microsoft.com/office/drawing/2010/main">
+                <a:solidFill>
+                  <a:schemeClr val="accent1"/>
+                </a:solidFill>
+              </a14:hiddenFill>
+            </a:ext>
+            <a:ext uri="{91240B29-F687-4F45-9708-019B960494DF}">
+              <a14:hiddenLine xmlns:a14="http://schemas.microsoft.com/office/drawing/2010/main" w="9525">
+                <a:solidFill>
+                  <a:schemeClr val="tx1"/>
+                </a:solidFill>
+                <a:miter lim="800000"/>
+                <a:headEnd/>
+                <a:tailEnd/>
+              </a14:hiddenLine>
+            </a:ext>
+            <a:ext uri="{AF507438-7753-43E0-B8FC-AC1667EBCBE1}">
+              <a14:hiddenEffects xmlns:a14="http://schemas.microsoft.com/office/drawing/2010/main">
+                <a:effectLst>
+                  <a:outerShdw dist="35921" dir="2700000" algn="ctr" rotWithShape="0">
+                    <a:schemeClr val="bg2"/>
+                  </a:outerShdw>
+                </a:effectLst>
+              </a14:hiddenEffects>
+            </a:ext>
+          </a:extLst>
+        </p:spPr>
+      </p:pic>
     </p:spTree>
     <p:extLst>
       <p:ext uri="{BB962C8B-B14F-4D97-AF65-F5344CB8AC3E}">
-        <p14:creationId xmlns:p14="http://schemas.microsoft.com/office/powerpoint/2010/main" val="529558684"/>
+        <p14:creationId xmlns:p14="http://schemas.microsoft.com/office/powerpoint/2010/main" val="4018286563"/>
       </p:ext>
     </p:extLst>
   </p:cSld>
@@ -4104,7 +4198,7 @@
           <p:cNvPr id="2" name="Title 1">
             <a:extLst>
               <a:ext uri="{FF2B5EF4-FFF2-40B4-BE49-F238E27FC236}">
-                <a16:creationId xmlns:a16="http://schemas.microsoft.com/office/drawing/2014/main" id="{675CFA7F-9BE1-497B-8401-6B66EB28EED5}"/>
+                <a16:creationId xmlns:a16="http://schemas.microsoft.com/office/drawing/2014/main" xmlns="" id="{675CFA7F-9BE1-497B-8401-6B66EB28EED5}"/>
               </a:ext>
             </a:extLst>
           </p:cNvPr>
@@ -4121,9 +4215,10 @@
           <a:lstStyle/>
           <a:p>
             <a:r>
-              <a:rPr lang="pl-PL" dirty="0"/>
-              <a:t>Zbiór funkcjonalności - harmonogram</a:t>
-            </a:r>
+              <a:rPr lang="pl-PL" dirty="0" smtClean="0"/>
+              <a:t>Sprint #1</a:t>
+            </a:r>
+            <a:endParaRPr lang="pl-PL" dirty="0"/>
           </a:p>
         </p:txBody>
       </p:sp>
@@ -4132,7 +4227,7 @@
           <p:cNvPr id="3" name="Content Placeholder 2">
             <a:extLst>
               <a:ext uri="{FF2B5EF4-FFF2-40B4-BE49-F238E27FC236}">
-                <a16:creationId xmlns:a16="http://schemas.microsoft.com/office/drawing/2014/main" id="{8811DC91-F556-4820-AE6D-D8189A67BD10}"/>
+                <a16:creationId xmlns:a16="http://schemas.microsoft.com/office/drawing/2014/main" xmlns="" id="{8811DC91-F556-4820-AE6D-D8189A67BD10}"/>
               </a:ext>
             </a:extLst>
           </p:cNvPr>
@@ -4190,7 +4285,11 @@
             </a:pPr>
             <a:r>
               <a:rPr lang="pl-PL" dirty="0"/>
-              <a:t> Zapoznanie się z technologiami: React, Django – Zespół Deweloperski</a:t>
+              <a:t> Zapoznanie się z technologiami: React, Django – Zespół </a:t>
+            </a:r>
+            <a:r>
+              <a:rPr lang="pl-PL" dirty="0" smtClean="0"/>
+              <a:t>Deweloperski</a:t>
             </a:r>
           </a:p>
           <a:p>
@@ -4203,7 +4302,35 @@
             </a:pPr>
             <a:r>
               <a:rPr lang="pl-PL" dirty="0"/>
-              <a:t> Utworzenie szablonu aplikacji internetowej – Hubert Knioła, Mateusz Kuźniak</a:t>
+              <a:t> Utworzenie szkieletu serwera – Bartosz Kosmala, Jordan </a:t>
+            </a:r>
+            <a:r>
+              <a:rPr lang="pl-PL" dirty="0" smtClean="0"/>
+              <a:t>Kondracki</a:t>
+            </a:r>
+          </a:p>
+          <a:p>
+            <a:pPr marL="384048" lvl="2" indent="0">
+              <a:lnSpc>
+                <a:spcPct val="150000"/>
+              </a:lnSpc>
+              <a:buNone/>
+            </a:pPr>
+            <a:r>
+              <a:rPr lang="pl-PL" dirty="0"/>
+              <a:t>	</a:t>
+            </a:r>
+            <a:r>
+              <a:rPr lang="pl-PL" dirty="0" smtClean="0"/>
+              <a:t>→ Stworzenie prostej aplikacji typu „hello </a:t>
+            </a:r>
+            <a:r>
+              <a:rPr lang="pl-PL" dirty="0" err="1" smtClean="0"/>
+              <a:t>world</a:t>
+            </a:r>
+            <a:r>
+              <a:rPr lang="pl-PL" dirty="0" smtClean="0"/>
+              <a:t>” hostującej stronę internetową </a:t>
             </a:r>
           </a:p>
           <a:p>
@@ -4215,9 +4342,40 @@
               <a:buChar char="v"/>
             </a:pPr>
             <a:r>
-              <a:rPr lang="pl-PL" dirty="0"/>
-              <a:t> Utworzenie szkieletu serwera – Bartosz Kosmala, Jordan Kondracki</a:t>
-            </a:r>
+              <a:rPr lang="pl-PL" dirty="0" smtClean="0"/>
+              <a:t> Utworzenie szablonu aplikacji internetowej – Hubert </a:t>
+            </a:r>
+            <a:r>
+              <a:rPr lang="pl-PL" dirty="0" err="1" smtClean="0"/>
+              <a:t>Knioła</a:t>
+            </a:r>
+            <a:r>
+              <a:rPr lang="pl-PL" dirty="0" smtClean="0"/>
+              <a:t>, Mateusz Kuźniak</a:t>
+            </a:r>
+          </a:p>
+          <a:p>
+            <a:pPr marL="384048" lvl="2" indent="0">
+              <a:lnSpc>
+                <a:spcPct val="150000"/>
+              </a:lnSpc>
+              <a:buNone/>
+            </a:pPr>
+            <a:r>
+              <a:rPr lang="pl-PL" dirty="0" smtClean="0"/>
+              <a:t>	→ Stworzenie pierwszej wersji strony internetowej dostępnej dla użytkownika</a:t>
+            </a:r>
+            <a:endParaRPr lang="pl-PL" dirty="0"/>
+          </a:p>
+          <a:p>
+            <a:pPr lvl="2">
+              <a:lnSpc>
+                <a:spcPct val="150000"/>
+              </a:lnSpc>
+              <a:buFont typeface="Wingdings" panose="05000000000000000000" pitchFamily="2" charset="2"/>
+              <a:buChar char="v"/>
+            </a:pPr>
+            <a:endParaRPr lang="pl-PL" dirty="0"/>
           </a:p>
         </p:txBody>
       </p:sp>
@@ -4256,7 +4414,7 @@
           <p:cNvPr id="2" name="Title 1">
             <a:extLst>
               <a:ext uri="{FF2B5EF4-FFF2-40B4-BE49-F238E27FC236}">
-                <a16:creationId xmlns:a16="http://schemas.microsoft.com/office/drawing/2014/main" id="{8704892D-3CCF-42FB-8026-442BE1251E14}"/>
+                <a16:creationId xmlns:a16="http://schemas.microsoft.com/office/drawing/2014/main" xmlns="" id="{8704892D-3CCF-42FB-8026-442BE1251E14}"/>
               </a:ext>
             </a:extLst>
           </p:cNvPr>
@@ -4284,7 +4442,7 @@
           <p:cNvPr id="3" name="Text Placeholder 2">
             <a:extLst>
               <a:ext uri="{FF2B5EF4-FFF2-40B4-BE49-F238E27FC236}">
-                <a16:creationId xmlns:a16="http://schemas.microsoft.com/office/drawing/2014/main" id="{326018B5-A2F6-4375-9B25-CEA213205E0A}"/>
+                <a16:creationId xmlns:a16="http://schemas.microsoft.com/office/drawing/2014/main" xmlns="" id="{326018B5-A2F6-4375-9B25-CEA213205E0A}"/>
               </a:ext>
             </a:extLst>
           </p:cNvPr>
@@ -4312,7 +4470,7 @@
           <p:cNvPr id="4" name="Content Placeholder 3">
             <a:extLst>
               <a:ext uri="{FF2B5EF4-FFF2-40B4-BE49-F238E27FC236}">
-                <a16:creationId xmlns:a16="http://schemas.microsoft.com/office/drawing/2014/main" id="{843981DE-EC92-4FE1-9DA4-A8C755B68B35}"/>
+                <a16:creationId xmlns:a16="http://schemas.microsoft.com/office/drawing/2014/main" xmlns="" id="{843981DE-EC92-4FE1-9DA4-A8C755B68B35}"/>
               </a:ext>
             </a:extLst>
           </p:cNvPr>
@@ -4334,8 +4492,26 @@
             </a:pPr>
             <a:r>
               <a:rPr lang="pl-PL" dirty="0"/>
-              <a:t> Czy użytkownik ma dostęp do serwisu?</a:t>
-            </a:r>
+              <a:t> Czy użytkownik ma dostęp do serwisu</a:t>
+            </a:r>
+            <a:r>
+              <a:rPr lang="pl-PL" dirty="0" smtClean="0"/>
+              <a:t>?</a:t>
+            </a:r>
+          </a:p>
+          <a:p>
+            <a:pPr marL="0" indent="0">
+              <a:buNone/>
+            </a:pPr>
+            <a:r>
+              <a:rPr lang="pl-PL" dirty="0"/>
+              <a:t>	</a:t>
+            </a:r>
+            <a:r>
+              <a:rPr lang="pl-PL" dirty="0" smtClean="0"/>
+              <a:t>→ Czy serwer poprawnie udostępnia 	stronę internetową systemu? </a:t>
+            </a:r>
+            <a:endParaRPr lang="pl-PL" dirty="0"/>
           </a:p>
           <a:p>
             <a:pPr>
@@ -4344,8 +4520,26 @@
             </a:pPr>
             <a:r>
               <a:rPr lang="pl-PL" dirty="0"/>
-              <a:t> Czy użytkownik widzi szkielet serwisu?</a:t>
-            </a:r>
+              <a:t> Czy użytkownik widzi szkielet serwisu</a:t>
+            </a:r>
+            <a:r>
+              <a:rPr lang="pl-PL" dirty="0" smtClean="0"/>
+              <a:t>?</a:t>
+            </a:r>
+          </a:p>
+          <a:p>
+            <a:pPr marL="0" indent="0">
+              <a:buNone/>
+            </a:pPr>
+            <a:r>
+              <a:rPr lang="pl-PL" dirty="0"/>
+              <a:t>	</a:t>
+            </a:r>
+            <a:r>
+              <a:rPr lang="pl-PL" dirty="0" smtClean="0"/>
+              <a:t>→ Czy wszystkie elementy strony 	internetowej systemu są załadowane 	poprawnie?</a:t>
+            </a:r>
+            <a:endParaRPr lang="pl-PL" dirty="0"/>
           </a:p>
         </p:txBody>
       </p:sp>
@@ -4354,7 +4548,7 @@
           <p:cNvPr id="5" name="Text Placeholder 4">
             <a:extLst>
               <a:ext uri="{FF2B5EF4-FFF2-40B4-BE49-F238E27FC236}">
-                <a16:creationId xmlns:a16="http://schemas.microsoft.com/office/drawing/2014/main" id="{99038665-3493-4295-9A1C-F5A3B73161E1}"/>
+                <a16:creationId xmlns:a16="http://schemas.microsoft.com/office/drawing/2014/main" xmlns="" id="{99038665-3493-4295-9A1C-F5A3B73161E1}"/>
               </a:ext>
             </a:extLst>
           </p:cNvPr>
@@ -4382,7 +4576,7 @@
           <p:cNvPr id="6" name="Content Placeholder 5">
             <a:extLst>
               <a:ext uri="{FF2B5EF4-FFF2-40B4-BE49-F238E27FC236}">
-                <a16:creationId xmlns:a16="http://schemas.microsoft.com/office/drawing/2014/main" id="{39365FAF-7478-4D2E-9EB5-C3B6890E711F}"/>
+                <a16:creationId xmlns:a16="http://schemas.microsoft.com/office/drawing/2014/main" xmlns="" id="{39365FAF-7478-4D2E-9EB5-C3B6890E711F}"/>
               </a:ext>
             </a:extLst>
           </p:cNvPr>
@@ -4454,7 +4648,7 @@
           <p:cNvPr id="2" name="Title 1">
             <a:extLst>
               <a:ext uri="{FF2B5EF4-FFF2-40B4-BE49-F238E27FC236}">
-                <a16:creationId xmlns:a16="http://schemas.microsoft.com/office/drawing/2014/main" id="{0AEAFE13-57B5-48F2-A986-FF310789FFCC}"/>
+                <a16:creationId xmlns:a16="http://schemas.microsoft.com/office/drawing/2014/main" xmlns="" id="{3B54183E-F1ED-4405-B789-2870147FFD7A}"/>
               </a:ext>
             </a:extLst>
           </p:cNvPr>
@@ -4472,7 +4666,7 @@
           <a:p>
             <a:r>
               <a:rPr lang="pl-PL" dirty="0"/>
-              <a:t>Spis treści</a:t>
+              <a:t>Temat projektu</a:t>
             </a:r>
           </a:p>
         </p:txBody>
@@ -4482,7 +4676,7 @@
           <p:cNvPr id="3" name="Content Placeholder 2">
             <a:extLst>
               <a:ext uri="{FF2B5EF4-FFF2-40B4-BE49-F238E27FC236}">
-                <a16:creationId xmlns:a16="http://schemas.microsoft.com/office/drawing/2014/main" id="{C716D3CD-A976-445D-9E72-73CD28BCA44C}"/>
+                <a16:creationId xmlns:a16="http://schemas.microsoft.com/office/drawing/2014/main" xmlns="" id="{87C604A4-B40A-44C0-B0A5-08EC9C13E5AB}"/>
               </a:ext>
             </a:extLst>
           </p:cNvPr>
@@ -4495,106 +4689,56 @@
         </p:nvSpPr>
         <p:spPr/>
         <p:txBody>
-          <a:bodyPr>
-            <a:normAutofit fontScale="92500" lnSpcReduction="20000"/>
+          <a:bodyPr anchor="ctr">
+            <a:normAutofit/>
           </a:bodyPr>
           <a:lstStyle/>
           <a:p>
-            <a:pPr marL="457200" indent="-457200">
-              <a:buFont typeface="+mj-lt"/>
-              <a:buAutoNum type="arabicPeriod"/>
-            </a:pPr>
-            <a:r>
-              <a:rPr lang="pl-PL" b="1" dirty="0"/>
-              <a:t>Temat projektu</a:t>
-            </a:r>
-          </a:p>
-          <a:p>
-            <a:pPr marL="457200" indent="-457200">
-              <a:buFont typeface="+mj-lt"/>
-              <a:buAutoNum type="arabicPeriod"/>
-            </a:pPr>
-            <a:r>
-              <a:rPr lang="pl-PL" b="1" dirty="0"/>
-              <a:t>Cel projektu</a:t>
-            </a:r>
-          </a:p>
-          <a:p>
-            <a:pPr marL="457200" indent="-457200">
-              <a:buFont typeface="+mj-lt"/>
-              <a:buAutoNum type="arabicPeriod"/>
-            </a:pPr>
-            <a:r>
-              <a:rPr lang="pl-PL" b="1" dirty="0"/>
-              <a:t>Wymagania i założenia</a:t>
-            </a:r>
-          </a:p>
-          <a:p>
-            <a:pPr marL="457200" indent="-457200">
-              <a:buFont typeface="+mj-lt"/>
-              <a:buAutoNum type="arabicPeriod"/>
-            </a:pPr>
-            <a:r>
-              <a:rPr lang="pl-PL" b="1" dirty="0"/>
-              <a:t>Model projektu w pierwszej wersji</a:t>
-            </a:r>
-          </a:p>
-          <a:p>
-            <a:pPr marL="457200" indent="-457200">
-              <a:buFont typeface="+mj-lt"/>
-              <a:buAutoNum type="arabicPeriod"/>
-            </a:pPr>
-            <a:r>
-              <a:rPr lang="pl-PL" b="1" dirty="0"/>
-              <a:t>Wykorzystywane technologie</a:t>
-            </a:r>
-          </a:p>
-          <a:p>
-            <a:pPr marL="457200" indent="-457200">
-              <a:buFont typeface="+mj-lt"/>
-              <a:buAutoNum type="arabicPeriod"/>
-            </a:pPr>
-            <a:r>
-              <a:rPr lang="pl-PL" b="1" dirty="0"/>
-              <a:t>Aktorzy w systemie</a:t>
-            </a:r>
-          </a:p>
-          <a:p>
-            <a:pPr marL="457200" indent="-457200">
-              <a:buFont typeface="+mj-lt"/>
-              <a:buAutoNum type="arabicPeriod"/>
-            </a:pPr>
-            <a:r>
-              <a:rPr lang="pl-PL" b="1" dirty="0"/>
-              <a:t>Zbiór funkcjonalności</a:t>
-            </a:r>
-          </a:p>
-          <a:p>
-            <a:pPr marL="457200" indent="-457200">
-              <a:buFont typeface="+mj-lt"/>
-              <a:buAutoNum type="arabicPeriod"/>
-            </a:pPr>
-            <a:r>
-              <a:rPr lang="pl-PL" b="1" dirty="0"/>
-              <a:t>Plan pierwszego sprintu</a:t>
-            </a:r>
-          </a:p>
-          <a:p>
-            <a:pPr marL="457200" indent="-457200">
-              <a:buFont typeface="+mj-lt"/>
-              <a:buAutoNum type="arabicPeriod"/>
-            </a:pPr>
-            <a:r>
-              <a:rPr lang="pl-PL" b="1" dirty="0"/>
-              <a:t>Kryteria akceptacji</a:t>
-            </a:r>
+            <a:pPr algn="ctr"/>
+            <a:r>
+              <a:rPr lang="pl-PL" sz="2400" b="1" dirty="0">
+                <a:solidFill>
+                  <a:schemeClr val="accent1"/>
+                </a:solidFill>
+              </a:rPr>
+              <a:t>Internetowa platforma </a:t>
+            </a:r>
+            <a:r>
+              <a:rPr lang="pl-PL" sz="2400" b="1" dirty="0" smtClean="0">
+                <a:solidFill>
+                  <a:schemeClr val="accent1"/>
+                </a:solidFill>
+              </a:rPr>
+              <a:t>do przeprowadzania testów online na </a:t>
+            </a:r>
+            <a:r>
+              <a:rPr lang="pl-PL" sz="2400" b="1" dirty="0">
+                <a:solidFill>
+                  <a:schemeClr val="accent1"/>
+                </a:solidFill>
+              </a:rPr>
+              <a:t>wszystkich poziomach </a:t>
+            </a:r>
+            <a:r>
+              <a:rPr lang="pl-PL" sz="2400" b="1" dirty="0" smtClean="0">
+                <a:solidFill>
+                  <a:schemeClr val="accent1"/>
+                </a:solidFill>
+              </a:rPr>
+              <a:t>edukacji</a:t>
+            </a:r>
+            <a:endParaRPr lang="pl-PL" sz="2400" b="1" dirty="0">
+              <a:solidFill>
+                <a:schemeClr val="accent1"/>
+              </a:solidFill>
+            </a:endParaRPr>
           </a:p>
         </p:txBody>
       </p:sp>
     </p:spTree>
     <p:extLst>
       <p:ext uri="{BB962C8B-B14F-4D97-AF65-F5344CB8AC3E}">
-        <p14:creationId xmlns:p14="http://schemas.microsoft.com/office/powerpoint/2010/main" val="428155698"/>
+        <p14:creationId xmlns:p14="http://schemas.microsoft.com/office/powerpoint/2010/main" val="464082676"/>
       </p:ext>
     </p:extLst>
   </p:cSld>
@@ -4626,7 +4770,7 @@
           <p:cNvPr id="2" name="Title 1">
             <a:extLst>
               <a:ext uri="{FF2B5EF4-FFF2-40B4-BE49-F238E27FC236}">
-                <a16:creationId xmlns:a16="http://schemas.microsoft.com/office/drawing/2014/main" id="{3B54183E-F1ED-4405-B789-2870147FFD7A}"/>
+                <a16:creationId xmlns:a16="http://schemas.microsoft.com/office/drawing/2014/main" xmlns="" id="{8C87D081-059E-4E33-B42F-5672107ADB77}"/>
               </a:ext>
             </a:extLst>
           </p:cNvPr>
@@ -4644,7 +4788,7 @@
           <a:p>
             <a:r>
               <a:rPr lang="pl-PL" dirty="0"/>
-              <a:t>Temat projektu</a:t>
+              <a:t>Cel projektu</a:t>
             </a:r>
           </a:p>
         </p:txBody>
@@ -4654,111 +4798,7 @@
           <p:cNvPr id="3" name="Content Placeholder 2">
             <a:extLst>
               <a:ext uri="{FF2B5EF4-FFF2-40B4-BE49-F238E27FC236}">
-                <a16:creationId xmlns:a16="http://schemas.microsoft.com/office/drawing/2014/main" id="{87C604A4-B40A-44C0-B0A5-08EC9C13E5AB}"/>
-              </a:ext>
-            </a:extLst>
-          </p:cNvPr>
-          <p:cNvSpPr>
-            <a:spLocks noGrp="1"/>
-          </p:cNvSpPr>
-          <p:nvPr>
-            <p:ph idx="1"/>
-          </p:nvPr>
-        </p:nvSpPr>
-        <p:spPr/>
-        <p:txBody>
-          <a:bodyPr anchor="ctr">
-            <a:normAutofit/>
-          </a:bodyPr>
-          <a:lstStyle/>
-          <a:p>
-            <a:pPr algn="ctr"/>
-            <a:r>
-              <a:rPr lang="pl-PL" sz="2400" b="1" dirty="0">
-                <a:solidFill>
-                  <a:schemeClr val="accent1"/>
-                </a:solidFill>
-              </a:rPr>
-              <a:t>Internetowa platforma wspomagająca sprawdzanie wiedzy zdobytej w nauczaniu zdalnym na wszystkich poziomach edukacji</a:t>
-            </a:r>
-          </a:p>
-          <a:p>
-            <a:pPr algn="ctr"/>
-            <a:r>
-              <a:rPr lang="pl-PL" sz="2400" b="1" dirty="0">
-                <a:solidFill>
-                  <a:schemeClr val="accent1"/>
-                </a:solidFill>
-              </a:rPr>
-              <a:t>(Platforma Testów Online)</a:t>
-            </a:r>
-          </a:p>
-        </p:txBody>
-      </p:sp>
-    </p:spTree>
-    <p:extLst>
-      <p:ext uri="{BB962C8B-B14F-4D97-AF65-F5344CB8AC3E}">
-        <p14:creationId xmlns:p14="http://schemas.microsoft.com/office/powerpoint/2010/main" val="464082676"/>
-      </p:ext>
-    </p:extLst>
-  </p:cSld>
-  <p:clrMapOvr>
-    <a:masterClrMapping/>
-  </p:clrMapOvr>
-</p:sld>
-</file>
-
-<file path=ppt/slides/slide4.xml><?xml version="1.0" encoding="utf-8"?>
-<p:sld xmlns:a="http://schemas.openxmlformats.org/drawingml/2006/main" xmlns:r="http://schemas.openxmlformats.org/officeDocument/2006/relationships" xmlns:p="http://schemas.openxmlformats.org/presentationml/2006/main">
-  <p:cSld>
-    <p:spTree>
-      <p:nvGrpSpPr>
-        <p:cNvPr id="1" name=""/>
-        <p:cNvGrpSpPr/>
-        <p:nvPr/>
-      </p:nvGrpSpPr>
-      <p:grpSpPr>
-        <a:xfrm>
-          <a:off x="0" y="0"/>
-          <a:ext cx="0" cy="0"/>
-          <a:chOff x="0" y="0"/>
-          <a:chExt cx="0" cy="0"/>
-        </a:xfrm>
-      </p:grpSpPr>
-      <p:sp>
-        <p:nvSpPr>
-          <p:cNvPr id="2" name="Title 1">
-            <a:extLst>
-              <a:ext uri="{FF2B5EF4-FFF2-40B4-BE49-F238E27FC236}">
-                <a16:creationId xmlns:a16="http://schemas.microsoft.com/office/drawing/2014/main" id="{8C87D081-059E-4E33-B42F-5672107ADB77}"/>
-              </a:ext>
-            </a:extLst>
-          </p:cNvPr>
-          <p:cNvSpPr>
-            <a:spLocks noGrp="1"/>
-          </p:cNvSpPr>
-          <p:nvPr>
-            <p:ph type="title"/>
-          </p:nvPr>
-        </p:nvSpPr>
-        <p:spPr/>
-        <p:txBody>
-          <a:bodyPr/>
-          <a:lstStyle/>
-          <a:p>
-            <a:r>
-              <a:rPr lang="pl-PL" dirty="0"/>
-              <a:t>Cel projektu</a:t>
-            </a:r>
-          </a:p>
-        </p:txBody>
-      </p:sp>
-      <p:sp>
-        <p:nvSpPr>
-          <p:cNvPr id="3" name="Content Placeholder 2">
-            <a:extLst>
-              <a:ext uri="{FF2B5EF4-FFF2-40B4-BE49-F238E27FC236}">
-                <a16:creationId xmlns:a16="http://schemas.microsoft.com/office/drawing/2014/main" id="{B63691A6-1B92-4184-B714-F0AB503ACC42}"/>
+                <a16:creationId xmlns:a16="http://schemas.microsoft.com/office/drawing/2014/main" xmlns="" id="{B63691A6-1B92-4184-B714-F0AB503ACC42}"/>
               </a:ext>
             </a:extLst>
           </p:cNvPr>
@@ -4780,8 +4820,13 @@
             </a:pPr>
             <a:r>
               <a:rPr lang="pl-PL" dirty="0"/>
-              <a:t> Weryfikacja postępów nauki zdalnej to wyzwanie</a:t>
-            </a:r>
+              <a:t> Weryfikacja postępów </a:t>
+            </a:r>
+            <a:r>
+              <a:rPr lang="pl-PL" dirty="0" smtClean="0"/>
+              <a:t>w nauce zdalnej jest wyzwaniem</a:t>
+            </a:r>
+            <a:endParaRPr lang="pl-PL" dirty="0"/>
           </a:p>
           <a:p>
             <a:pPr>
@@ -4820,7 +4865,7 @@
           <p:cNvPr id="5" name="Picture 4">
             <a:extLst>
               <a:ext uri="{FF2B5EF4-FFF2-40B4-BE49-F238E27FC236}">
-                <a16:creationId xmlns:a16="http://schemas.microsoft.com/office/drawing/2014/main" id="{BCD00E4C-98B8-426E-A7C1-65823E0F3158}"/>
+                <a16:creationId xmlns:a16="http://schemas.microsoft.com/office/drawing/2014/main" xmlns="" id="{BCD00E4C-98B8-426E-A7C1-65823E0F3158}"/>
               </a:ext>
             </a:extLst>
           </p:cNvPr>
@@ -4888,6 +4933,536 @@
 </p:sld>
 </file>
 
+<file path=ppt/slides/slide4.xml><?xml version="1.0" encoding="utf-8"?>
+<p:sld xmlns:a="http://schemas.openxmlformats.org/drawingml/2006/main" xmlns:r="http://schemas.openxmlformats.org/officeDocument/2006/relationships" xmlns:p="http://schemas.openxmlformats.org/presentationml/2006/main">
+  <p:cSld>
+    <p:spTree>
+      <p:nvGrpSpPr>
+        <p:cNvPr id="1" name=""/>
+        <p:cNvGrpSpPr/>
+        <p:nvPr/>
+      </p:nvGrpSpPr>
+      <p:grpSpPr>
+        <a:xfrm>
+          <a:off x="0" y="0"/>
+          <a:ext cx="0" cy="0"/>
+          <a:chOff x="0" y="0"/>
+          <a:chExt cx="0" cy="0"/>
+        </a:xfrm>
+      </p:grpSpPr>
+      <p:sp>
+        <p:nvSpPr>
+          <p:cNvPr id="2" name="Title 1">
+            <a:extLst>
+              <a:ext uri="{FF2B5EF4-FFF2-40B4-BE49-F238E27FC236}">
+                <a16:creationId xmlns:a16="http://schemas.microsoft.com/office/drawing/2014/main" xmlns="" id="{FA9A14CD-3FAC-4FCA-9265-397ADD9CC418}"/>
+              </a:ext>
+            </a:extLst>
+          </p:cNvPr>
+          <p:cNvSpPr>
+            <a:spLocks noGrp="1"/>
+          </p:cNvSpPr>
+          <p:nvPr>
+            <p:ph type="title"/>
+          </p:nvPr>
+        </p:nvSpPr>
+        <p:spPr/>
+        <p:txBody>
+          <a:bodyPr/>
+          <a:lstStyle/>
+          <a:p>
+            <a:r>
+              <a:rPr lang="pl-PL" dirty="0" smtClean="0"/>
+              <a:t>Wymagania funkcjonalne</a:t>
+            </a:r>
+            <a:endParaRPr lang="pl-PL" dirty="0"/>
+          </a:p>
+        </p:txBody>
+      </p:sp>
+      <p:sp>
+        <p:nvSpPr>
+          <p:cNvPr id="4" name="Content Placeholder 3">
+            <a:extLst>
+              <a:ext uri="{FF2B5EF4-FFF2-40B4-BE49-F238E27FC236}">
+                <a16:creationId xmlns:a16="http://schemas.microsoft.com/office/drawing/2014/main" xmlns="" id="{F2B61D2E-05F4-438A-B825-DBD7C8854DE2}"/>
+              </a:ext>
+            </a:extLst>
+          </p:cNvPr>
+          <p:cNvSpPr>
+            <a:spLocks noGrp="1"/>
+          </p:cNvSpPr>
+          <p:nvPr>
+            <p:ph sz="half" idx="2"/>
+          </p:nvPr>
+        </p:nvSpPr>
+        <p:spPr>
+          <a:xfrm>
+            <a:off x="1105372" y="2201035"/>
+            <a:ext cx="4639736" cy="3805626"/>
+          </a:xfrm>
+        </p:spPr>
+        <p:txBody>
+          <a:bodyPr>
+            <a:normAutofit/>
+          </a:bodyPr>
+          <a:lstStyle/>
+          <a:p>
+            <a:pPr>
+              <a:buFont typeface="Wingdings" panose="05000000000000000000" pitchFamily="2" charset="2"/>
+              <a:buChar char="v"/>
+            </a:pPr>
+            <a:r>
+              <a:rPr lang="pl-PL" dirty="0" smtClean="0"/>
+              <a:t> Rejestracja konta</a:t>
+            </a:r>
+          </a:p>
+          <a:p>
+            <a:pPr>
+              <a:buFont typeface="Wingdings" panose="05000000000000000000" pitchFamily="2" charset="2"/>
+              <a:buChar char="v"/>
+            </a:pPr>
+            <a:r>
+              <a:rPr lang="pl-PL" dirty="0"/>
+              <a:t> </a:t>
+            </a:r>
+            <a:r>
+              <a:rPr lang="pl-PL" dirty="0" smtClean="0"/>
+              <a:t>Dodawanie pytań do testu</a:t>
+            </a:r>
+            <a:endParaRPr lang="pl-PL" dirty="0" smtClean="0"/>
+          </a:p>
+          <a:p>
+            <a:pPr>
+              <a:buFont typeface="Wingdings" panose="05000000000000000000" pitchFamily="2" charset="2"/>
+              <a:buChar char="v"/>
+            </a:pPr>
+            <a:r>
+              <a:rPr lang="pl-PL" dirty="0" smtClean="0"/>
+              <a:t> Tworzenie testów </a:t>
+            </a:r>
+            <a:endParaRPr lang="pl-PL" dirty="0"/>
+          </a:p>
+          <a:p>
+            <a:pPr>
+              <a:buFont typeface="Wingdings" panose="05000000000000000000" pitchFamily="2" charset="2"/>
+              <a:buChar char="v"/>
+            </a:pPr>
+            <a:r>
+              <a:rPr lang="pl-PL" dirty="0"/>
+              <a:t> </a:t>
+            </a:r>
+            <a:r>
+              <a:rPr lang="pl-PL" dirty="0" smtClean="0"/>
+              <a:t>Wypełnianie testów</a:t>
+            </a:r>
+          </a:p>
+          <a:p>
+            <a:pPr>
+              <a:buFont typeface="Wingdings" panose="05000000000000000000" pitchFamily="2" charset="2"/>
+              <a:buChar char="v"/>
+            </a:pPr>
+            <a:r>
+              <a:rPr lang="pl-PL" dirty="0" smtClean="0"/>
+              <a:t> Sprawdzanie testów</a:t>
+            </a:r>
+          </a:p>
+          <a:p>
+            <a:pPr>
+              <a:buFont typeface="Wingdings" panose="05000000000000000000" pitchFamily="2" charset="2"/>
+              <a:buChar char="v"/>
+            </a:pPr>
+            <a:r>
+              <a:rPr lang="pl-PL" dirty="0" smtClean="0"/>
+              <a:t> Punktowanie odpowiedzi </a:t>
+            </a:r>
+          </a:p>
+          <a:p>
+            <a:pPr>
+              <a:buFont typeface="Wingdings" panose="05000000000000000000" pitchFamily="2" charset="2"/>
+              <a:buChar char="v"/>
+            </a:pPr>
+            <a:r>
+              <a:rPr lang="pl-PL" dirty="0"/>
+              <a:t> </a:t>
+            </a:r>
+            <a:r>
+              <a:rPr lang="pl-PL" dirty="0" smtClean="0"/>
+              <a:t>Komentowanie odpowiedzi</a:t>
+            </a:r>
+          </a:p>
+        </p:txBody>
+      </p:sp>
+      <p:sp>
+        <p:nvSpPr>
+          <p:cNvPr id="9" name="Content Placeholder 3">
+            <a:extLst>
+              <a:ext uri="{FF2B5EF4-FFF2-40B4-BE49-F238E27FC236}">
+                <a16:creationId xmlns:a16="http://schemas.microsoft.com/office/drawing/2014/main" xmlns="" id="{F2B61D2E-05F4-438A-B825-DBD7C8854DE2}"/>
+              </a:ext>
+            </a:extLst>
+          </p:cNvPr>
+          <p:cNvSpPr txBox="1">
+            <a:spLocks/>
+          </p:cNvSpPr>
+          <p:nvPr/>
+        </p:nvSpPr>
+        <p:spPr>
+          <a:xfrm>
+            <a:off x="6307203" y="2219918"/>
+            <a:ext cx="4639736" cy="3805626"/>
+          </a:xfrm>
+          <a:prstGeom prst="rect">
+            <a:avLst/>
+          </a:prstGeom>
+        </p:spPr>
+        <p:txBody>
+          <a:bodyPr vert="horz" lIns="0" tIns="45720" rIns="0" bIns="45720" rtlCol="0">
+            <a:normAutofit/>
+          </a:bodyPr>
+          <a:lstStyle>
+            <a:lvl1pPr marL="91440" indent="-91440" algn="l" defTabSz="914400" rtl="0" eaLnBrk="1" latinLnBrk="0" hangingPunct="1">
+              <a:lnSpc>
+                <a:spcPct val="110000"/>
+              </a:lnSpc>
+              <a:spcBef>
+                <a:spcPts val="1200"/>
+              </a:spcBef>
+              <a:spcAft>
+                <a:spcPts val="200"/>
+              </a:spcAft>
+              <a:buClr>
+                <a:schemeClr val="accent1"/>
+              </a:buClr>
+              <a:buSzPct val="100000"/>
+              <a:buFont typeface="Calibri" panose="020F0502020204030204" pitchFamily="34" charset="0"/>
+              <a:buChar char=" "/>
+              <a:defRPr sz="1900" kern="1200">
+                <a:solidFill>
+                  <a:schemeClr val="tx1">
+                    <a:lumMod val="75000"/>
+                    <a:lumOff val="25000"/>
+                  </a:schemeClr>
+                </a:solidFill>
+                <a:latin typeface="+mn-lt"/>
+                <a:ea typeface="+mn-ea"/>
+                <a:cs typeface="+mn-cs"/>
+              </a:defRPr>
+            </a:lvl1pPr>
+            <a:lvl2pPr marL="384048" indent="-182880" algn="l" defTabSz="914400" rtl="0" eaLnBrk="1" latinLnBrk="0" hangingPunct="1">
+              <a:lnSpc>
+                <a:spcPct val="100000"/>
+              </a:lnSpc>
+              <a:spcBef>
+                <a:spcPts val="200"/>
+              </a:spcBef>
+              <a:spcAft>
+                <a:spcPts val="400"/>
+              </a:spcAft>
+              <a:buClrTx/>
+              <a:buFont typeface="Calibri" pitchFamily="34" charset="0"/>
+              <a:buChar char="◦"/>
+              <a:defRPr sz="1700" kern="1200">
+                <a:solidFill>
+                  <a:schemeClr val="tx1">
+                    <a:lumMod val="75000"/>
+                    <a:lumOff val="25000"/>
+                  </a:schemeClr>
+                </a:solidFill>
+                <a:latin typeface="+mn-lt"/>
+                <a:ea typeface="+mn-ea"/>
+                <a:cs typeface="+mn-cs"/>
+              </a:defRPr>
+            </a:lvl2pPr>
+            <a:lvl3pPr marL="566928" indent="-182880" algn="l" defTabSz="914400" rtl="0" eaLnBrk="1" latinLnBrk="0" hangingPunct="1">
+              <a:lnSpc>
+                <a:spcPct val="100000"/>
+              </a:lnSpc>
+              <a:spcBef>
+                <a:spcPts val="200"/>
+              </a:spcBef>
+              <a:spcAft>
+                <a:spcPts val="400"/>
+              </a:spcAft>
+              <a:buClrTx/>
+              <a:buFont typeface="Calibri" pitchFamily="34" charset="0"/>
+              <a:buChar char="◦"/>
+              <a:defRPr sz="1300" kern="1200">
+                <a:solidFill>
+                  <a:schemeClr val="tx1">
+                    <a:lumMod val="75000"/>
+                    <a:lumOff val="25000"/>
+                  </a:schemeClr>
+                </a:solidFill>
+                <a:latin typeface="+mn-lt"/>
+                <a:ea typeface="+mn-ea"/>
+                <a:cs typeface="+mn-cs"/>
+              </a:defRPr>
+            </a:lvl3pPr>
+            <a:lvl4pPr marL="749808" indent="-182880" algn="l" defTabSz="914400" rtl="0" eaLnBrk="1" latinLnBrk="0" hangingPunct="1">
+              <a:lnSpc>
+                <a:spcPct val="100000"/>
+              </a:lnSpc>
+              <a:spcBef>
+                <a:spcPts val="200"/>
+              </a:spcBef>
+              <a:spcAft>
+                <a:spcPts val="400"/>
+              </a:spcAft>
+              <a:buClrTx/>
+              <a:buFont typeface="Calibri" pitchFamily="34" charset="0"/>
+              <a:buChar char="◦"/>
+              <a:defRPr sz="1300" kern="1200">
+                <a:solidFill>
+                  <a:schemeClr val="tx1">
+                    <a:lumMod val="75000"/>
+                    <a:lumOff val="25000"/>
+                  </a:schemeClr>
+                </a:solidFill>
+                <a:latin typeface="+mn-lt"/>
+                <a:ea typeface="+mn-ea"/>
+                <a:cs typeface="+mn-cs"/>
+              </a:defRPr>
+            </a:lvl4pPr>
+            <a:lvl5pPr marL="932688" indent="-182880" algn="l" defTabSz="914400" rtl="0" eaLnBrk="1" latinLnBrk="0" hangingPunct="1">
+              <a:lnSpc>
+                <a:spcPct val="100000"/>
+              </a:lnSpc>
+              <a:spcBef>
+                <a:spcPts val="200"/>
+              </a:spcBef>
+              <a:spcAft>
+                <a:spcPts val="400"/>
+              </a:spcAft>
+              <a:buClrTx/>
+              <a:buFont typeface="Calibri" pitchFamily="34" charset="0"/>
+              <a:buChar char="◦"/>
+              <a:defRPr sz="1300" kern="1200">
+                <a:solidFill>
+                  <a:schemeClr val="tx1">
+                    <a:lumMod val="75000"/>
+                    <a:lumOff val="25000"/>
+                  </a:schemeClr>
+                </a:solidFill>
+                <a:latin typeface="+mn-lt"/>
+                <a:ea typeface="+mn-ea"/>
+                <a:cs typeface="+mn-cs"/>
+              </a:defRPr>
+            </a:lvl5pPr>
+            <a:lvl6pPr marL="1100000" indent="-228600" algn="l" defTabSz="914400" rtl="0" eaLnBrk="1" latinLnBrk="0" hangingPunct="1">
+              <a:lnSpc>
+                <a:spcPct val="90000"/>
+              </a:lnSpc>
+              <a:spcBef>
+                <a:spcPts val="200"/>
+              </a:spcBef>
+              <a:spcAft>
+                <a:spcPts val="400"/>
+              </a:spcAft>
+              <a:buClr>
+                <a:schemeClr val="accent1"/>
+              </a:buClr>
+              <a:buFont typeface="Calibri" pitchFamily="34" charset="0"/>
+              <a:buChar char="◦"/>
+              <a:defRPr sz="1400" kern="1200">
+                <a:solidFill>
+                  <a:schemeClr val="tx1">
+                    <a:lumMod val="75000"/>
+                    <a:lumOff val="25000"/>
+                  </a:schemeClr>
+                </a:solidFill>
+                <a:latin typeface="+mn-lt"/>
+                <a:ea typeface="+mn-ea"/>
+                <a:cs typeface="+mn-cs"/>
+              </a:defRPr>
+            </a:lvl6pPr>
+            <a:lvl7pPr marL="1300000" indent="-228600" algn="l" defTabSz="914400" rtl="0" eaLnBrk="1" latinLnBrk="0" hangingPunct="1">
+              <a:lnSpc>
+                <a:spcPct val="90000"/>
+              </a:lnSpc>
+              <a:spcBef>
+                <a:spcPts val="200"/>
+              </a:spcBef>
+              <a:spcAft>
+                <a:spcPts val="400"/>
+              </a:spcAft>
+              <a:buClr>
+                <a:schemeClr val="accent1"/>
+              </a:buClr>
+              <a:buFont typeface="Calibri" pitchFamily="34" charset="0"/>
+              <a:buChar char="◦"/>
+              <a:defRPr sz="1400" kern="1200">
+                <a:solidFill>
+                  <a:schemeClr val="tx1">
+                    <a:lumMod val="75000"/>
+                    <a:lumOff val="25000"/>
+                  </a:schemeClr>
+                </a:solidFill>
+                <a:latin typeface="+mn-lt"/>
+                <a:ea typeface="+mn-ea"/>
+                <a:cs typeface="+mn-cs"/>
+              </a:defRPr>
+            </a:lvl7pPr>
+            <a:lvl8pPr marL="1500000" indent="-228600" algn="l" defTabSz="914400" rtl="0" eaLnBrk="1" latinLnBrk="0" hangingPunct="1">
+              <a:lnSpc>
+                <a:spcPct val="90000"/>
+              </a:lnSpc>
+              <a:spcBef>
+                <a:spcPts val="200"/>
+              </a:spcBef>
+              <a:spcAft>
+                <a:spcPts val="400"/>
+              </a:spcAft>
+              <a:buClr>
+                <a:schemeClr val="accent1"/>
+              </a:buClr>
+              <a:buFont typeface="Calibri" pitchFamily="34" charset="0"/>
+              <a:buChar char="◦"/>
+              <a:defRPr sz="1400" kern="1200">
+                <a:solidFill>
+                  <a:schemeClr val="tx1">
+                    <a:lumMod val="75000"/>
+                    <a:lumOff val="25000"/>
+                  </a:schemeClr>
+                </a:solidFill>
+                <a:latin typeface="+mn-lt"/>
+                <a:ea typeface="+mn-ea"/>
+                <a:cs typeface="+mn-cs"/>
+              </a:defRPr>
+            </a:lvl8pPr>
+            <a:lvl9pPr marL="1700000" indent="-228600" algn="l" defTabSz="914400" rtl="0" eaLnBrk="1" latinLnBrk="0" hangingPunct="1">
+              <a:lnSpc>
+                <a:spcPct val="90000"/>
+              </a:lnSpc>
+              <a:spcBef>
+                <a:spcPts val="200"/>
+              </a:spcBef>
+              <a:spcAft>
+                <a:spcPts val="400"/>
+              </a:spcAft>
+              <a:buClr>
+                <a:schemeClr val="accent1"/>
+              </a:buClr>
+              <a:buFont typeface="Calibri" pitchFamily="34" charset="0"/>
+              <a:buChar char="◦"/>
+              <a:defRPr sz="1400" kern="1200">
+                <a:solidFill>
+                  <a:schemeClr val="tx1">
+                    <a:lumMod val="75000"/>
+                    <a:lumOff val="25000"/>
+                  </a:schemeClr>
+                </a:solidFill>
+                <a:latin typeface="+mn-lt"/>
+                <a:ea typeface="+mn-ea"/>
+                <a:cs typeface="+mn-cs"/>
+              </a:defRPr>
+            </a:lvl9pPr>
+          </a:lstStyle>
+          <a:p>
+            <a:pPr>
+              <a:buFont typeface="Wingdings" panose="05000000000000000000" pitchFamily="2" charset="2"/>
+              <a:buChar char="v"/>
+            </a:pPr>
+            <a:r>
+              <a:rPr lang="pl-PL" dirty="0" smtClean="0"/>
+              <a:t> Raportowanie </a:t>
+            </a:r>
+            <a:r>
+              <a:rPr lang="pl-PL" dirty="0"/>
+              <a:t>wyników </a:t>
+            </a:r>
+            <a:r>
+              <a:rPr lang="pl-PL" dirty="0" smtClean="0"/>
+              <a:t>testu</a:t>
+            </a:r>
+          </a:p>
+          <a:p>
+            <a:pPr>
+              <a:buFont typeface="Wingdings" panose="05000000000000000000" pitchFamily="2" charset="2"/>
+              <a:buChar char="v"/>
+            </a:pPr>
+            <a:r>
+              <a:rPr lang="pl-PL" dirty="0" smtClean="0"/>
+              <a:t> Udostępnianie wyników </a:t>
+            </a:r>
+          </a:p>
+          <a:p>
+            <a:pPr>
+              <a:buFont typeface="Wingdings" panose="05000000000000000000" pitchFamily="2" charset="2"/>
+              <a:buChar char="v"/>
+            </a:pPr>
+            <a:r>
+              <a:rPr lang="pl-PL" dirty="0"/>
+              <a:t> </a:t>
+            </a:r>
+            <a:r>
+              <a:rPr lang="pl-PL" dirty="0" smtClean="0"/>
+              <a:t>Tworzenie grup uczniów</a:t>
+            </a:r>
+          </a:p>
+          <a:p>
+            <a:pPr>
+              <a:buFont typeface="Wingdings" panose="05000000000000000000" pitchFamily="2" charset="2"/>
+              <a:buChar char="v"/>
+            </a:pPr>
+            <a:r>
+              <a:rPr lang="pl-PL" dirty="0"/>
+              <a:t> </a:t>
+            </a:r>
+            <a:r>
+              <a:rPr lang="pl-PL" dirty="0" smtClean="0"/>
+              <a:t>Tworzenie grup nauczycieli</a:t>
+            </a:r>
+          </a:p>
+          <a:p>
+            <a:pPr>
+              <a:buFont typeface="Wingdings" panose="05000000000000000000" pitchFamily="2" charset="2"/>
+              <a:buChar char="v"/>
+            </a:pPr>
+            <a:r>
+              <a:rPr lang="pl-PL" dirty="0"/>
+              <a:t> </a:t>
+            </a:r>
+            <a:r>
+              <a:rPr lang="pl-PL" dirty="0" smtClean="0"/>
+              <a:t>Możliwość administrowania testów</a:t>
+            </a:r>
+          </a:p>
+          <a:p>
+            <a:pPr>
+              <a:buFont typeface="Wingdings" panose="05000000000000000000" pitchFamily="2" charset="2"/>
+              <a:buChar char="v"/>
+            </a:pPr>
+            <a:r>
+              <a:rPr lang="pl-PL" dirty="0"/>
+              <a:t> </a:t>
+            </a:r>
+            <a:r>
+              <a:rPr lang="pl-PL" dirty="0" smtClean="0"/>
+              <a:t>Zapraszanie uczniów do rozwiązania testu</a:t>
+            </a:r>
+          </a:p>
+          <a:p>
+            <a:pPr marL="0" indent="0">
+              <a:buFont typeface="Calibri" panose="020F0502020204030204" pitchFamily="34" charset="0"/>
+              <a:buNone/>
+            </a:pPr>
+            <a:endParaRPr lang="pl-PL" dirty="0"/>
+          </a:p>
+        </p:txBody>
+      </p:sp>
+    </p:spTree>
+    <p:extLst>
+      <p:ext uri="{BB962C8B-B14F-4D97-AF65-F5344CB8AC3E}">
+        <p14:creationId xmlns:p14="http://schemas.microsoft.com/office/powerpoint/2010/main" val="2946052170"/>
+      </p:ext>
+    </p:extLst>
+  </p:cSld>
+  <p:clrMapOvr>
+    <a:masterClrMapping/>
+  </p:clrMapOvr>
+</p:sld>
+</file>
+
 <file path=ppt/slides/slide5.xml><?xml version="1.0" encoding="utf-8"?>
 <p:sld xmlns:a="http://schemas.openxmlformats.org/drawingml/2006/main" xmlns:r="http://schemas.openxmlformats.org/officeDocument/2006/relationships" xmlns:p="http://schemas.openxmlformats.org/presentationml/2006/main">
   <p:cSld>
@@ -4910,7 +5485,7 @@
           <p:cNvPr id="2" name="Title 1">
             <a:extLst>
               <a:ext uri="{FF2B5EF4-FFF2-40B4-BE49-F238E27FC236}">
-                <a16:creationId xmlns:a16="http://schemas.microsoft.com/office/drawing/2014/main" id="{FA9A14CD-3FAC-4FCA-9265-397ADD9CC418}"/>
+                <a16:creationId xmlns:a16="http://schemas.microsoft.com/office/drawing/2014/main" xmlns="" id="{FA9A14CD-3FAC-4FCA-9265-397ADD9CC418}"/>
               </a:ext>
             </a:extLst>
           </p:cNvPr>
@@ -4927,57 +5502,39 @@
           <a:lstStyle/>
           <a:p>
             <a:r>
-              <a:rPr lang="pl-PL" dirty="0"/>
-              <a:t>Wymagania i założenia</a:t>
-            </a:r>
-          </a:p>
-        </p:txBody>
-      </p:sp>
-      <p:sp>
-        <p:nvSpPr>
-          <p:cNvPr id="3" name="Text Placeholder 2">
-            <a:extLst>
-              <a:ext uri="{FF2B5EF4-FFF2-40B4-BE49-F238E27FC236}">
-                <a16:creationId xmlns:a16="http://schemas.microsoft.com/office/drawing/2014/main" id="{EF45CC91-B2F6-4770-BED5-A3407E5298CE}"/>
-              </a:ext>
-            </a:extLst>
-          </p:cNvPr>
-          <p:cNvSpPr>
-            <a:spLocks noGrp="1"/>
-          </p:cNvSpPr>
-          <p:nvPr>
-            <p:ph type="body" idx="1"/>
-          </p:nvPr>
-        </p:nvSpPr>
-        <p:spPr/>
-        <p:txBody>
-          <a:bodyPr/>
-          <a:lstStyle/>
-          <a:p>
-            <a:r>
-              <a:rPr lang="pl-PL" dirty="0"/>
-              <a:t>Wymagania</a:t>
-            </a:r>
-          </a:p>
-        </p:txBody>
-      </p:sp>
-      <p:sp>
-        <p:nvSpPr>
-          <p:cNvPr id="4" name="Content Placeholder 3">
-            <a:extLst>
-              <a:ext uri="{FF2B5EF4-FFF2-40B4-BE49-F238E27FC236}">
-                <a16:creationId xmlns:a16="http://schemas.microsoft.com/office/drawing/2014/main" id="{F2B61D2E-05F4-438A-B825-DBD7C8854DE2}"/>
-              </a:ext>
-            </a:extLst>
-          </p:cNvPr>
-          <p:cNvSpPr>
-            <a:spLocks noGrp="1"/>
-          </p:cNvSpPr>
-          <p:nvPr>
-            <p:ph sz="half" idx="2"/>
-          </p:nvPr>
-        </p:nvSpPr>
-        <p:spPr/>
+              <a:rPr lang="pl-PL" dirty="0" smtClean="0"/>
+              <a:t>Wymagania </a:t>
+            </a:r>
+            <a:r>
+              <a:rPr lang="pl-PL" dirty="0" err="1" smtClean="0"/>
+              <a:t>pozafunkcjonalne</a:t>
+            </a:r>
+            <a:endParaRPr lang="pl-PL" dirty="0"/>
+          </a:p>
+        </p:txBody>
+      </p:sp>
+      <p:sp>
+        <p:nvSpPr>
+          <p:cNvPr id="6" name="Content Placeholder 5">
+            <a:extLst>
+              <a:ext uri="{FF2B5EF4-FFF2-40B4-BE49-F238E27FC236}">
+                <a16:creationId xmlns:a16="http://schemas.microsoft.com/office/drawing/2014/main" xmlns="" id="{B934A6F7-624C-44D6-AE51-02CEF6C81B2A}"/>
+              </a:ext>
+            </a:extLst>
+          </p:cNvPr>
+          <p:cNvSpPr>
+            <a:spLocks noGrp="1"/>
+          </p:cNvSpPr>
+          <p:nvPr>
+            <p:ph sz="quarter" idx="4"/>
+          </p:nvPr>
+        </p:nvSpPr>
+        <p:spPr>
+          <a:xfrm>
+            <a:off x="1150925" y="2128205"/>
+            <a:ext cx="4639736" cy="2896949"/>
+          </a:xfrm>
+        </p:spPr>
         <p:txBody>
           <a:bodyPr/>
           <a:lstStyle/>
@@ -4988,7 +5545,11 @@
             </a:pPr>
             <a:r>
               <a:rPr lang="pl-PL" dirty="0"/>
-              <a:t> Wysoka niezawodność</a:t>
+              <a:t> Wysoka </a:t>
+            </a:r>
+            <a:r>
+              <a:rPr lang="pl-PL" dirty="0" smtClean="0"/>
+              <a:t>niezawodność</a:t>
             </a:r>
           </a:p>
           <a:p>
@@ -4997,105 +5558,20 @@
               <a:buChar char="v"/>
             </a:pPr>
             <a:r>
-              <a:rPr lang="pl-PL" dirty="0"/>
-              <a:t> Prostota obsługi</a:t>
-            </a:r>
-          </a:p>
-          <a:p>
-            <a:pPr marL="0" indent="0">
-              <a:buNone/>
-            </a:pPr>
-            <a:endParaRPr lang="pl-PL" dirty="0"/>
-          </a:p>
-        </p:txBody>
-      </p:sp>
-      <p:sp>
-        <p:nvSpPr>
-          <p:cNvPr id="5" name="Text Placeholder 4">
-            <a:extLst>
-              <a:ext uri="{FF2B5EF4-FFF2-40B4-BE49-F238E27FC236}">
-                <a16:creationId xmlns:a16="http://schemas.microsoft.com/office/drawing/2014/main" id="{5AE55D08-A09B-4E79-A840-D8AF5E1AD9B6}"/>
-              </a:ext>
-            </a:extLst>
-          </p:cNvPr>
-          <p:cNvSpPr>
-            <a:spLocks noGrp="1"/>
-          </p:cNvSpPr>
-          <p:nvPr>
-            <p:ph type="body" sz="quarter" idx="3"/>
-          </p:nvPr>
-        </p:nvSpPr>
-        <p:spPr/>
-        <p:txBody>
-          <a:bodyPr/>
-          <a:lstStyle/>
-          <a:p>
-            <a:r>
-              <a:rPr lang="pl-PL" dirty="0"/>
-              <a:t>założenia</a:t>
-            </a:r>
-          </a:p>
-        </p:txBody>
-      </p:sp>
-      <p:sp>
-        <p:nvSpPr>
-          <p:cNvPr id="6" name="Content Placeholder 5">
-            <a:extLst>
-              <a:ext uri="{FF2B5EF4-FFF2-40B4-BE49-F238E27FC236}">
-                <a16:creationId xmlns:a16="http://schemas.microsoft.com/office/drawing/2014/main" id="{B934A6F7-624C-44D6-AE51-02CEF6C81B2A}"/>
-              </a:ext>
-            </a:extLst>
-          </p:cNvPr>
-          <p:cNvSpPr>
-            <a:spLocks noGrp="1"/>
-          </p:cNvSpPr>
-          <p:nvPr>
-            <p:ph sz="quarter" idx="4"/>
-          </p:nvPr>
-        </p:nvSpPr>
-        <p:spPr/>
-        <p:txBody>
-          <a:bodyPr/>
-          <a:lstStyle/>
+              <a:rPr lang="pl-PL" dirty="0" smtClean="0"/>
+              <a:t> Obsługa systemu nie wymagająca specjalistycznej wiedzy informatycznej</a:t>
+            </a:r>
+          </a:p>
           <a:p>
             <a:pPr>
               <a:buFont typeface="Wingdings" panose="05000000000000000000" pitchFamily="2" charset="2"/>
               <a:buChar char="v"/>
             </a:pPr>
             <a:r>
-              <a:rPr lang="pl-PL" dirty="0"/>
-              <a:t> Ogólnodostępny system </a:t>
-            </a:r>
-          </a:p>
-          <a:p>
-            <a:pPr>
-              <a:buFont typeface="Wingdings" panose="05000000000000000000" pitchFamily="2" charset="2"/>
-              <a:buChar char="v"/>
-            </a:pPr>
-            <a:r>
-              <a:rPr lang="pl-PL" dirty="0"/>
-              <a:t> Tworzenie testów</a:t>
-            </a:r>
-          </a:p>
-          <a:p>
-            <a:pPr>
-              <a:buFont typeface="Wingdings" panose="05000000000000000000" pitchFamily="2" charset="2"/>
-              <a:buChar char="v"/>
-            </a:pPr>
-            <a:r>
-              <a:rPr lang="pl-PL" dirty="0"/>
-              <a:t> Rozwiązywanie testów</a:t>
-            </a:r>
-          </a:p>
-          <a:p>
-            <a:pPr>
-              <a:buFont typeface="Wingdings" panose="05000000000000000000" pitchFamily="2" charset="2"/>
-              <a:buChar char="v"/>
-            </a:pPr>
-            <a:r>
-              <a:rPr lang="pl-PL" dirty="0"/>
-              <a:t> Udostępnienie raportów</a:t>
-            </a:r>
+              <a:rPr lang="pl-PL" dirty="0" smtClean="0"/>
+              <a:t> Satysfakcjonująca wydajność</a:t>
+            </a:r>
+            <a:endParaRPr lang="pl-PL" dirty="0"/>
           </a:p>
         </p:txBody>
       </p:sp>
@@ -5134,7 +5610,141 @@
           <p:cNvPr id="2" name="Title 1">
             <a:extLst>
               <a:ext uri="{FF2B5EF4-FFF2-40B4-BE49-F238E27FC236}">
-                <a16:creationId xmlns:a16="http://schemas.microsoft.com/office/drawing/2014/main" id="{5A6A77C3-72E5-48B2-A6F4-246968F7F211}"/>
+                <a16:creationId xmlns:a16="http://schemas.microsoft.com/office/drawing/2014/main" xmlns="" id="{FA9A14CD-3FAC-4FCA-9265-397ADD9CC418}"/>
+              </a:ext>
+            </a:extLst>
+          </p:cNvPr>
+          <p:cNvSpPr>
+            <a:spLocks noGrp="1"/>
+          </p:cNvSpPr>
+          <p:nvPr>
+            <p:ph type="title"/>
+          </p:nvPr>
+        </p:nvSpPr>
+        <p:spPr/>
+        <p:txBody>
+          <a:bodyPr/>
+          <a:lstStyle/>
+          <a:p>
+            <a:r>
+              <a:rPr lang="pl-PL" dirty="0"/>
+              <a:t>Z</a:t>
+            </a:r>
+            <a:r>
+              <a:rPr lang="pl-PL" dirty="0" smtClean="0"/>
+              <a:t>ałożenia</a:t>
+            </a:r>
+            <a:endParaRPr lang="pl-PL" dirty="0"/>
+          </a:p>
+        </p:txBody>
+      </p:sp>
+      <p:sp>
+        <p:nvSpPr>
+          <p:cNvPr id="6" name="Content Placeholder 5">
+            <a:extLst>
+              <a:ext uri="{FF2B5EF4-FFF2-40B4-BE49-F238E27FC236}">
+                <a16:creationId xmlns:a16="http://schemas.microsoft.com/office/drawing/2014/main" xmlns="" id="{B934A6F7-624C-44D6-AE51-02CEF6C81B2A}"/>
+              </a:ext>
+            </a:extLst>
+          </p:cNvPr>
+          <p:cNvSpPr>
+            <a:spLocks noGrp="1"/>
+          </p:cNvSpPr>
+          <p:nvPr>
+            <p:ph sz="quarter" idx="4"/>
+          </p:nvPr>
+        </p:nvSpPr>
+        <p:spPr>
+          <a:xfrm>
+            <a:off x="1167109" y="2173345"/>
+            <a:ext cx="10024176" cy="2910821"/>
+          </a:xfrm>
+        </p:spPr>
+        <p:txBody>
+          <a:bodyPr/>
+          <a:lstStyle/>
+          <a:p>
+            <a:pPr>
+              <a:buFont typeface="Wingdings" panose="05000000000000000000" pitchFamily="2" charset="2"/>
+              <a:buChar char="v"/>
+            </a:pPr>
+            <a:r>
+              <a:rPr lang="pl-PL" dirty="0"/>
+              <a:t> Ogólnodostępny system </a:t>
+            </a:r>
+            <a:r>
+              <a:rPr lang="pl-PL" dirty="0" smtClean="0"/>
+              <a:t>– system dostępny dla każdego użytkownika np. nauczyciel, szkoleniowiec, osoba przeprowadzająca korepetycje</a:t>
+            </a:r>
+            <a:endParaRPr lang="pl-PL" dirty="0"/>
+          </a:p>
+          <a:p>
+            <a:pPr>
+              <a:buFont typeface="Wingdings" panose="05000000000000000000" pitchFamily="2" charset="2"/>
+              <a:buChar char="v"/>
+            </a:pPr>
+            <a:r>
+              <a:rPr lang="pl-PL" dirty="0"/>
+              <a:t> </a:t>
+            </a:r>
+            <a:r>
+              <a:rPr lang="pl-PL" dirty="0" smtClean="0"/>
+              <a:t>Niski próg wejścia – system odpowiedni dla ludzi z różnym poziomem zaawansowania informatycznego, nie wymagający specjalistycznej wiedzy technicznej</a:t>
+            </a:r>
+          </a:p>
+          <a:p>
+            <a:pPr>
+              <a:buFont typeface="Wingdings" panose="05000000000000000000" pitchFamily="2" charset="2"/>
+              <a:buChar char="v"/>
+            </a:pPr>
+            <a:r>
+              <a:rPr lang="pl-PL" dirty="0"/>
+              <a:t> </a:t>
+            </a:r>
+            <a:r>
+              <a:rPr lang="pl-PL" dirty="0" smtClean="0"/>
+              <a:t>Udostępnianie raportów – przedstawienie statystyk dotyczących rozwiązanego testu w dwóch wersjach: dla nauczyciela (statystyki dotyczące całej grupy), dla ucznia (statystyki jednostki)</a:t>
+            </a:r>
+            <a:endParaRPr lang="pl-PL" dirty="0"/>
+          </a:p>
+        </p:txBody>
+      </p:sp>
+    </p:spTree>
+    <p:extLst>
+      <p:ext uri="{BB962C8B-B14F-4D97-AF65-F5344CB8AC3E}">
+        <p14:creationId xmlns:p14="http://schemas.microsoft.com/office/powerpoint/2010/main" val="4051664237"/>
+      </p:ext>
+    </p:extLst>
+  </p:cSld>
+  <p:clrMapOvr>
+    <a:masterClrMapping/>
+  </p:clrMapOvr>
+</p:sld>
+</file>
+
+<file path=ppt/slides/slide7.xml><?xml version="1.0" encoding="utf-8"?>
+<p:sld xmlns:a="http://schemas.openxmlformats.org/drawingml/2006/main" xmlns:r="http://schemas.openxmlformats.org/officeDocument/2006/relationships" xmlns:p="http://schemas.openxmlformats.org/presentationml/2006/main">
+  <p:cSld>
+    <p:spTree>
+      <p:nvGrpSpPr>
+        <p:cNvPr id="1" name=""/>
+        <p:cNvGrpSpPr/>
+        <p:nvPr/>
+      </p:nvGrpSpPr>
+      <p:grpSpPr>
+        <a:xfrm>
+          <a:off x="0" y="0"/>
+          <a:ext cx="0" cy="0"/>
+          <a:chOff x="0" y="0"/>
+          <a:chExt cx="0" cy="0"/>
+        </a:xfrm>
+      </p:grpSpPr>
+      <p:sp>
+        <p:nvSpPr>
+          <p:cNvPr id="2" name="Title 1">
+            <a:extLst>
+              <a:ext uri="{FF2B5EF4-FFF2-40B4-BE49-F238E27FC236}">
+                <a16:creationId xmlns:a16="http://schemas.microsoft.com/office/drawing/2014/main" xmlns="" id="{5A6A77C3-72E5-48B2-A6F4-246968F7F211}"/>
               </a:ext>
             </a:extLst>
           </p:cNvPr>
@@ -5162,7 +5772,7 @@
           <p:cNvPr id="9" name="Content Placeholder 8">
             <a:extLst>
               <a:ext uri="{FF2B5EF4-FFF2-40B4-BE49-F238E27FC236}">
-                <a16:creationId xmlns:a16="http://schemas.microsoft.com/office/drawing/2014/main" id="{DF56E958-97B7-4FC4-8A95-A57A1C500805}"/>
+                <a16:creationId xmlns:a16="http://schemas.microsoft.com/office/drawing/2014/main" xmlns="" id="{DF56E958-97B7-4FC4-8A95-A57A1C500805}"/>
               </a:ext>
             </a:extLst>
           </p:cNvPr>
@@ -5199,7 +5809,7 @@
 </p:sld>
 </file>
 
-<file path=ppt/slides/slide7.xml><?xml version="1.0" encoding="utf-8"?>
+<file path=ppt/slides/slide8.xml><?xml version="1.0" encoding="utf-8"?>
 <p:sld xmlns:a="http://schemas.openxmlformats.org/drawingml/2006/main" xmlns:r="http://schemas.openxmlformats.org/officeDocument/2006/relationships" xmlns:p="http://schemas.openxmlformats.org/presentationml/2006/main">
   <p:cSld>
     <p:spTree>
@@ -5221,7 +5831,7 @@
           <p:cNvPr id="2" name="Title 1">
             <a:extLst>
               <a:ext uri="{FF2B5EF4-FFF2-40B4-BE49-F238E27FC236}">
-                <a16:creationId xmlns:a16="http://schemas.microsoft.com/office/drawing/2014/main" id="{5A6A77C3-72E5-48B2-A6F4-246968F7F211}"/>
+                <a16:creationId xmlns:a16="http://schemas.microsoft.com/office/drawing/2014/main" xmlns="" id="{5A6A77C3-72E5-48B2-A6F4-246968F7F211}"/>
               </a:ext>
             </a:extLst>
           </p:cNvPr>
@@ -5239,8 +5849,13 @@
           <a:p>
             <a:r>
               <a:rPr lang="pl-PL" dirty="0"/>
-              <a:t>Model projektu w pierwszej wersji</a:t>
-            </a:r>
+              <a:t>Model </a:t>
+            </a:r>
+            <a:r>
+              <a:rPr lang="pl-PL" dirty="0" smtClean="0"/>
+              <a:t>bazy danych w pierwszej wersji</a:t>
+            </a:r>
+            <a:endParaRPr lang="pl-PL" dirty="0"/>
           </a:p>
         </p:txBody>
       </p:sp>
@@ -5249,7 +5864,7 @@
           <p:cNvPr id="6" name="Content Placeholder 5">
             <a:extLst>
               <a:ext uri="{FF2B5EF4-FFF2-40B4-BE49-F238E27FC236}">
-                <a16:creationId xmlns:a16="http://schemas.microsoft.com/office/drawing/2014/main" id="{2D5A2047-EE18-40A1-9584-FDAE9AE6C2D5}"/>
+                <a16:creationId xmlns:a16="http://schemas.microsoft.com/office/drawing/2014/main" xmlns="" id="{2D5A2047-EE18-40A1-9584-FDAE9AE6C2D5}"/>
               </a:ext>
             </a:extLst>
           </p:cNvPr>
@@ -5286,7 +5901,7 @@
 </p:sld>
 </file>
 
-<file path=ppt/slides/slide8.xml><?xml version="1.0" encoding="utf-8"?>
+<file path=ppt/slides/slide9.xml><?xml version="1.0" encoding="utf-8"?>
 <p:sld xmlns:a="http://schemas.openxmlformats.org/drawingml/2006/main" xmlns:r="http://schemas.openxmlformats.org/officeDocument/2006/relationships" xmlns:p="http://schemas.openxmlformats.org/presentationml/2006/main">
   <p:cSld>
     <p:spTree>
@@ -5308,7 +5923,7 @@
           <p:cNvPr id="2" name="Title 1">
             <a:extLst>
               <a:ext uri="{FF2B5EF4-FFF2-40B4-BE49-F238E27FC236}">
-                <a16:creationId xmlns:a16="http://schemas.microsoft.com/office/drawing/2014/main" id="{00D0D80C-D72C-42F7-884D-3A6024EE5CE2}"/>
+                <a16:creationId xmlns:a16="http://schemas.microsoft.com/office/drawing/2014/main" xmlns="" id="{00D0D80C-D72C-42F7-884D-3A6024EE5CE2}"/>
               </a:ext>
             </a:extLst>
           </p:cNvPr>
@@ -5336,7 +5951,7 @@
           <p:cNvPr id="5" name="Picture 4">
             <a:extLst>
               <a:ext uri="{FF2B5EF4-FFF2-40B4-BE49-F238E27FC236}">
-                <a16:creationId xmlns:a16="http://schemas.microsoft.com/office/drawing/2014/main" id="{70D0993F-B70F-4928-BF68-3084C130E574}"/>
+                <a16:creationId xmlns:a16="http://schemas.microsoft.com/office/drawing/2014/main" xmlns="" id="{70D0993F-B70F-4928-BF68-3084C130E574}"/>
               </a:ext>
             </a:extLst>
           </p:cNvPr>
@@ -5378,7 +5993,7 @@
           <p:cNvPr id="7" name="Picture 6">
             <a:extLst>
               <a:ext uri="{FF2B5EF4-FFF2-40B4-BE49-F238E27FC236}">
-                <a16:creationId xmlns:a16="http://schemas.microsoft.com/office/drawing/2014/main" id="{06DBE681-B830-4FBD-B6F5-7C4604D7B78F}"/>
+                <a16:creationId xmlns:a16="http://schemas.microsoft.com/office/drawing/2014/main" xmlns="" id="{06DBE681-B830-4FBD-B6F5-7C4604D7B78F}"/>
               </a:ext>
             </a:extLst>
           </p:cNvPr>
@@ -5420,7 +6035,7 @@
           <p:cNvPr id="13" name="Picture 12">
             <a:extLst>
               <a:ext uri="{FF2B5EF4-FFF2-40B4-BE49-F238E27FC236}">
-                <a16:creationId xmlns:a16="http://schemas.microsoft.com/office/drawing/2014/main" id="{81D69DDE-3BD5-4A00-9D5F-B8A7C8403913}"/>
+                <a16:creationId xmlns:a16="http://schemas.microsoft.com/office/drawing/2014/main" xmlns="" id="{81D69DDE-3BD5-4A00-9D5F-B8A7C8403913}"/>
               </a:ext>
             </a:extLst>
           </p:cNvPr>
@@ -5462,7 +6077,7 @@
           <p:cNvPr id="15" name="Picture 14">
             <a:extLst>
               <a:ext uri="{FF2B5EF4-FFF2-40B4-BE49-F238E27FC236}">
-                <a16:creationId xmlns:a16="http://schemas.microsoft.com/office/drawing/2014/main" id="{288B2B24-B555-4FE4-8E2F-9735C4A937E9}"/>
+                <a16:creationId xmlns:a16="http://schemas.microsoft.com/office/drawing/2014/main" xmlns="" id="{288B2B24-B555-4FE4-8E2F-9735C4A937E9}"/>
               </a:ext>
             </a:extLst>
           </p:cNvPr>
@@ -5504,7 +6119,7 @@
           <p:cNvPr id="16" name="TextBox 15">
             <a:extLst>
               <a:ext uri="{FF2B5EF4-FFF2-40B4-BE49-F238E27FC236}">
-                <a16:creationId xmlns:a16="http://schemas.microsoft.com/office/drawing/2014/main" id="{622F8360-F40F-4E95-939B-1EAF04A73DF7}"/>
+                <a16:creationId xmlns:a16="http://schemas.microsoft.com/office/drawing/2014/main" xmlns="" id="{622F8360-F40F-4E95-939B-1EAF04A73DF7}"/>
               </a:ext>
             </a:extLst>
           </p:cNvPr>
@@ -5556,7 +6171,7 @@
           <p:cNvPr id="17" name="TextBox 16">
             <a:extLst>
               <a:ext uri="{FF2B5EF4-FFF2-40B4-BE49-F238E27FC236}">
-                <a16:creationId xmlns:a16="http://schemas.microsoft.com/office/drawing/2014/main" id="{29C08682-FFB6-4337-B227-B12F0B2E7E1A}"/>
+                <a16:creationId xmlns:a16="http://schemas.microsoft.com/office/drawing/2014/main" xmlns="" id="{29C08682-FFB6-4337-B227-B12F0B2E7E1A}"/>
               </a:ext>
             </a:extLst>
           </p:cNvPr>
@@ -5592,7 +6207,7 @@
           <p:cNvPr id="18" name="TextBox 17">
             <a:extLst>
               <a:ext uri="{FF2B5EF4-FFF2-40B4-BE49-F238E27FC236}">
-                <a16:creationId xmlns:a16="http://schemas.microsoft.com/office/drawing/2014/main" id="{3C0A5B1D-D3FF-4AF4-B6D3-0E9C2DB52D05}"/>
+                <a16:creationId xmlns:a16="http://schemas.microsoft.com/office/drawing/2014/main" xmlns="" id="{3C0A5B1D-D3FF-4AF4-B6D3-0E9C2DB52D05}"/>
               </a:ext>
             </a:extLst>
           </p:cNvPr>
@@ -5628,7 +6243,7 @@
           <p:cNvPr id="19" name="TextBox 18">
             <a:extLst>
               <a:ext uri="{FF2B5EF4-FFF2-40B4-BE49-F238E27FC236}">
-                <a16:creationId xmlns:a16="http://schemas.microsoft.com/office/drawing/2014/main" id="{EA9654E6-A397-4850-8A16-BE25FCFB56BD}"/>
+                <a16:creationId xmlns:a16="http://schemas.microsoft.com/office/drawing/2014/main" xmlns="" id="{EA9654E6-A397-4850-8A16-BE25FCFB56BD}"/>
               </a:ext>
             </a:extLst>
           </p:cNvPr>
@@ -5664,7 +6279,7 @@
           <p:cNvPr id="21" name="Picture 20">
             <a:extLst>
               <a:ext uri="{FF2B5EF4-FFF2-40B4-BE49-F238E27FC236}">
-                <a16:creationId xmlns:a16="http://schemas.microsoft.com/office/drawing/2014/main" id="{09CF0FA2-83F4-4C85-9A4F-B4D309F291D4}"/>
+                <a16:creationId xmlns:a16="http://schemas.microsoft.com/office/drawing/2014/main" xmlns="" id="{09CF0FA2-83F4-4C85-9A4F-B4D309F291D4}"/>
               </a:ext>
             </a:extLst>
           </p:cNvPr>
@@ -5703,94 +6318,6 @@
     <p:extLst>
       <p:ext uri="{BB962C8B-B14F-4D97-AF65-F5344CB8AC3E}">
         <p14:creationId xmlns:p14="http://schemas.microsoft.com/office/powerpoint/2010/main" val="2468028092"/>
-      </p:ext>
-    </p:extLst>
-  </p:cSld>
-  <p:clrMapOvr>
-    <a:masterClrMapping/>
-  </p:clrMapOvr>
-</p:sld>
-</file>
-
-<file path=ppt/slides/slide9.xml><?xml version="1.0" encoding="utf-8"?>
-<p:sld xmlns:a="http://schemas.openxmlformats.org/drawingml/2006/main" xmlns:r="http://schemas.openxmlformats.org/officeDocument/2006/relationships" xmlns:p="http://schemas.openxmlformats.org/presentationml/2006/main">
-  <p:cSld>
-    <p:spTree>
-      <p:nvGrpSpPr>
-        <p:cNvPr id="1" name=""/>
-        <p:cNvGrpSpPr/>
-        <p:nvPr/>
-      </p:nvGrpSpPr>
-      <p:grpSpPr>
-        <a:xfrm>
-          <a:off x="0" y="0"/>
-          <a:ext cx="0" cy="0"/>
-          <a:chOff x="0" y="0"/>
-          <a:chExt cx="0" cy="0"/>
-        </a:xfrm>
-      </p:grpSpPr>
-      <p:sp>
-        <p:nvSpPr>
-          <p:cNvPr id="2" name="Title 1">
-            <a:extLst>
-              <a:ext uri="{FF2B5EF4-FFF2-40B4-BE49-F238E27FC236}">
-                <a16:creationId xmlns:a16="http://schemas.microsoft.com/office/drawing/2014/main" id="{00D0D80C-D72C-42F7-884D-3A6024EE5CE2}"/>
-              </a:ext>
-            </a:extLst>
-          </p:cNvPr>
-          <p:cNvSpPr>
-            <a:spLocks noGrp="1"/>
-          </p:cNvSpPr>
-          <p:nvPr>
-            <p:ph type="title"/>
-          </p:nvPr>
-        </p:nvSpPr>
-        <p:spPr/>
-        <p:txBody>
-          <a:bodyPr/>
-          <a:lstStyle/>
-          <a:p>
-            <a:r>
-              <a:rPr lang="pl-PL" dirty="0"/>
-              <a:t>Aktorzy w systemie</a:t>
-            </a:r>
-          </a:p>
-        </p:txBody>
-      </p:sp>
-      <p:pic>
-        <p:nvPicPr>
-          <p:cNvPr id="5" name="Picture 4">
-            <a:extLst>
-              <a:ext uri="{FF2B5EF4-FFF2-40B4-BE49-F238E27FC236}">
-                <a16:creationId xmlns:a16="http://schemas.microsoft.com/office/drawing/2014/main" id="{54E59EBF-5A3C-49BE-8D43-0B27A1571623}"/>
-              </a:ext>
-            </a:extLst>
-          </p:cNvPr>
-          <p:cNvPicPr>
-            <a:picLocks noChangeAspect="1"/>
-          </p:cNvPicPr>
-          <p:nvPr/>
-        </p:nvPicPr>
-        <p:blipFill>
-          <a:blip r:embed="rId2"/>
-          <a:stretch>
-            <a:fillRect/>
-          </a:stretch>
-        </p:blipFill>
-        <p:spPr>
-          <a:xfrm>
-            <a:off x="3000900" y="2135599"/>
-            <a:ext cx="6190199" cy="3996753"/>
-          </a:xfrm>
-          <a:prstGeom prst="rect">
-            <a:avLst/>
-          </a:prstGeom>
-        </p:spPr>
-      </p:pic>
-    </p:spTree>
-    <p:extLst>
-      <p:ext uri="{BB962C8B-B14F-4D97-AF65-F5344CB8AC3E}">
-        <p14:creationId xmlns:p14="http://schemas.microsoft.com/office/powerpoint/2010/main" val="116617202"/>
       </p:ext>
     </p:extLst>
   </p:cSld>
@@ -6077,7 +6604,7 @@
   <a:extraClrSchemeLst/>
   <a:extLst>
     <a:ext uri="{05A4C25C-085E-4340-85A3-A5531E510DB2}">
-      <thm15:themeFamily xmlns:thm15="http://schemas.microsoft.com/office/thememl/2012/main" name="RetrospectVTI" id="{ABE3C30C-0FC0-4450-828E-52DE70F1BCCB}" vid="{A6E2497D-935A-4CFD-B9FD-6DCB15FA68BF}"/>
+      <thm15:themeFamily xmlns:thm15="http://schemas.microsoft.com/office/thememl/2012/main" xmlns="" name="RetrospectVTI" id="{ABE3C30C-0FC0-4450-828E-52DE70F1BCCB}" vid="{A6E2497D-935A-4CFD-B9FD-6DCB15FA68BF}"/>
     </a:ext>
   </a:extLst>
 </a:theme>
@@ -6127,6 +6654,24 @@
 </file>
 
 <file path=customXml/item1.xml><?xml version="1.0" encoding="utf-8"?>
+<p:properties xmlns:p="http://schemas.microsoft.com/office/2006/metadata/properties" xmlns:xsi="http://www.w3.org/2001/XMLSchema-instance" xmlns:pc="http://schemas.microsoft.com/office/infopath/2007/PartnerControls">
+  <documentManagement>
+    <Status xmlns="71af3243-3dd4-4a8d-8c0d-dd76da1f02a5">Not started</Status>
+    <MediaServiceKeyPoints xmlns="71af3243-3dd4-4a8d-8c0d-dd76da1f02a5" xsi:nil="true"/>
+  </documentManagement>
+</p:properties>
+</file>
+
+<file path=customXml/item2.xml><?xml version="1.0" encoding="utf-8"?>
+<?mso-contentType ?>
+<FormTemplates xmlns="http://schemas.microsoft.com/sharepoint/v3/contenttype/forms">
+  <Display>DocumentLibraryForm</Display>
+  <Edit>DocumentLibraryForm</Edit>
+  <New>DocumentLibraryForm</New>
+</FormTemplates>
+</file>
+
+<file path=customXml/item3.xml><?xml version="1.0" encoding="utf-8"?>
 <ct:contentTypeSchema xmlns:ct="http://schemas.microsoft.com/office/2006/metadata/contentType" xmlns:ma="http://schemas.microsoft.com/office/2006/metadata/properties/metaAttributes" ct:_="" ma:_="" ma:contentTypeName="Document" ma:contentTypeID="0x01010079F111ED35F8CC479449609E8A0923A6" ma:contentTypeVersion="12" ma:contentTypeDescription="Create a new document." ma:contentTypeScope="" ma:versionID="426e97fa315356fffbdcd9876fe988c2">
   <xsd:schema xmlns:xsd="http://www.w3.org/2001/XMLSchema" xmlns:xs="http://www.w3.org/2001/XMLSchema" xmlns:p="http://schemas.microsoft.com/office/2006/metadata/properties" xmlns:ns2="71af3243-3dd4-4a8d-8c0d-dd76da1f02a5" xmlns:ns3="16c05727-aa75-4e4a-9b5f-8a80a1165891" targetNamespace="http://schemas.microsoft.com/office/2006/metadata/properties" ma:root="true" ma:fieldsID="14b8f0def80e6d70ce3def20c90759ae" ns2:_="" ns3:_="">
     <xsd:import namespace="71af3243-3dd4-4a8d-8c0d-dd76da1f02a5"/>
@@ -6347,25 +6892,25 @@
 </ct:contentTypeSchema>
 </file>
 
-<file path=customXml/item2.xml><?xml version="1.0" encoding="utf-8"?>
-<?mso-contentType ?>
-<FormTemplates xmlns="http://schemas.microsoft.com/sharepoint/v3/contenttype/forms">
-  <Display>DocumentLibraryForm</Display>
-  <Edit>DocumentLibraryForm</Edit>
-  <New>DocumentLibraryForm</New>
-</FormTemplates>
+<file path=customXml/itemProps1.xml><?xml version="1.0" encoding="utf-8"?>
+<ds:datastoreItem xmlns:ds="http://schemas.openxmlformats.org/officeDocument/2006/customXml" ds:itemID="{84F503EC-3FFF-4193-A86F-39150E2BAC75}">
+  <ds:schemaRefs>
+    <ds:schemaRef ds:uri="http://schemas.microsoft.com/office/2006/metadata/properties"/>
+    <ds:schemaRef ds:uri="http://schemas.microsoft.com/office/infopath/2007/PartnerControls"/>
+    <ds:schemaRef ds:uri="71af3243-3dd4-4a8d-8c0d-dd76da1f02a5"/>
+  </ds:schemaRefs>
+</ds:datastoreItem>
 </file>
 
-<file path=customXml/item3.xml><?xml version="1.0" encoding="utf-8"?>
-<p:properties xmlns:p="http://schemas.microsoft.com/office/2006/metadata/properties" xmlns:xsi="http://www.w3.org/2001/XMLSchema-instance" xmlns:pc="http://schemas.microsoft.com/office/infopath/2007/PartnerControls">
-  <documentManagement>
-    <Status xmlns="71af3243-3dd4-4a8d-8c0d-dd76da1f02a5">Not started</Status>
-    <MediaServiceKeyPoints xmlns="71af3243-3dd4-4a8d-8c0d-dd76da1f02a5" xsi:nil="true"/>
-  </documentManagement>
-</p:properties>
+<file path=customXml/itemProps2.xml><?xml version="1.0" encoding="utf-8"?>
+<ds:datastoreItem xmlns:ds="http://schemas.openxmlformats.org/officeDocument/2006/customXml" ds:itemID="{2E5ECA37-C458-4BA2-A090-D7A19E07B434}">
+  <ds:schemaRefs>
+    <ds:schemaRef ds:uri="http://schemas.microsoft.com/sharepoint/v3/contenttype/forms"/>
+  </ds:schemaRefs>
+</ds:datastoreItem>
 </file>
 
-<file path=customXml/itemProps1.xml><?xml version="1.0" encoding="utf-8"?>
+<file path=customXml/itemProps3.xml><?xml version="1.0" encoding="utf-8"?>
 <ds:datastoreItem xmlns:ds="http://schemas.openxmlformats.org/officeDocument/2006/customXml" ds:itemID="{7A26AAF5-6CFC-4C52-B7DF-08410EDE6701}">
   <ds:schemaRefs>
     <ds:schemaRef ds:uri="http://schemas.microsoft.com/office/2006/metadata/contentType"/>
@@ -6382,22 +6927,4 @@
     <ds:schemaRef ds:uri="http://schemas.microsoft.com/internal/obd"/>
   </ds:schemaRefs>
 </ds:datastoreItem>
-</file>
-
-<file path=customXml/itemProps2.xml><?xml version="1.0" encoding="utf-8"?>
-<ds:datastoreItem xmlns:ds="http://schemas.openxmlformats.org/officeDocument/2006/customXml" ds:itemID="{2E5ECA37-C458-4BA2-A090-D7A19E07B434}">
-  <ds:schemaRefs>
-    <ds:schemaRef ds:uri="http://schemas.microsoft.com/sharepoint/v3/contenttype/forms"/>
-  </ds:schemaRefs>
-</ds:datastoreItem>
-</file>
-
-<file path=customXml/itemProps3.xml><?xml version="1.0" encoding="utf-8"?>
-<ds:datastoreItem xmlns:ds="http://schemas.openxmlformats.org/officeDocument/2006/customXml" ds:itemID="{84F503EC-3FFF-4193-A86F-39150E2BAC75}">
-  <ds:schemaRefs>
-    <ds:schemaRef ds:uri="http://schemas.microsoft.com/office/2006/metadata/properties"/>
-    <ds:schemaRef ds:uri="http://schemas.microsoft.com/office/infopath/2007/PartnerControls"/>
-    <ds:schemaRef ds:uri="71af3243-3dd4-4a8d-8c0d-dd76da1f02a5"/>
-  </ds:schemaRefs>
-</ds:datastoreItem>
 </file>
--- a/pz/1/Z1P1.pptx
+++ b/pz/1/Z1P1.pptx
@@ -118,7 +118,18 @@
   </p:defaultTextStyle>
   <p:extLst>
     <p:ext uri="{EFAFB233-063F-42B5-8137-9DF3F51BA10A}">
-      <p15:sldGuideLst xmlns:p15="http://schemas.microsoft.com/office/powerpoint/2012/main" xmlns=""/>
+      <p15:sldGuideLst xmlns:p15="http://schemas.microsoft.com/office/powerpoint/2012/main">
+        <p15:guide id="1" orient="horz" pos="2160">
+          <p15:clr>
+            <a:srgbClr val="A4A3A4"/>
+          </p15:clr>
+        </p15:guide>
+        <p15:guide id="2" pos="3840">
+          <p15:clr>
+            <a:srgbClr val="A4A3A4"/>
+          </p15:clr>
+        </p15:guide>
+      </p15:sldGuideLst>
     </p:ext>
   </p:extLst>
 </p:presentation>
@@ -146,7 +157,7 @@
           <p:cNvPr id="10" name="Rectangle 9">
             <a:extLst>
               <a:ext uri="{FF2B5EF4-FFF2-40B4-BE49-F238E27FC236}">
-                <a16:creationId xmlns:a16="http://schemas.microsoft.com/office/drawing/2014/main" xmlns="" id="{39E3965E-AC41-4711-9D10-E25ABB132D86}"/>
+                <a16:creationId xmlns:a16="http://schemas.microsoft.com/office/drawing/2014/main" id="{39E3965E-AC41-4711-9D10-E25ABB132D86}"/>
               </a:ext>
             </a:extLst>
           </p:cNvPr>
@@ -306,7 +317,7 @@
           <p:cNvPr id="9" name="Straight Connector 8">
             <a:extLst>
               <a:ext uri="{FF2B5EF4-FFF2-40B4-BE49-F238E27FC236}">
-                <a16:creationId xmlns:a16="http://schemas.microsoft.com/office/drawing/2014/main" xmlns="" id="{1F5DC8C3-BA5F-4EED-BB9A-A14272BD82A1}"/>
+                <a16:creationId xmlns:a16="http://schemas.microsoft.com/office/drawing/2014/main" id="{1F5DC8C3-BA5F-4EED-BB9A-A14272BD82A1}"/>
               </a:ext>
             </a:extLst>
           </p:cNvPr>
@@ -350,7 +361,7 @@
           <p:cNvPr id="4" name="Date Placeholder 3">
             <a:extLst>
               <a:ext uri="{FF2B5EF4-FFF2-40B4-BE49-F238E27FC236}">
-                <a16:creationId xmlns:a16="http://schemas.microsoft.com/office/drawing/2014/main" xmlns="" id="{9925CCF1-92C0-4AF3-BFAF-4921631915AB}"/>
+                <a16:creationId xmlns:a16="http://schemas.microsoft.com/office/drawing/2014/main" id="{9925CCF1-92C0-4AF3-BFAF-4921631915AB}"/>
               </a:ext>
             </a:extLst>
           </p:cNvPr>
@@ -368,7 +379,7 @@
           <a:p>
             <a:fld id="{9184DA70-C731-4C70-880D-CCD4705E623C}" type="datetime1">
               <a:rPr lang="en-US" smtClean="0"/>
-              <a:t>3/9/2021</a:t>
+              <a:t>3/11/2021</a:t>
             </a:fld>
             <a:endParaRPr lang="en-US" dirty="0"/>
           </a:p>
@@ -379,7 +390,7 @@
           <p:cNvPr id="5" name="Footer Placeholder 4">
             <a:extLst>
               <a:ext uri="{FF2B5EF4-FFF2-40B4-BE49-F238E27FC236}">
-                <a16:creationId xmlns:a16="http://schemas.microsoft.com/office/drawing/2014/main" xmlns="" id="{051A78A9-3DFF-4937-A9F2-5D8CF495F367}"/>
+                <a16:creationId xmlns:a16="http://schemas.microsoft.com/office/drawing/2014/main" id="{051A78A9-3DFF-4937-A9F2-5D8CF495F367}"/>
               </a:ext>
             </a:extLst>
           </p:cNvPr>
@@ -404,7 +415,7 @@
           <p:cNvPr id="6" name="Slide Number Placeholder 5">
             <a:extLst>
               <a:ext uri="{FF2B5EF4-FFF2-40B4-BE49-F238E27FC236}">
-                <a16:creationId xmlns:a16="http://schemas.microsoft.com/office/drawing/2014/main" xmlns="" id="{5FAEB271-5CC0-4759-BC6E-8BE53AB227C0}"/>
+                <a16:creationId xmlns:a16="http://schemas.microsoft.com/office/drawing/2014/main" id="{5FAEB271-5CC0-4759-BC6E-8BE53AB227C0}"/>
               </a:ext>
             </a:extLst>
           </p:cNvPr>
@@ -538,7 +549,7 @@
           <p:cNvPr id="7" name="Date Placeholder 6">
             <a:extLst>
               <a:ext uri="{FF2B5EF4-FFF2-40B4-BE49-F238E27FC236}">
-                <a16:creationId xmlns:a16="http://schemas.microsoft.com/office/drawing/2014/main" xmlns="" id="{354D8B55-9EA8-4B81-8E84-9B93B0A27559}"/>
+                <a16:creationId xmlns:a16="http://schemas.microsoft.com/office/drawing/2014/main" id="{354D8B55-9EA8-4B81-8E84-9B93B0A27559}"/>
               </a:ext>
             </a:extLst>
           </p:cNvPr>
@@ -556,7 +567,7 @@
           <a:p>
             <a:fld id="{4BE1D723-8F53-4F53-90B0-1982A396982E}" type="datetime1">
               <a:rPr lang="en-US" smtClean="0"/>
-              <a:t>3/9/2021</a:t>
+              <a:t>3/11/2021</a:t>
             </a:fld>
             <a:endParaRPr lang="en-US" dirty="0"/>
           </a:p>
@@ -567,7 +578,7 @@
           <p:cNvPr id="8" name="Footer Placeholder 7">
             <a:extLst>
               <a:ext uri="{FF2B5EF4-FFF2-40B4-BE49-F238E27FC236}">
-                <a16:creationId xmlns:a16="http://schemas.microsoft.com/office/drawing/2014/main" xmlns="" id="{062CA021-2578-47CB-822C-BDDFF7223B28}"/>
+                <a16:creationId xmlns:a16="http://schemas.microsoft.com/office/drawing/2014/main" id="{062CA021-2578-47CB-822C-BDDFF7223B28}"/>
               </a:ext>
             </a:extLst>
           </p:cNvPr>
@@ -592,7 +603,7 @@
           <p:cNvPr id="9" name="Slide Number Placeholder 8">
             <a:extLst>
               <a:ext uri="{FF2B5EF4-FFF2-40B4-BE49-F238E27FC236}">
-                <a16:creationId xmlns:a16="http://schemas.microsoft.com/office/drawing/2014/main" xmlns="" id="{C4AAB51D-4141-4682-9375-DAFD5FB9DD10}"/>
+                <a16:creationId xmlns:a16="http://schemas.microsoft.com/office/drawing/2014/main" id="{C4AAB51D-4141-4682-9375-DAFD5FB9DD10}"/>
               </a:ext>
             </a:extLst>
           </p:cNvPr>
@@ -659,7 +670,7 @@
           <p:cNvPr id="10" name="Rectangle 9">
             <a:extLst>
               <a:ext uri="{FF2B5EF4-FFF2-40B4-BE49-F238E27FC236}">
-                <a16:creationId xmlns:a16="http://schemas.microsoft.com/office/drawing/2014/main" xmlns="" id="{A585C21A-8B93-4657-B5DF-7EAEAD3BE127}"/>
+                <a16:creationId xmlns:a16="http://schemas.microsoft.com/office/drawing/2014/main" id="{A585C21A-8B93-4657-B5DF-7EAEAD3BE127}"/>
               </a:ext>
             </a:extLst>
           </p:cNvPr>
@@ -867,7 +878,7 @@
           <p:cNvPr id="9" name="Straight Connector 8">
             <a:extLst>
               <a:ext uri="{FF2B5EF4-FFF2-40B4-BE49-F238E27FC236}">
-                <a16:creationId xmlns:a16="http://schemas.microsoft.com/office/drawing/2014/main" xmlns="" id="{459DE2C1-4C52-40A3-8959-27B2C1BEBFF6}"/>
+                <a16:creationId xmlns:a16="http://schemas.microsoft.com/office/drawing/2014/main" id="{459DE2C1-4C52-40A3-8959-27B2C1BEBFF6}"/>
               </a:ext>
             </a:extLst>
           </p:cNvPr>
@@ -911,7 +922,7 @@
           <p:cNvPr id="7" name="Date Placeholder 6">
             <a:extLst>
               <a:ext uri="{FF2B5EF4-FFF2-40B4-BE49-F238E27FC236}">
-                <a16:creationId xmlns:a16="http://schemas.microsoft.com/office/drawing/2014/main" xmlns="" id="{AAF2E137-EC28-48F8-9198-1F02539029B6}"/>
+                <a16:creationId xmlns:a16="http://schemas.microsoft.com/office/drawing/2014/main" id="{AAF2E137-EC28-48F8-9198-1F02539029B6}"/>
               </a:ext>
             </a:extLst>
           </p:cNvPr>
@@ -929,7 +940,7 @@
           <a:p>
             <a:fld id="{97669AF7-7BEB-44E4-9852-375E34362B5B}" type="datetime1">
               <a:rPr lang="en-US" smtClean="0"/>
-              <a:t>3/9/2021</a:t>
+              <a:t>3/11/2021</a:t>
             </a:fld>
             <a:endParaRPr lang="en-US" dirty="0"/>
           </a:p>
@@ -940,7 +951,7 @@
           <p:cNvPr id="8" name="Footer Placeholder 7">
             <a:extLst>
               <a:ext uri="{FF2B5EF4-FFF2-40B4-BE49-F238E27FC236}">
-                <a16:creationId xmlns:a16="http://schemas.microsoft.com/office/drawing/2014/main" xmlns="" id="{189422CD-6F62-4DD6-89EF-07A60B42D219}"/>
+                <a16:creationId xmlns:a16="http://schemas.microsoft.com/office/drawing/2014/main" id="{189422CD-6F62-4DD6-89EF-07A60B42D219}"/>
               </a:ext>
             </a:extLst>
           </p:cNvPr>
@@ -965,7 +976,7 @@
           <p:cNvPr id="11" name="Slide Number Placeholder 10">
             <a:extLst>
               <a:ext uri="{FF2B5EF4-FFF2-40B4-BE49-F238E27FC236}">
-                <a16:creationId xmlns:a16="http://schemas.microsoft.com/office/drawing/2014/main" xmlns="" id="{69C6AFF8-42B4-4D05-969B-9F5FB3355555}"/>
+                <a16:creationId xmlns:a16="http://schemas.microsoft.com/office/drawing/2014/main" id="{69C6AFF8-42B4-4D05-969B-9F5FB3355555}"/>
               </a:ext>
             </a:extLst>
           </p:cNvPr>
@@ -1166,7 +1177,7 @@
           <p:cNvPr id="2" name="Date Placeholder 1">
             <a:extLst>
               <a:ext uri="{FF2B5EF4-FFF2-40B4-BE49-F238E27FC236}">
-                <a16:creationId xmlns:a16="http://schemas.microsoft.com/office/drawing/2014/main" xmlns="" id="{5782D47D-B0DC-4C40-BCC6-BBBA32584A38}"/>
+                <a16:creationId xmlns:a16="http://schemas.microsoft.com/office/drawing/2014/main" id="{5782D47D-B0DC-4C40-BCC6-BBBA32584A38}"/>
               </a:ext>
             </a:extLst>
           </p:cNvPr>
@@ -1184,7 +1195,7 @@
           <a:p>
             <a:fld id="{BAAAC38D-0552-4C82-B593-E6124DFADBE2}" type="datetime1">
               <a:rPr lang="en-US" smtClean="0"/>
-              <a:t>3/9/2021</a:t>
+              <a:t>3/11/2021</a:t>
             </a:fld>
             <a:endParaRPr lang="en-US" dirty="0"/>
           </a:p>
@@ -1195,7 +1206,7 @@
           <p:cNvPr id="9" name="Footer Placeholder 8">
             <a:extLst>
               <a:ext uri="{FF2B5EF4-FFF2-40B4-BE49-F238E27FC236}">
-                <a16:creationId xmlns:a16="http://schemas.microsoft.com/office/drawing/2014/main" xmlns="" id="{4690D34E-7EBD-44B2-83CA-4C126A18D7EF}"/>
+                <a16:creationId xmlns:a16="http://schemas.microsoft.com/office/drawing/2014/main" id="{4690D34E-7EBD-44B2-83CA-4C126A18D7EF}"/>
               </a:ext>
             </a:extLst>
           </p:cNvPr>
@@ -1220,7 +1231,7 @@
           <p:cNvPr id="10" name="Slide Number Placeholder 9">
             <a:extLst>
               <a:ext uri="{FF2B5EF4-FFF2-40B4-BE49-F238E27FC236}">
-                <a16:creationId xmlns:a16="http://schemas.microsoft.com/office/drawing/2014/main" xmlns="" id="{2AC511A1-9BBD-42DE-92FB-2AF44F8E97A9}"/>
+                <a16:creationId xmlns:a16="http://schemas.microsoft.com/office/drawing/2014/main" id="{2AC511A1-9BBD-42DE-92FB-2AF44F8E97A9}"/>
               </a:ext>
             </a:extLst>
           </p:cNvPr>
@@ -1563,7 +1574,7 @@
           <p:cNvPr id="2" name="Date Placeholder 1">
             <a:extLst>
               <a:ext uri="{FF2B5EF4-FFF2-40B4-BE49-F238E27FC236}">
-                <a16:creationId xmlns:a16="http://schemas.microsoft.com/office/drawing/2014/main" xmlns="" id="{8AF8A515-AA94-45D1-9223-5C2272618D85}"/>
+                <a16:creationId xmlns:a16="http://schemas.microsoft.com/office/drawing/2014/main" id="{8AF8A515-AA94-45D1-9223-5C2272618D85}"/>
               </a:ext>
             </a:extLst>
           </p:cNvPr>
@@ -1581,7 +1592,7 @@
           <a:p>
             <a:fld id="{D9DF0F1C-5577-4ACB-BB62-DF8F3C494C7E}" type="datetime1">
               <a:rPr lang="en-US" smtClean="0"/>
-              <a:t>3/9/2021</a:t>
+              <a:t>3/11/2021</a:t>
             </a:fld>
             <a:endParaRPr lang="en-US" dirty="0"/>
           </a:p>
@@ -1592,7 +1603,7 @@
           <p:cNvPr id="11" name="Footer Placeholder 10">
             <a:extLst>
               <a:ext uri="{FF2B5EF4-FFF2-40B4-BE49-F238E27FC236}">
-                <a16:creationId xmlns:a16="http://schemas.microsoft.com/office/drawing/2014/main" xmlns="" id="{D052F5BC-98E0-4D60-AD67-9547738B7DD4}"/>
+                <a16:creationId xmlns:a16="http://schemas.microsoft.com/office/drawing/2014/main" id="{D052F5BC-98E0-4D60-AD67-9547738B7DD4}"/>
               </a:ext>
             </a:extLst>
           </p:cNvPr>
@@ -1617,7 +1628,7 @@
           <p:cNvPr id="12" name="Slide Number Placeholder 11">
             <a:extLst>
               <a:ext uri="{FF2B5EF4-FFF2-40B4-BE49-F238E27FC236}">
-                <a16:creationId xmlns:a16="http://schemas.microsoft.com/office/drawing/2014/main" xmlns="" id="{A38552DC-952E-41EA-AAAF-C2187523C0B0}"/>
+                <a16:creationId xmlns:a16="http://schemas.microsoft.com/office/drawing/2014/main" id="{A38552DC-952E-41EA-AAAF-C2187523C0B0}"/>
               </a:ext>
             </a:extLst>
           </p:cNvPr>
@@ -1699,7 +1710,7 @@
           <p:cNvPr id="6" name="Date Placeholder 5">
             <a:extLst>
               <a:ext uri="{FF2B5EF4-FFF2-40B4-BE49-F238E27FC236}">
-                <a16:creationId xmlns:a16="http://schemas.microsoft.com/office/drawing/2014/main" xmlns="" id="{7392073F-158F-44A3-8913-917AFFC1BC20}"/>
+                <a16:creationId xmlns:a16="http://schemas.microsoft.com/office/drawing/2014/main" id="{7392073F-158F-44A3-8913-917AFFC1BC20}"/>
               </a:ext>
             </a:extLst>
           </p:cNvPr>
@@ -1717,7 +1728,7 @@
           <a:p>
             <a:fld id="{1775B394-D9F9-4F0C-B15D-605F45CB9E9F}" type="datetime1">
               <a:rPr lang="en-US" smtClean="0"/>
-              <a:t>3/9/2021</a:t>
+              <a:t>3/11/2021</a:t>
             </a:fld>
             <a:endParaRPr lang="en-US" dirty="0"/>
           </a:p>
@@ -1728,7 +1739,7 @@
           <p:cNvPr id="7" name="Footer Placeholder 6">
             <a:extLst>
               <a:ext uri="{FF2B5EF4-FFF2-40B4-BE49-F238E27FC236}">
-                <a16:creationId xmlns:a16="http://schemas.microsoft.com/office/drawing/2014/main" xmlns="" id="{EED72207-24CA-42B7-A975-2F8E41CBA904}"/>
+                <a16:creationId xmlns:a16="http://schemas.microsoft.com/office/drawing/2014/main" id="{EED72207-24CA-42B7-A975-2F8E41CBA904}"/>
               </a:ext>
             </a:extLst>
           </p:cNvPr>
@@ -1753,7 +1764,7 @@
           <p:cNvPr id="8" name="Slide Number Placeholder 7">
             <a:extLst>
               <a:ext uri="{FF2B5EF4-FFF2-40B4-BE49-F238E27FC236}">
-                <a16:creationId xmlns:a16="http://schemas.microsoft.com/office/drawing/2014/main" xmlns="" id="{D01080F2-251A-4B88-9A62-16F46D724F83}"/>
+                <a16:creationId xmlns:a16="http://schemas.microsoft.com/office/drawing/2014/main" id="{D01080F2-251A-4B88-9A62-16F46D724F83}"/>
               </a:ext>
             </a:extLst>
           </p:cNvPr>
@@ -1812,7 +1823,7 @@
           <p:cNvPr id="10" name="Rectangle 9">
             <a:extLst>
               <a:ext uri="{FF2B5EF4-FFF2-40B4-BE49-F238E27FC236}">
-                <a16:creationId xmlns:a16="http://schemas.microsoft.com/office/drawing/2014/main" xmlns="" id="{A8E9C91B-7EAD-4562-AB0E-DFB9663AECE3}"/>
+                <a16:creationId xmlns:a16="http://schemas.microsoft.com/office/drawing/2014/main" id="{A8E9C91B-7EAD-4562-AB0E-DFB9663AECE3}"/>
               </a:ext>
             </a:extLst>
           </p:cNvPr>
@@ -1856,7 +1867,7 @@
           <p:cNvPr id="2" name="Date Placeholder 1">
             <a:extLst>
               <a:ext uri="{FF2B5EF4-FFF2-40B4-BE49-F238E27FC236}">
-                <a16:creationId xmlns:a16="http://schemas.microsoft.com/office/drawing/2014/main" xmlns="" id="{94E9223F-721F-47BF-9FD5-0F8D12FF0DE1}"/>
+                <a16:creationId xmlns:a16="http://schemas.microsoft.com/office/drawing/2014/main" id="{94E9223F-721F-47BF-9FD5-0F8D12FF0DE1}"/>
               </a:ext>
             </a:extLst>
           </p:cNvPr>
@@ -1874,7 +1885,7 @@
           <a:p>
             <a:fld id="{39667345-2558-425A-8533-9BFDBCE15005}" type="datetime1">
               <a:rPr lang="en-US" smtClean="0"/>
-              <a:t>3/9/2021</a:t>
+              <a:t>3/11/2021</a:t>
             </a:fld>
             <a:endParaRPr lang="en-US" dirty="0"/>
           </a:p>
@@ -1885,7 +1896,7 @@
           <p:cNvPr id="3" name="Footer Placeholder 2">
             <a:extLst>
               <a:ext uri="{FF2B5EF4-FFF2-40B4-BE49-F238E27FC236}">
-                <a16:creationId xmlns:a16="http://schemas.microsoft.com/office/drawing/2014/main" xmlns="" id="{05915714-6BBA-4593-8591-4E26F7D58D9F}"/>
+                <a16:creationId xmlns:a16="http://schemas.microsoft.com/office/drawing/2014/main" id="{05915714-6BBA-4593-8591-4E26F7D58D9F}"/>
               </a:ext>
             </a:extLst>
           </p:cNvPr>
@@ -1910,7 +1921,7 @@
           <p:cNvPr id="4" name="Slide Number Placeholder 3">
             <a:extLst>
               <a:ext uri="{FF2B5EF4-FFF2-40B4-BE49-F238E27FC236}">
-                <a16:creationId xmlns:a16="http://schemas.microsoft.com/office/drawing/2014/main" xmlns="" id="{BE06F857-D2E1-44DD-ABDD-EBB739645B67}"/>
+                <a16:creationId xmlns:a16="http://schemas.microsoft.com/office/drawing/2014/main" id="{BE06F857-D2E1-44DD-ABDD-EBB739645B67}"/>
               </a:ext>
             </a:extLst>
           </p:cNvPr>
@@ -1969,7 +1980,7 @@
           <p:cNvPr id="8" name="Rectangle 7">
             <a:extLst>
               <a:ext uri="{FF2B5EF4-FFF2-40B4-BE49-F238E27FC236}">
-                <a16:creationId xmlns:a16="http://schemas.microsoft.com/office/drawing/2014/main" xmlns="" id="{16D90D66-BCB9-4229-A829-628874352AC0}"/>
+                <a16:creationId xmlns:a16="http://schemas.microsoft.com/office/drawing/2014/main" id="{16D90D66-BCB9-4229-A829-628874352AC0}"/>
               </a:ext>
             </a:extLst>
           </p:cNvPr>
@@ -2203,7 +2214,7 @@
           <a:p>
             <a:fld id="{92BEA474-078D-4E9B-9B14-09A87B19DC46}" type="datetime1">
               <a:rPr lang="en-US" smtClean="0"/>
-              <a:t>3/9/2021</a:t>
+              <a:t>3/11/2021</a:t>
             </a:fld>
             <a:endParaRPr lang="en-US" dirty="0"/>
           </a:p>
@@ -2308,7 +2319,7 @@
           <p:cNvPr id="8" name="Rectangle 7">
             <a:extLst>
               <a:ext uri="{FF2B5EF4-FFF2-40B4-BE49-F238E27FC236}">
-                <a16:creationId xmlns:a16="http://schemas.microsoft.com/office/drawing/2014/main" xmlns="" id="{DA134939-39C0-4522-A125-A13DFDA66490}"/>
+                <a16:creationId xmlns:a16="http://schemas.microsoft.com/office/drawing/2014/main" id="{DA134939-39C0-4522-A125-A13DFDA66490}"/>
               </a:ext>
             </a:extLst>
           </p:cNvPr>
@@ -2553,7 +2564,7 @@
           <a:p>
             <a:fld id="{4907D986-8816-4272-A432-0437A28A9828}" type="datetime1">
               <a:rPr lang="en-US" smtClean="0"/>
-              <a:t>3/9/2021</a:t>
+              <a:t>3/11/2021</a:t>
             </a:fld>
             <a:endParaRPr lang="en-US" dirty="0"/>
           </a:p>
@@ -2647,7 +2658,7 @@
           <p:cNvPr id="7" name="Rectangle 6">
             <a:extLst>
               <a:ext uri="{FF2B5EF4-FFF2-40B4-BE49-F238E27FC236}">
-                <a16:creationId xmlns:a16="http://schemas.microsoft.com/office/drawing/2014/main" xmlns="" id="{416A0E3C-60E6-4F39-BC55-5F7C224E1F7C}"/>
+                <a16:creationId xmlns:a16="http://schemas.microsoft.com/office/drawing/2014/main" id="{416A0E3C-60E6-4F39-BC55-5F7C224E1F7C}"/>
               </a:ext>
             </a:extLst>
           </p:cNvPr>
@@ -2814,7 +2825,7 @@
           <a:p>
             <a:fld id="{62D6E202-B606-4609-B914-27C9371A1F6D}" type="datetime1">
               <a:rPr lang="en-US" smtClean="0"/>
-              <a:t>3/9/2021</a:t>
+              <a:t>3/11/2021</a:t>
             </a:fld>
             <a:endParaRPr lang="en-US" dirty="0"/>
           </a:p>
@@ -2899,7 +2910,7 @@
           <p:cNvPr id="10" name="Straight Connector 9">
             <a:extLst>
               <a:ext uri="{FF2B5EF4-FFF2-40B4-BE49-F238E27FC236}">
-                <a16:creationId xmlns:a16="http://schemas.microsoft.com/office/drawing/2014/main" xmlns="" id="{C5025DAC-8B93-4160-B017-3A274A5828C0}"/>
+                <a16:creationId xmlns:a16="http://schemas.microsoft.com/office/drawing/2014/main" id="{C5025DAC-8B93-4160-B017-3A274A5828C0}"/>
               </a:ext>
             </a:extLst>
           </p:cNvPr>
@@ -3348,10 +3359,10 @@
           <p:cNvPr id="28" name="Rectangle 27">
             <a:extLst>
               <a:ext uri="{FF2B5EF4-FFF2-40B4-BE49-F238E27FC236}">
-                <a16:creationId xmlns:a16="http://schemas.microsoft.com/office/drawing/2014/main" xmlns="" id="{2FDF0794-1B86-42B2-B8C7-F60123E638ED}"/>
+                <a16:creationId xmlns:a16="http://schemas.microsoft.com/office/drawing/2014/main" id="{2FDF0794-1B86-42B2-B8C7-F60123E638ED}"/>
               </a:ext>
               <a:ext uri="{C183D7F6-B498-43B3-948B-1728B52AA6E4}">
-                <adec:decorative xmlns:adec="http://schemas.microsoft.com/office/drawing/2017/decorative" xmlns="" val="1"/>
+                <adec:decorative xmlns:adec="http://schemas.microsoft.com/office/drawing/2017/decorative" val="1"/>
               </a:ext>
             </a:extLst>
           </p:cNvPr>
@@ -3361,7 +3372,7 @@
           <p:nvPr>
             <p:extLst>
               <p:ext uri="{386F3935-93C4-4BCD-93E2-E3B085C9AB24}">
-                <p16:designElem xmlns:p16="http://schemas.microsoft.com/office/powerpoint/2015/main" xmlns="" val="1"/>
+                <p16:designElem xmlns:p16="http://schemas.microsoft.com/office/powerpoint/2015/main" val="1"/>
               </p:ext>
             </p:extLst>
           </p:nvPr>
@@ -3440,10 +3451,10 @@
           <p:cNvPr id="5" name="Picture 4">
             <a:extLst>
               <a:ext uri="{FF2B5EF4-FFF2-40B4-BE49-F238E27FC236}">
-                <a16:creationId xmlns:a16="http://schemas.microsoft.com/office/drawing/2014/main" xmlns="" id="{1FD526C9-A8C7-41E6-85BB-39F06C858A2B}"/>
+                <a16:creationId xmlns:a16="http://schemas.microsoft.com/office/drawing/2014/main" id="{1FD526C9-A8C7-41E6-85BB-39F06C858A2B}"/>
               </a:ext>
               <a:ext uri="{C183D7F6-B498-43B3-948B-1728B52AA6E4}">
-                <adec:decorative xmlns:adec="http://schemas.microsoft.com/office/drawing/2017/decorative" xmlns="" val="1"/>
+                <adec:decorative xmlns:adec="http://schemas.microsoft.com/office/drawing/2017/decorative" val="1"/>
               </a:ext>
             </a:extLst>
           </p:cNvPr>
@@ -3478,10 +3489,10 @@
           <p:cNvPr id="30" name="Rectangle 29">
             <a:extLst>
               <a:ext uri="{FF2B5EF4-FFF2-40B4-BE49-F238E27FC236}">
-                <a16:creationId xmlns:a16="http://schemas.microsoft.com/office/drawing/2014/main" xmlns="" id="{C5373426-E26E-431D-959C-5DB96C0B6208}"/>
+                <a16:creationId xmlns:a16="http://schemas.microsoft.com/office/drawing/2014/main" id="{C5373426-E26E-431D-959C-5DB96C0B6208}"/>
               </a:ext>
               <a:ext uri="{C183D7F6-B498-43B3-948B-1728B52AA6E4}">
-                <adec:decorative xmlns:adec="http://schemas.microsoft.com/office/drawing/2017/decorative" xmlns="" val="1"/>
+                <adec:decorative xmlns:adec="http://schemas.microsoft.com/office/drawing/2017/decorative" val="1"/>
               </a:ext>
             </a:extLst>
           </p:cNvPr>
@@ -3491,7 +3502,7 @@
           <p:nvPr>
             <p:extLst>
               <p:ext uri="{386F3935-93C4-4BCD-93E2-E3B085C9AB24}">
-                <p16:designElem xmlns:p16="http://schemas.microsoft.com/office/powerpoint/2015/main" xmlns="" val="1"/>
+                <p16:designElem xmlns:p16="http://schemas.microsoft.com/office/powerpoint/2015/main" val="1"/>
               </p:ext>
             </p:extLst>
           </p:nvPr>
@@ -3572,7 +3583,7 @@
           <p:cNvPr id="2" name="Title 1">
             <a:extLst>
               <a:ext uri="{FF2B5EF4-FFF2-40B4-BE49-F238E27FC236}">
-                <a16:creationId xmlns:a16="http://schemas.microsoft.com/office/drawing/2014/main" xmlns="" id="{9AB2EA78-AEB3-469B-9025-3B17201A457B}"/>
+                <a16:creationId xmlns:a16="http://schemas.microsoft.com/office/drawing/2014/main" id="{9AB2EA78-AEB3-469B-9025-3B17201A457B}"/>
               </a:ext>
             </a:extLst>
           </p:cNvPr>
@@ -3616,7 +3627,7 @@
           <p:cNvPr id="3" name="Subtitle 2">
             <a:extLst>
               <a:ext uri="{FF2B5EF4-FFF2-40B4-BE49-F238E27FC236}">
-                <a16:creationId xmlns:a16="http://schemas.microsoft.com/office/drawing/2014/main" xmlns="" id="{255E1F2F-E259-4EA8-9FFD-3A10AF541859}"/>
+                <a16:creationId xmlns:a16="http://schemas.microsoft.com/office/drawing/2014/main" id="{255E1F2F-E259-4EA8-9FFD-3A10AF541859}"/>
               </a:ext>
             </a:extLst>
           </p:cNvPr>
@@ -3657,10 +3668,10 @@
           <p:cNvPr id="32" name="Straight Connector 31">
             <a:extLst>
               <a:ext uri="{FF2B5EF4-FFF2-40B4-BE49-F238E27FC236}">
-                <a16:creationId xmlns:a16="http://schemas.microsoft.com/office/drawing/2014/main" xmlns="" id="{96D07482-83A3-4451-943C-B46961082957}"/>
+                <a16:creationId xmlns:a16="http://schemas.microsoft.com/office/drawing/2014/main" id="{96D07482-83A3-4451-943C-B46961082957}"/>
               </a:ext>
               <a:ext uri="{C183D7F6-B498-43B3-948B-1728B52AA6E4}">
-                <adec:decorative xmlns:adec="http://schemas.microsoft.com/office/drawing/2017/decorative" xmlns="" val="1"/>
+                <adec:decorative xmlns:adec="http://schemas.microsoft.com/office/drawing/2017/decorative" val="1"/>
               </a:ext>
             </a:extLst>
           </p:cNvPr>
@@ -3670,7 +3681,7 @@
           <p:nvPr>
             <p:extLst>
               <p:ext uri="{386F3935-93C4-4BCD-93E2-E3B085C9AB24}">
-                <p16:designElem xmlns:p16="http://schemas.microsoft.com/office/powerpoint/2015/main" xmlns="" val="1"/>
+                <p16:designElem xmlns:p16="http://schemas.microsoft.com/office/powerpoint/2015/main" val="1"/>
               </p:ext>
             </p:extLst>
           </p:nvPr>
@@ -3709,10 +3720,10 @@
           <p:cNvPr id="34" name="Rectangle 33">
             <a:extLst>
               <a:ext uri="{FF2B5EF4-FFF2-40B4-BE49-F238E27FC236}">
-                <a16:creationId xmlns:a16="http://schemas.microsoft.com/office/drawing/2014/main" xmlns="" id="{EDC90921-9082-491B-940E-827D679F3478}"/>
+                <a16:creationId xmlns:a16="http://schemas.microsoft.com/office/drawing/2014/main" id="{EDC90921-9082-491B-940E-827D679F3478}"/>
               </a:ext>
               <a:ext uri="{C183D7F6-B498-43B3-948B-1728B52AA6E4}">
-                <adec:decorative xmlns:adec="http://schemas.microsoft.com/office/drawing/2017/decorative" xmlns="" val="1"/>
+                <adec:decorative xmlns:adec="http://schemas.microsoft.com/office/drawing/2017/decorative" val="1"/>
               </a:ext>
             </a:extLst>
           </p:cNvPr>
@@ -3722,7 +3733,7 @@
           <p:nvPr>
             <p:extLst>
               <p:ext uri="{386F3935-93C4-4BCD-93E2-E3B085C9AB24}">
-                <p16:designElem xmlns:p16="http://schemas.microsoft.com/office/powerpoint/2015/main" xmlns="" val="1"/>
+                <p16:designElem xmlns:p16="http://schemas.microsoft.com/office/powerpoint/2015/main" val="1"/>
               </p:ext>
             </p:extLst>
           </p:nvPr>
@@ -3796,7 +3807,7 @@
           <p:cNvPr id="2" name="Title 1">
             <a:extLst>
               <a:ext uri="{FF2B5EF4-FFF2-40B4-BE49-F238E27FC236}">
-                <a16:creationId xmlns:a16="http://schemas.microsoft.com/office/drawing/2014/main" xmlns="" id="{00D0D80C-D72C-42F7-884D-3A6024EE5CE2}"/>
+                <a16:creationId xmlns:a16="http://schemas.microsoft.com/office/drawing/2014/main" id="{00D0D80C-D72C-42F7-884D-3A6024EE5CE2}"/>
               </a:ext>
             </a:extLst>
           </p:cNvPr>
@@ -3824,7 +3835,7 @@
           <p:cNvPr id="5" name="Picture 4">
             <a:extLst>
               <a:ext uri="{FF2B5EF4-FFF2-40B4-BE49-F238E27FC236}">
-                <a16:creationId xmlns:a16="http://schemas.microsoft.com/office/drawing/2014/main" xmlns="" id="{54E59EBF-5A3C-49BE-8D43-0B27A1571623}"/>
+                <a16:creationId xmlns:a16="http://schemas.microsoft.com/office/drawing/2014/main" id="{54E59EBF-5A3C-49BE-8D43-0B27A1571623}"/>
               </a:ext>
             </a:extLst>
           </p:cNvPr>
@@ -3884,7 +3895,7 @@
           <p:cNvPr id="2" name="Title 1">
             <a:extLst>
               <a:ext uri="{FF2B5EF4-FFF2-40B4-BE49-F238E27FC236}">
-                <a16:creationId xmlns:a16="http://schemas.microsoft.com/office/drawing/2014/main" xmlns="" id="{675CFA7F-9BE1-497B-8401-6B66EB28EED5}"/>
+                <a16:creationId xmlns:a16="http://schemas.microsoft.com/office/drawing/2014/main" id="{675CFA7F-9BE1-497B-8401-6B66EB28EED5}"/>
               </a:ext>
             </a:extLst>
           </p:cNvPr>
@@ -4198,7 +4209,7 @@
           <p:cNvPr id="2" name="Title 1">
             <a:extLst>
               <a:ext uri="{FF2B5EF4-FFF2-40B4-BE49-F238E27FC236}">
-                <a16:creationId xmlns:a16="http://schemas.microsoft.com/office/drawing/2014/main" xmlns="" id="{675CFA7F-9BE1-497B-8401-6B66EB28EED5}"/>
+                <a16:creationId xmlns:a16="http://schemas.microsoft.com/office/drawing/2014/main" id="{675CFA7F-9BE1-497B-8401-6B66EB28EED5}"/>
               </a:ext>
             </a:extLst>
           </p:cNvPr>
@@ -4215,10 +4226,9 @@
           <a:lstStyle/>
           <a:p>
             <a:r>
-              <a:rPr lang="pl-PL" dirty="0" smtClean="0"/>
+              <a:rPr lang="pl-PL" dirty="0"/>
               <a:t>Sprint #1</a:t>
             </a:r>
-            <a:endParaRPr lang="pl-PL" dirty="0"/>
           </a:p>
         </p:txBody>
       </p:sp>
@@ -4227,7 +4237,7 @@
           <p:cNvPr id="3" name="Content Placeholder 2">
             <a:extLst>
               <a:ext uri="{FF2B5EF4-FFF2-40B4-BE49-F238E27FC236}">
-                <a16:creationId xmlns:a16="http://schemas.microsoft.com/office/drawing/2014/main" xmlns="" id="{8811DC91-F556-4820-AE6D-D8189A67BD10}"/>
+                <a16:creationId xmlns:a16="http://schemas.microsoft.com/office/drawing/2014/main" id="{8811DC91-F556-4820-AE6D-D8189A67BD10}"/>
               </a:ext>
             </a:extLst>
           </p:cNvPr>
@@ -4285,11 +4295,7 @@
             </a:pPr>
             <a:r>
               <a:rPr lang="pl-PL" dirty="0"/>
-              <a:t> Zapoznanie się z technologiami: React, Django – Zespół </a:t>
-            </a:r>
-            <a:r>
-              <a:rPr lang="pl-PL" dirty="0" smtClean="0"/>
-              <a:t>Deweloperski</a:t>
+              <a:t> Zapoznanie się z technologiami: React, Django – Zespół Deweloperski</a:t>
             </a:r>
           </a:p>
           <a:p>
@@ -4302,11 +4308,15 @@
             </a:pPr>
             <a:r>
               <a:rPr lang="pl-PL" dirty="0"/>
-              <a:t> Utworzenie szkieletu serwera – Bartosz Kosmala, Jordan </a:t>
-            </a:r>
-            <a:r>
-              <a:rPr lang="pl-PL" dirty="0" smtClean="0"/>
-              <a:t>Kondracki</a:t>
+              <a:t> Utworzenie szkieletu serwera – Hubert </a:t>
+            </a:r>
+            <a:r>
+              <a:rPr lang="pl-PL" dirty="0" err="1"/>
+              <a:t>Knioła</a:t>
+            </a:r>
+            <a:r>
+              <a:rPr lang="pl-PL" dirty="0"/>
+              <a:t>, Jordan Kondracki</a:t>
             </a:r>
           </a:p>
           <a:p>
@@ -4318,18 +4328,14 @@
             </a:pPr>
             <a:r>
               <a:rPr lang="pl-PL" dirty="0"/>
-              <a:t>	</a:t>
-            </a:r>
-            <a:r>
-              <a:rPr lang="pl-PL" dirty="0" smtClean="0"/>
-              <a:t>→ Stworzenie prostej aplikacji typu „hello </a:t>
-            </a:r>
-            <a:r>
-              <a:rPr lang="pl-PL" dirty="0" err="1" smtClean="0"/>
+              <a:t>	→ Stworzenie prostej aplikacji typu „hello </a:t>
+            </a:r>
+            <a:r>
+              <a:rPr lang="pl-PL" dirty="0" err="1"/>
               <a:t>world</a:t>
             </a:r>
             <a:r>
-              <a:rPr lang="pl-PL" dirty="0" smtClean="0"/>
+              <a:rPr lang="pl-PL" dirty="0"/>
               <a:t>” hostującej stronę internetową </a:t>
             </a:r>
           </a:p>
@@ -4342,16 +4348,8 @@
               <a:buChar char="v"/>
             </a:pPr>
             <a:r>
-              <a:rPr lang="pl-PL" dirty="0" smtClean="0"/>
-              <a:t> Utworzenie szablonu aplikacji internetowej – Hubert </a:t>
-            </a:r>
-            <a:r>
-              <a:rPr lang="pl-PL" dirty="0" err="1" smtClean="0"/>
-              <a:t>Knioła</a:t>
-            </a:r>
-            <a:r>
-              <a:rPr lang="pl-PL" dirty="0" smtClean="0"/>
-              <a:t>, Mateusz Kuźniak</a:t>
+              <a:rPr lang="pl-PL" dirty="0"/>
+              <a:t> Utworzenie szablonu aplikacji internetowej – Bartosz Kosmala, Mateusz Kuźniak</a:t>
             </a:r>
           </a:p>
           <a:p>
@@ -4362,10 +4360,9 @@
               <a:buNone/>
             </a:pPr>
             <a:r>
-              <a:rPr lang="pl-PL" dirty="0" smtClean="0"/>
+              <a:rPr lang="pl-PL" dirty="0"/>
               <a:t>	→ Stworzenie pierwszej wersji strony internetowej dostępnej dla użytkownika</a:t>
             </a:r>
-            <a:endParaRPr lang="pl-PL" dirty="0"/>
           </a:p>
           <a:p>
             <a:pPr lvl="2">
@@ -4414,7 +4411,7 @@
           <p:cNvPr id="2" name="Title 1">
             <a:extLst>
               <a:ext uri="{FF2B5EF4-FFF2-40B4-BE49-F238E27FC236}">
-                <a16:creationId xmlns:a16="http://schemas.microsoft.com/office/drawing/2014/main" xmlns="" id="{8704892D-3CCF-42FB-8026-442BE1251E14}"/>
+                <a16:creationId xmlns:a16="http://schemas.microsoft.com/office/drawing/2014/main" id="{8704892D-3CCF-42FB-8026-442BE1251E14}"/>
               </a:ext>
             </a:extLst>
           </p:cNvPr>
@@ -4442,7 +4439,7 @@
           <p:cNvPr id="3" name="Text Placeholder 2">
             <a:extLst>
               <a:ext uri="{FF2B5EF4-FFF2-40B4-BE49-F238E27FC236}">
-                <a16:creationId xmlns:a16="http://schemas.microsoft.com/office/drawing/2014/main" xmlns="" id="{326018B5-A2F6-4375-9B25-CEA213205E0A}"/>
+                <a16:creationId xmlns:a16="http://schemas.microsoft.com/office/drawing/2014/main" id="{326018B5-A2F6-4375-9B25-CEA213205E0A}"/>
               </a:ext>
             </a:extLst>
           </p:cNvPr>
@@ -4470,7 +4467,7 @@
           <p:cNvPr id="4" name="Content Placeholder 3">
             <a:extLst>
               <a:ext uri="{FF2B5EF4-FFF2-40B4-BE49-F238E27FC236}">
-                <a16:creationId xmlns:a16="http://schemas.microsoft.com/office/drawing/2014/main" xmlns="" id="{843981DE-EC92-4FE1-9DA4-A8C755B68B35}"/>
+                <a16:creationId xmlns:a16="http://schemas.microsoft.com/office/drawing/2014/main" id="{843981DE-EC92-4FE1-9DA4-A8C755B68B35}"/>
               </a:ext>
             </a:extLst>
           </p:cNvPr>
@@ -4492,11 +4489,7 @@
             </a:pPr>
             <a:r>
               <a:rPr lang="pl-PL" dirty="0"/>
-              <a:t> Czy użytkownik ma dostęp do serwisu</a:t>
-            </a:r>
-            <a:r>
-              <a:rPr lang="pl-PL" dirty="0" smtClean="0"/>
-              <a:t>?</a:t>
+              <a:t> Czy użytkownik ma dostęp do serwisu?</a:t>
             </a:r>
           </a:p>
           <a:p>
@@ -4505,13 +4498,8 @@
             </a:pPr>
             <a:r>
               <a:rPr lang="pl-PL" dirty="0"/>
-              <a:t>	</a:t>
-            </a:r>
-            <a:r>
-              <a:rPr lang="pl-PL" dirty="0" smtClean="0"/>
-              <a:t>→ Czy serwer poprawnie udostępnia 	stronę internetową systemu? </a:t>
-            </a:r>
-            <a:endParaRPr lang="pl-PL" dirty="0"/>
+              <a:t>	→ Czy serwer poprawnie udostępnia 	stronę internetową systemu? </a:t>
+            </a:r>
           </a:p>
           <a:p>
             <a:pPr>
@@ -4520,11 +4508,7 @@
             </a:pPr>
             <a:r>
               <a:rPr lang="pl-PL" dirty="0"/>
-              <a:t> Czy użytkownik widzi szkielet serwisu</a:t>
-            </a:r>
-            <a:r>
-              <a:rPr lang="pl-PL" dirty="0" smtClean="0"/>
-              <a:t>?</a:t>
+              <a:t> Czy użytkownik widzi szkielet serwisu?</a:t>
             </a:r>
           </a:p>
           <a:p>
@@ -4533,13 +4517,8 @@
             </a:pPr>
             <a:r>
               <a:rPr lang="pl-PL" dirty="0"/>
-              <a:t>	</a:t>
-            </a:r>
-            <a:r>
-              <a:rPr lang="pl-PL" dirty="0" smtClean="0"/>
-              <a:t>→ Czy wszystkie elementy strony 	internetowej systemu są załadowane 	poprawnie?</a:t>
-            </a:r>
-            <a:endParaRPr lang="pl-PL" dirty="0"/>
+              <a:t>	→ Czy wszystkie elementy strony 	internetowej systemu są załadowane 	poprawnie?</a:t>
+            </a:r>
           </a:p>
         </p:txBody>
       </p:sp>
@@ -4548,7 +4527,7 @@
           <p:cNvPr id="5" name="Text Placeholder 4">
             <a:extLst>
               <a:ext uri="{FF2B5EF4-FFF2-40B4-BE49-F238E27FC236}">
-                <a16:creationId xmlns:a16="http://schemas.microsoft.com/office/drawing/2014/main" xmlns="" id="{99038665-3493-4295-9A1C-F5A3B73161E1}"/>
+                <a16:creationId xmlns:a16="http://schemas.microsoft.com/office/drawing/2014/main" id="{99038665-3493-4295-9A1C-F5A3B73161E1}"/>
               </a:ext>
             </a:extLst>
           </p:cNvPr>
@@ -4576,7 +4555,7 @@
           <p:cNvPr id="6" name="Content Placeholder 5">
             <a:extLst>
               <a:ext uri="{FF2B5EF4-FFF2-40B4-BE49-F238E27FC236}">
-                <a16:creationId xmlns:a16="http://schemas.microsoft.com/office/drawing/2014/main" xmlns="" id="{39365FAF-7478-4D2E-9EB5-C3B6890E711F}"/>
+                <a16:creationId xmlns:a16="http://schemas.microsoft.com/office/drawing/2014/main" id="{39365FAF-7478-4D2E-9EB5-C3B6890E711F}"/>
               </a:ext>
             </a:extLst>
           </p:cNvPr>
@@ -4648,7 +4627,7 @@
           <p:cNvPr id="2" name="Title 1">
             <a:extLst>
               <a:ext uri="{FF2B5EF4-FFF2-40B4-BE49-F238E27FC236}">
-                <a16:creationId xmlns:a16="http://schemas.microsoft.com/office/drawing/2014/main" xmlns="" id="{3B54183E-F1ED-4405-B789-2870147FFD7A}"/>
+                <a16:creationId xmlns:a16="http://schemas.microsoft.com/office/drawing/2014/main" id="{3B54183E-F1ED-4405-B789-2870147FFD7A}"/>
               </a:ext>
             </a:extLst>
           </p:cNvPr>
@@ -4676,7 +4655,7 @@
           <p:cNvPr id="3" name="Content Placeholder 2">
             <a:extLst>
               <a:ext uri="{FF2B5EF4-FFF2-40B4-BE49-F238E27FC236}">
-                <a16:creationId xmlns:a16="http://schemas.microsoft.com/office/drawing/2014/main" xmlns="" id="{87C604A4-B40A-44C0-B0A5-08EC9C13E5AB}"/>
+                <a16:creationId xmlns:a16="http://schemas.microsoft.com/office/drawing/2014/main" id="{87C604A4-B40A-44C0-B0A5-08EC9C13E5AB}"/>
               </a:ext>
             </a:extLst>
           </p:cNvPr>
@@ -4701,37 +4680,8 @@
                   <a:schemeClr val="accent1"/>
                 </a:solidFill>
               </a:rPr>
-              <a:t>Internetowa platforma </a:t>
-            </a:r>
-            <a:r>
-              <a:rPr lang="pl-PL" sz="2400" b="1" dirty="0" smtClean="0">
-                <a:solidFill>
-                  <a:schemeClr val="accent1"/>
-                </a:solidFill>
-              </a:rPr>
-              <a:t>do przeprowadzania testów online na </a:t>
-            </a:r>
-            <a:r>
-              <a:rPr lang="pl-PL" sz="2400" b="1" dirty="0">
-                <a:solidFill>
-                  <a:schemeClr val="accent1"/>
-                </a:solidFill>
-              </a:rPr>
-              <a:t>wszystkich poziomach </a:t>
-            </a:r>
-            <a:r>
-              <a:rPr lang="pl-PL" sz="2400" b="1" dirty="0" smtClean="0">
-                <a:solidFill>
-                  <a:schemeClr val="accent1"/>
-                </a:solidFill>
-              </a:rPr>
-              <a:t>edukacji</a:t>
-            </a:r>
-            <a:endParaRPr lang="pl-PL" sz="2400" b="1" dirty="0">
-              <a:solidFill>
-                <a:schemeClr val="accent1"/>
-              </a:solidFill>
-            </a:endParaRPr>
+              <a:t>Internetowa platforma do przeprowadzania testów online na wszystkich poziomach edukacji</a:t>
+            </a:r>
           </a:p>
         </p:txBody>
       </p:sp>
@@ -4770,7 +4720,7 @@
           <p:cNvPr id="2" name="Title 1">
             <a:extLst>
               <a:ext uri="{FF2B5EF4-FFF2-40B4-BE49-F238E27FC236}">
-                <a16:creationId xmlns:a16="http://schemas.microsoft.com/office/drawing/2014/main" xmlns="" id="{8C87D081-059E-4E33-B42F-5672107ADB77}"/>
+                <a16:creationId xmlns:a16="http://schemas.microsoft.com/office/drawing/2014/main" id="{8C87D081-059E-4E33-B42F-5672107ADB77}"/>
               </a:ext>
             </a:extLst>
           </p:cNvPr>
@@ -4798,7 +4748,7 @@
           <p:cNvPr id="3" name="Content Placeholder 2">
             <a:extLst>
               <a:ext uri="{FF2B5EF4-FFF2-40B4-BE49-F238E27FC236}">
-                <a16:creationId xmlns:a16="http://schemas.microsoft.com/office/drawing/2014/main" xmlns="" id="{B63691A6-1B92-4184-B714-F0AB503ACC42}"/>
+                <a16:creationId xmlns:a16="http://schemas.microsoft.com/office/drawing/2014/main" id="{B63691A6-1B92-4184-B714-F0AB503ACC42}"/>
               </a:ext>
             </a:extLst>
           </p:cNvPr>
@@ -4820,13 +4770,8 @@
             </a:pPr>
             <a:r>
               <a:rPr lang="pl-PL" dirty="0"/>
-              <a:t> Weryfikacja postępów </a:t>
-            </a:r>
-            <a:r>
-              <a:rPr lang="pl-PL" dirty="0" smtClean="0"/>
-              <a:t>w nauce zdalnej jest wyzwaniem</a:t>
-            </a:r>
-            <a:endParaRPr lang="pl-PL" dirty="0"/>
+              <a:t> Usprawnienie i ułatwienie weryfikacji postępów w nauce</a:t>
+            </a:r>
           </a:p>
           <a:p>
             <a:pPr>
@@ -4865,7 +4810,7 @@
           <p:cNvPr id="5" name="Picture 4">
             <a:extLst>
               <a:ext uri="{FF2B5EF4-FFF2-40B4-BE49-F238E27FC236}">
-                <a16:creationId xmlns:a16="http://schemas.microsoft.com/office/drawing/2014/main" xmlns="" id="{BCD00E4C-98B8-426E-A7C1-65823E0F3158}"/>
+                <a16:creationId xmlns:a16="http://schemas.microsoft.com/office/drawing/2014/main" id="{BCD00E4C-98B8-426E-A7C1-65823E0F3158}"/>
               </a:ext>
             </a:extLst>
           </p:cNvPr>
@@ -4955,7 +4900,7 @@
           <p:cNvPr id="2" name="Title 1">
             <a:extLst>
               <a:ext uri="{FF2B5EF4-FFF2-40B4-BE49-F238E27FC236}">
-                <a16:creationId xmlns:a16="http://schemas.microsoft.com/office/drawing/2014/main" xmlns="" id="{FA9A14CD-3FAC-4FCA-9265-397ADD9CC418}"/>
+                <a16:creationId xmlns:a16="http://schemas.microsoft.com/office/drawing/2014/main" id="{FA9A14CD-3FAC-4FCA-9265-397ADD9CC418}"/>
               </a:ext>
             </a:extLst>
           </p:cNvPr>
@@ -4972,10 +4917,9 @@
           <a:lstStyle/>
           <a:p>
             <a:r>
-              <a:rPr lang="pl-PL" dirty="0" smtClean="0"/>
+              <a:rPr lang="pl-PL" dirty="0"/>
               <a:t>Wymagania funkcjonalne</a:t>
             </a:r>
-            <a:endParaRPr lang="pl-PL" dirty="0"/>
           </a:p>
         </p:txBody>
       </p:sp>
@@ -4984,7 +4928,7 @@
           <p:cNvPr id="4" name="Content Placeholder 3">
             <a:extLst>
               <a:ext uri="{FF2B5EF4-FFF2-40B4-BE49-F238E27FC236}">
-                <a16:creationId xmlns:a16="http://schemas.microsoft.com/office/drawing/2014/main" xmlns="" id="{F2B61D2E-05F4-438A-B825-DBD7C8854DE2}"/>
+                <a16:creationId xmlns:a16="http://schemas.microsoft.com/office/drawing/2014/main" id="{F2B61D2E-05F4-438A-B825-DBD7C8854DE2}"/>
               </a:ext>
             </a:extLst>
           </p:cNvPr>
@@ -5012,7 +4956,7 @@
               <a:buChar char="v"/>
             </a:pPr>
             <a:r>
-              <a:rPr lang="pl-PL" dirty="0" smtClean="0"/>
+              <a:rPr lang="pl-PL" dirty="0"/>
               <a:t> Rejestracja konta</a:t>
             </a:r>
           </a:p>
@@ -5023,13 +4967,8 @@
             </a:pPr>
             <a:r>
               <a:rPr lang="pl-PL" dirty="0"/>
-              <a:t> </a:t>
-            </a:r>
-            <a:r>
-              <a:rPr lang="pl-PL" dirty="0" smtClean="0"/>
-              <a:t>Dodawanie pytań do testu</a:t>
-            </a:r>
-            <a:endParaRPr lang="pl-PL" dirty="0" smtClean="0"/>
+              <a:t> Dodawanie pytań do testu</a:t>
+            </a:r>
           </a:p>
           <a:p>
             <a:pPr>
@@ -5037,10 +4976,9 @@
               <a:buChar char="v"/>
             </a:pPr>
             <a:r>
-              <a:rPr lang="pl-PL" dirty="0" smtClean="0"/>
+              <a:rPr lang="pl-PL" dirty="0"/>
               <a:t> Tworzenie testów </a:t>
             </a:r>
-            <a:endParaRPr lang="pl-PL" dirty="0"/>
           </a:p>
           <a:p>
             <a:pPr>
@@ -5049,11 +4987,7 @@
             </a:pPr>
             <a:r>
               <a:rPr lang="pl-PL" dirty="0"/>
-              <a:t> </a:t>
-            </a:r>
-            <a:r>
-              <a:rPr lang="pl-PL" dirty="0" smtClean="0"/>
-              <a:t>Wypełnianie testów</a:t>
+              <a:t> Wypełnianie testów</a:t>
             </a:r>
           </a:p>
           <a:p>
@@ -5062,7 +4996,7 @@
               <a:buChar char="v"/>
             </a:pPr>
             <a:r>
-              <a:rPr lang="pl-PL" dirty="0" smtClean="0"/>
+              <a:rPr lang="pl-PL" dirty="0"/>
               <a:t> Sprawdzanie testów</a:t>
             </a:r>
           </a:p>
@@ -5072,7 +5006,7 @@
               <a:buChar char="v"/>
             </a:pPr>
             <a:r>
-              <a:rPr lang="pl-PL" dirty="0" smtClean="0"/>
+              <a:rPr lang="pl-PL" dirty="0"/>
               <a:t> Punktowanie odpowiedzi </a:t>
             </a:r>
           </a:p>
@@ -5083,11 +5017,7 @@
             </a:pPr>
             <a:r>
               <a:rPr lang="pl-PL" dirty="0"/>
-              <a:t> </a:t>
-            </a:r>
-            <a:r>
-              <a:rPr lang="pl-PL" dirty="0" smtClean="0"/>
-              <a:t>Komentowanie odpowiedzi</a:t>
+              <a:t> Komentowanie odpowiedzi</a:t>
             </a:r>
           </a:p>
         </p:txBody>
@@ -5097,7 +5027,7 @@
           <p:cNvPr id="9" name="Content Placeholder 3">
             <a:extLst>
               <a:ext uri="{FF2B5EF4-FFF2-40B4-BE49-F238E27FC236}">
-                <a16:creationId xmlns:a16="http://schemas.microsoft.com/office/drawing/2014/main" xmlns="" id="{F2B61D2E-05F4-438A-B825-DBD7C8854DE2}"/>
+                <a16:creationId xmlns:a16="http://schemas.microsoft.com/office/drawing/2014/main" id="{F2B61D2E-05F4-438A-B825-DBD7C8854DE2}"/>
               </a:ext>
             </a:extLst>
           </p:cNvPr>
@@ -5363,16 +5293,8 @@
               <a:buChar char="v"/>
             </a:pPr>
             <a:r>
-              <a:rPr lang="pl-PL" dirty="0" smtClean="0"/>
-              <a:t> Raportowanie </a:t>
-            </a:r>
-            <a:r>
               <a:rPr lang="pl-PL" dirty="0"/>
-              <a:t>wyników </a:t>
-            </a:r>
-            <a:r>
-              <a:rPr lang="pl-PL" dirty="0" smtClean="0"/>
-              <a:t>testu</a:t>
+              <a:t> Raportowanie wyników testu</a:t>
             </a:r>
           </a:p>
           <a:p>
@@ -5381,7 +5303,7 @@
               <a:buChar char="v"/>
             </a:pPr>
             <a:r>
-              <a:rPr lang="pl-PL" dirty="0" smtClean="0"/>
+              <a:rPr lang="pl-PL" dirty="0"/>
               <a:t> Udostępnianie wyników </a:t>
             </a:r>
           </a:p>
@@ -5392,11 +5314,7 @@
             </a:pPr>
             <a:r>
               <a:rPr lang="pl-PL" dirty="0"/>
-              <a:t> </a:t>
-            </a:r>
-            <a:r>
-              <a:rPr lang="pl-PL" dirty="0" smtClean="0"/>
-              <a:t>Tworzenie grup uczniów</a:t>
+              <a:t> Tworzenie grup uczniów</a:t>
             </a:r>
           </a:p>
           <a:p>
@@ -5406,11 +5324,7 @@
             </a:pPr>
             <a:r>
               <a:rPr lang="pl-PL" dirty="0"/>
-              <a:t> </a:t>
-            </a:r>
-            <a:r>
-              <a:rPr lang="pl-PL" dirty="0" smtClean="0"/>
-              <a:t>Tworzenie grup nauczycieli</a:t>
+              <a:t> Tworzenie grup nauczycieli</a:t>
             </a:r>
           </a:p>
           <a:p>
@@ -5420,11 +5334,7 @@
             </a:pPr>
             <a:r>
               <a:rPr lang="pl-PL" dirty="0"/>
-              <a:t> </a:t>
-            </a:r>
-            <a:r>
-              <a:rPr lang="pl-PL" dirty="0" smtClean="0"/>
-              <a:t>Możliwość administrowania testów</a:t>
+              <a:t> Możliwość administrowania testów</a:t>
             </a:r>
           </a:p>
           <a:p>
@@ -5434,11 +5344,7 @@
             </a:pPr>
             <a:r>
               <a:rPr lang="pl-PL" dirty="0"/>
-              <a:t> </a:t>
-            </a:r>
-            <a:r>
-              <a:rPr lang="pl-PL" dirty="0" smtClean="0"/>
-              <a:t>Zapraszanie uczniów do rozwiązania testu</a:t>
+              <a:t> Zapraszanie uczniów do rozwiązania testu</a:t>
             </a:r>
           </a:p>
           <a:p>
@@ -5485,7 +5391,7 @@
           <p:cNvPr id="2" name="Title 1">
             <a:extLst>
               <a:ext uri="{FF2B5EF4-FFF2-40B4-BE49-F238E27FC236}">
-                <a16:creationId xmlns:a16="http://schemas.microsoft.com/office/drawing/2014/main" xmlns="" id="{FA9A14CD-3FAC-4FCA-9265-397ADD9CC418}"/>
+                <a16:creationId xmlns:a16="http://schemas.microsoft.com/office/drawing/2014/main" id="{FA9A14CD-3FAC-4FCA-9265-397ADD9CC418}"/>
               </a:ext>
             </a:extLst>
           </p:cNvPr>
@@ -5502,11 +5408,11 @@
           <a:lstStyle/>
           <a:p>
             <a:r>
-              <a:rPr lang="pl-PL" dirty="0" smtClean="0"/>
+              <a:rPr lang="pl-PL" dirty="0"/>
               <a:t>Wymagania </a:t>
             </a:r>
             <a:r>
-              <a:rPr lang="pl-PL" dirty="0" err="1" smtClean="0"/>
+              <a:rPr lang="pl-PL" dirty="0" err="1"/>
               <a:t>pozafunkcjonalne</a:t>
             </a:r>
             <a:endParaRPr lang="pl-PL" dirty="0"/>
@@ -5518,7 +5424,7 @@
           <p:cNvPr id="6" name="Content Placeholder 5">
             <a:extLst>
               <a:ext uri="{FF2B5EF4-FFF2-40B4-BE49-F238E27FC236}">
-                <a16:creationId xmlns:a16="http://schemas.microsoft.com/office/drawing/2014/main" xmlns="" id="{B934A6F7-624C-44D6-AE51-02CEF6C81B2A}"/>
+                <a16:creationId xmlns:a16="http://schemas.microsoft.com/office/drawing/2014/main" id="{B934A6F7-624C-44D6-AE51-02CEF6C81B2A}"/>
               </a:ext>
             </a:extLst>
           </p:cNvPr>
@@ -5545,11 +5451,7 @@
             </a:pPr>
             <a:r>
               <a:rPr lang="pl-PL" dirty="0"/>
-              <a:t> Wysoka </a:t>
-            </a:r>
-            <a:r>
-              <a:rPr lang="pl-PL" dirty="0" smtClean="0"/>
-              <a:t>niezawodność</a:t>
+              <a:t> Wysoka niezawodność</a:t>
             </a:r>
           </a:p>
           <a:p>
@@ -5558,7 +5460,7 @@
               <a:buChar char="v"/>
             </a:pPr>
             <a:r>
-              <a:rPr lang="pl-PL" dirty="0" smtClean="0"/>
+              <a:rPr lang="pl-PL" dirty="0"/>
               <a:t> Obsługa systemu nie wymagająca specjalistycznej wiedzy informatycznej</a:t>
             </a:r>
           </a:p>
@@ -5568,10 +5470,9 @@
               <a:buChar char="v"/>
             </a:pPr>
             <a:r>
-              <a:rPr lang="pl-PL" dirty="0" smtClean="0"/>
-              <a:t> Satysfakcjonująca wydajność</a:t>
-            </a:r>
-            <a:endParaRPr lang="pl-PL" dirty="0"/>
+              <a:rPr lang="pl-PL" dirty="0"/>
+              <a:t> Zadowalająca wydajność – nieprzeszkadzająca w użytkowaniu</a:t>
+            </a:r>
           </a:p>
         </p:txBody>
       </p:sp>
@@ -5610,7 +5511,7 @@
           <p:cNvPr id="2" name="Title 1">
             <a:extLst>
               <a:ext uri="{FF2B5EF4-FFF2-40B4-BE49-F238E27FC236}">
-                <a16:creationId xmlns:a16="http://schemas.microsoft.com/office/drawing/2014/main" xmlns="" id="{FA9A14CD-3FAC-4FCA-9265-397ADD9CC418}"/>
+                <a16:creationId xmlns:a16="http://schemas.microsoft.com/office/drawing/2014/main" id="{FA9A14CD-3FAC-4FCA-9265-397ADD9CC418}"/>
               </a:ext>
             </a:extLst>
           </p:cNvPr>
@@ -5628,13 +5529,8 @@
           <a:p>
             <a:r>
               <a:rPr lang="pl-PL" dirty="0"/>
-              <a:t>Z</a:t>
-            </a:r>
-            <a:r>
-              <a:rPr lang="pl-PL" dirty="0" smtClean="0"/>
-              <a:t>ałożenia</a:t>
-            </a:r>
-            <a:endParaRPr lang="pl-PL" dirty="0"/>
+              <a:t>Założenia</a:t>
+            </a:r>
           </a:p>
         </p:txBody>
       </p:sp>
@@ -5643,7 +5539,7 @@
           <p:cNvPr id="6" name="Content Placeholder 5">
             <a:extLst>
               <a:ext uri="{FF2B5EF4-FFF2-40B4-BE49-F238E27FC236}">
-                <a16:creationId xmlns:a16="http://schemas.microsoft.com/office/drawing/2014/main" xmlns="" id="{B934A6F7-624C-44D6-AE51-02CEF6C81B2A}"/>
+                <a16:creationId xmlns:a16="http://schemas.microsoft.com/office/drawing/2014/main" id="{B934A6F7-624C-44D6-AE51-02CEF6C81B2A}"/>
               </a:ext>
             </a:extLst>
           </p:cNvPr>
@@ -5670,13 +5566,8 @@
             </a:pPr>
             <a:r>
               <a:rPr lang="pl-PL" dirty="0"/>
-              <a:t> Ogólnodostępny system </a:t>
-            </a:r>
-            <a:r>
-              <a:rPr lang="pl-PL" dirty="0" smtClean="0"/>
-              <a:t>– system dostępny dla każdego użytkownika np. nauczyciel, szkoleniowiec, osoba przeprowadzająca korepetycje</a:t>
-            </a:r>
-            <a:endParaRPr lang="pl-PL" dirty="0"/>
+              <a:t> Ogólnodostępny system – system dostępny dla każdego użytkownika np. nauczyciel, szkoleniowiec, osoba przeprowadzająca korepetycje</a:t>
+            </a:r>
           </a:p>
           <a:p>
             <a:pPr>
@@ -5685,11 +5576,7 @@
             </a:pPr>
             <a:r>
               <a:rPr lang="pl-PL" dirty="0"/>
-              <a:t> </a:t>
-            </a:r>
-            <a:r>
-              <a:rPr lang="pl-PL" dirty="0" smtClean="0"/>
-              <a:t>Niski próg wejścia – system odpowiedni dla ludzi z różnym poziomem zaawansowania informatycznego, nie wymagający specjalistycznej wiedzy technicznej</a:t>
+              <a:t> Niski próg wejścia – system odpowiedni dla ludzi z różnym poziomem zaawansowania informatycznego, nie wymagający specjalistycznej wiedzy technicznej</a:t>
             </a:r>
           </a:p>
           <a:p>
@@ -5699,13 +5586,8 @@
             </a:pPr>
             <a:r>
               <a:rPr lang="pl-PL" dirty="0"/>
-              <a:t> </a:t>
-            </a:r>
-            <a:r>
-              <a:rPr lang="pl-PL" dirty="0" smtClean="0"/>
-              <a:t>Udostępnianie raportów – przedstawienie statystyk dotyczących rozwiązanego testu w dwóch wersjach: dla nauczyciela (statystyki dotyczące całej grupy), dla ucznia (statystyki jednostki)</a:t>
-            </a:r>
-            <a:endParaRPr lang="pl-PL" dirty="0"/>
+              <a:t> Udostępnianie raportu przez system – przedstawienie statystyk dotyczących rozwiązanego testu w dwóch wersjach: dla nauczyciela (statystyki dotyczące całej grupy), dla ucznia (statystyki jednostki)</a:t>
+            </a:r>
           </a:p>
         </p:txBody>
       </p:sp>
@@ -5744,7 +5626,7 @@
           <p:cNvPr id="2" name="Title 1">
             <a:extLst>
               <a:ext uri="{FF2B5EF4-FFF2-40B4-BE49-F238E27FC236}">
-                <a16:creationId xmlns:a16="http://schemas.microsoft.com/office/drawing/2014/main" xmlns="" id="{5A6A77C3-72E5-48B2-A6F4-246968F7F211}"/>
+                <a16:creationId xmlns:a16="http://schemas.microsoft.com/office/drawing/2014/main" id="{5A6A77C3-72E5-48B2-A6F4-246968F7F211}"/>
               </a:ext>
             </a:extLst>
           </p:cNvPr>
@@ -5772,7 +5654,7 @@
           <p:cNvPr id="9" name="Content Placeholder 8">
             <a:extLst>
               <a:ext uri="{FF2B5EF4-FFF2-40B4-BE49-F238E27FC236}">
-                <a16:creationId xmlns:a16="http://schemas.microsoft.com/office/drawing/2014/main" xmlns="" id="{DF56E958-97B7-4FC4-8A95-A57A1C500805}"/>
+                <a16:creationId xmlns:a16="http://schemas.microsoft.com/office/drawing/2014/main" id="{DF56E958-97B7-4FC4-8A95-A57A1C500805}"/>
               </a:ext>
             </a:extLst>
           </p:cNvPr>
@@ -5831,7 +5713,7 @@
           <p:cNvPr id="2" name="Title 1">
             <a:extLst>
               <a:ext uri="{FF2B5EF4-FFF2-40B4-BE49-F238E27FC236}">
-                <a16:creationId xmlns:a16="http://schemas.microsoft.com/office/drawing/2014/main" xmlns="" id="{5A6A77C3-72E5-48B2-A6F4-246968F7F211}"/>
+                <a16:creationId xmlns:a16="http://schemas.microsoft.com/office/drawing/2014/main" id="{5A6A77C3-72E5-48B2-A6F4-246968F7F211}"/>
               </a:ext>
             </a:extLst>
           </p:cNvPr>
@@ -5849,13 +5731,8 @@
           <a:p>
             <a:r>
               <a:rPr lang="pl-PL" dirty="0"/>
-              <a:t>Model </a:t>
-            </a:r>
-            <a:r>
-              <a:rPr lang="pl-PL" dirty="0" smtClean="0"/>
-              <a:t>bazy danych w pierwszej wersji</a:t>
-            </a:r>
-            <a:endParaRPr lang="pl-PL" dirty="0"/>
+              <a:t>Model bazy danych w pierwszej wersji</a:t>
+            </a:r>
           </a:p>
         </p:txBody>
       </p:sp>
@@ -5864,7 +5741,7 @@
           <p:cNvPr id="6" name="Content Placeholder 5">
             <a:extLst>
               <a:ext uri="{FF2B5EF4-FFF2-40B4-BE49-F238E27FC236}">
-                <a16:creationId xmlns:a16="http://schemas.microsoft.com/office/drawing/2014/main" xmlns="" id="{2D5A2047-EE18-40A1-9584-FDAE9AE6C2D5}"/>
+                <a16:creationId xmlns:a16="http://schemas.microsoft.com/office/drawing/2014/main" id="{2D5A2047-EE18-40A1-9584-FDAE9AE6C2D5}"/>
               </a:ext>
             </a:extLst>
           </p:cNvPr>
@@ -5923,7 +5800,7 @@
           <p:cNvPr id="2" name="Title 1">
             <a:extLst>
               <a:ext uri="{FF2B5EF4-FFF2-40B4-BE49-F238E27FC236}">
-                <a16:creationId xmlns:a16="http://schemas.microsoft.com/office/drawing/2014/main" xmlns="" id="{00D0D80C-D72C-42F7-884D-3A6024EE5CE2}"/>
+                <a16:creationId xmlns:a16="http://schemas.microsoft.com/office/drawing/2014/main" id="{00D0D80C-D72C-42F7-884D-3A6024EE5CE2}"/>
               </a:ext>
             </a:extLst>
           </p:cNvPr>
@@ -5951,7 +5828,7 @@
           <p:cNvPr id="5" name="Picture 4">
             <a:extLst>
               <a:ext uri="{FF2B5EF4-FFF2-40B4-BE49-F238E27FC236}">
-                <a16:creationId xmlns:a16="http://schemas.microsoft.com/office/drawing/2014/main" xmlns="" id="{70D0993F-B70F-4928-BF68-3084C130E574}"/>
+                <a16:creationId xmlns:a16="http://schemas.microsoft.com/office/drawing/2014/main" id="{70D0993F-B70F-4928-BF68-3084C130E574}"/>
               </a:ext>
             </a:extLst>
           </p:cNvPr>
@@ -5993,7 +5870,7 @@
           <p:cNvPr id="7" name="Picture 6">
             <a:extLst>
               <a:ext uri="{FF2B5EF4-FFF2-40B4-BE49-F238E27FC236}">
-                <a16:creationId xmlns:a16="http://schemas.microsoft.com/office/drawing/2014/main" xmlns="" id="{06DBE681-B830-4FBD-B6F5-7C4604D7B78F}"/>
+                <a16:creationId xmlns:a16="http://schemas.microsoft.com/office/drawing/2014/main" id="{06DBE681-B830-4FBD-B6F5-7C4604D7B78F}"/>
               </a:ext>
             </a:extLst>
           </p:cNvPr>
@@ -6035,7 +5912,7 @@
           <p:cNvPr id="13" name="Picture 12">
             <a:extLst>
               <a:ext uri="{FF2B5EF4-FFF2-40B4-BE49-F238E27FC236}">
-                <a16:creationId xmlns:a16="http://schemas.microsoft.com/office/drawing/2014/main" xmlns="" id="{81D69DDE-3BD5-4A00-9D5F-B8A7C8403913}"/>
+                <a16:creationId xmlns:a16="http://schemas.microsoft.com/office/drawing/2014/main" id="{81D69DDE-3BD5-4A00-9D5F-B8A7C8403913}"/>
               </a:ext>
             </a:extLst>
           </p:cNvPr>
@@ -6077,7 +5954,7 @@
           <p:cNvPr id="15" name="Picture 14">
             <a:extLst>
               <a:ext uri="{FF2B5EF4-FFF2-40B4-BE49-F238E27FC236}">
-                <a16:creationId xmlns:a16="http://schemas.microsoft.com/office/drawing/2014/main" xmlns="" id="{288B2B24-B555-4FE4-8E2F-9735C4A937E9}"/>
+                <a16:creationId xmlns:a16="http://schemas.microsoft.com/office/drawing/2014/main" id="{288B2B24-B555-4FE4-8E2F-9735C4A937E9}"/>
               </a:ext>
             </a:extLst>
           </p:cNvPr>
@@ -6119,7 +5996,7 @@
           <p:cNvPr id="16" name="TextBox 15">
             <a:extLst>
               <a:ext uri="{FF2B5EF4-FFF2-40B4-BE49-F238E27FC236}">
-                <a16:creationId xmlns:a16="http://schemas.microsoft.com/office/drawing/2014/main" xmlns="" id="{622F8360-F40F-4E95-939B-1EAF04A73DF7}"/>
+                <a16:creationId xmlns:a16="http://schemas.microsoft.com/office/drawing/2014/main" id="{622F8360-F40F-4E95-939B-1EAF04A73DF7}"/>
               </a:ext>
             </a:extLst>
           </p:cNvPr>
@@ -6171,7 +6048,7 @@
           <p:cNvPr id="17" name="TextBox 16">
             <a:extLst>
               <a:ext uri="{FF2B5EF4-FFF2-40B4-BE49-F238E27FC236}">
-                <a16:creationId xmlns:a16="http://schemas.microsoft.com/office/drawing/2014/main" xmlns="" id="{29C08682-FFB6-4337-B227-B12F0B2E7E1A}"/>
+                <a16:creationId xmlns:a16="http://schemas.microsoft.com/office/drawing/2014/main" id="{29C08682-FFB6-4337-B227-B12F0B2E7E1A}"/>
               </a:ext>
             </a:extLst>
           </p:cNvPr>
@@ -6207,7 +6084,7 @@
           <p:cNvPr id="18" name="TextBox 17">
             <a:extLst>
               <a:ext uri="{FF2B5EF4-FFF2-40B4-BE49-F238E27FC236}">
-                <a16:creationId xmlns:a16="http://schemas.microsoft.com/office/drawing/2014/main" xmlns="" id="{3C0A5B1D-D3FF-4AF4-B6D3-0E9C2DB52D05}"/>
+                <a16:creationId xmlns:a16="http://schemas.microsoft.com/office/drawing/2014/main" id="{3C0A5B1D-D3FF-4AF4-B6D3-0E9C2DB52D05}"/>
               </a:ext>
             </a:extLst>
           </p:cNvPr>
@@ -6243,7 +6120,7 @@
           <p:cNvPr id="19" name="TextBox 18">
             <a:extLst>
               <a:ext uri="{FF2B5EF4-FFF2-40B4-BE49-F238E27FC236}">
-                <a16:creationId xmlns:a16="http://schemas.microsoft.com/office/drawing/2014/main" xmlns="" id="{EA9654E6-A397-4850-8A16-BE25FCFB56BD}"/>
+                <a16:creationId xmlns:a16="http://schemas.microsoft.com/office/drawing/2014/main" id="{EA9654E6-A397-4850-8A16-BE25FCFB56BD}"/>
               </a:ext>
             </a:extLst>
           </p:cNvPr>
@@ -6279,7 +6156,7 @@
           <p:cNvPr id="21" name="Picture 20">
             <a:extLst>
               <a:ext uri="{FF2B5EF4-FFF2-40B4-BE49-F238E27FC236}">
-                <a16:creationId xmlns:a16="http://schemas.microsoft.com/office/drawing/2014/main" xmlns="" id="{09CF0FA2-83F4-4C85-9A4F-B4D309F291D4}"/>
+                <a16:creationId xmlns:a16="http://schemas.microsoft.com/office/drawing/2014/main" id="{09CF0FA2-83F4-4C85-9A4F-B4D309F291D4}"/>
               </a:ext>
             </a:extLst>
           </p:cNvPr>
@@ -6604,7 +6481,7 @@
   <a:extraClrSchemeLst/>
   <a:extLst>
     <a:ext uri="{05A4C25C-085E-4340-85A3-A5531E510DB2}">
-      <thm15:themeFamily xmlns:thm15="http://schemas.microsoft.com/office/thememl/2012/main" xmlns="" name="RetrospectVTI" id="{ABE3C30C-0FC0-4450-828E-52DE70F1BCCB}" vid="{A6E2497D-935A-4CFD-B9FD-6DCB15FA68BF}"/>
+      <thm15:themeFamily xmlns:thm15="http://schemas.microsoft.com/office/thememl/2012/main" name="RetrospectVTI" id="{ABE3C30C-0FC0-4450-828E-52DE70F1BCCB}" vid="{A6E2497D-935A-4CFD-B9FD-6DCB15FA68BF}"/>
     </a:ext>
   </a:extLst>
 </a:theme>
